--- a/board_시퀀스다이어그램.pptx
+++ b/board_시퀀스다이어그램.pptx
@@ -1697,7 +1697,7 @@
         <p:spPr>
           <a:xfrm>
             <a:off x="10848960" y="44711640"/>
-            <a:ext cx="2139840" cy="363960"/>
+            <a:ext cx="2139480" cy="363960"/>
           </a:xfrm>
           <a:prstGeom prst="rect">
             <a:avLst/>
@@ -1776,7 +1776,7 @@
         <p:spPr>
           <a:xfrm>
             <a:off x="7588800" y="2138760"/>
-            <a:ext cx="1600920" cy="428400"/>
+            <a:ext cx="1600560" cy="428040"/>
           </a:xfrm>
           <a:prstGeom prst="rect">
             <a:avLst/>
@@ -1832,7 +1832,7 @@
         <p:spPr>
           <a:xfrm>
             <a:off x="2201760" y="2123280"/>
-            <a:ext cx="1600920" cy="428400"/>
+            <a:ext cx="1600560" cy="428040"/>
           </a:xfrm>
           <a:prstGeom prst="rect">
             <a:avLst/>
@@ -1888,7 +1888,7 @@
         <p:spPr>
           <a:xfrm>
             <a:off x="11665080" y="2138760"/>
-            <a:ext cx="1600920" cy="428400"/>
+            <a:ext cx="1600560" cy="428040"/>
           </a:xfrm>
           <a:prstGeom prst="rect">
             <a:avLst/>
@@ -1944,7 +1944,7 @@
         <p:spPr>
           <a:xfrm>
             <a:off x="19890000" y="2138760"/>
-            <a:ext cx="1600920" cy="428400"/>
+            <a:ext cx="1600560" cy="428040"/>
           </a:xfrm>
           <a:prstGeom prst="rect">
             <a:avLst/>
@@ -2000,7 +2000,7 @@
         <p:spPr>
           <a:xfrm>
             <a:off x="24542640" y="2138760"/>
-            <a:ext cx="1600920" cy="428400"/>
+            <a:ext cx="1600560" cy="428040"/>
           </a:xfrm>
           <a:prstGeom prst="rect">
             <a:avLst/>
@@ -2057,7 +2057,7 @@
         <p:spPr>
           <a:xfrm>
             <a:off x="28654200" y="2138760"/>
-            <a:ext cx="1600920" cy="428400"/>
+            <a:ext cx="1600560" cy="428040"/>
           </a:xfrm>
           <a:prstGeom prst="rect">
             <a:avLst/>
@@ -2113,7 +2113,7 @@
         <p:spPr>
           <a:xfrm>
             <a:off x="16120080" y="2138760"/>
-            <a:ext cx="1600920" cy="428400"/>
+            <a:ext cx="1600560" cy="428040"/>
           </a:xfrm>
           <a:prstGeom prst="rect">
             <a:avLst/>
@@ -2169,7 +2169,7 @@
         <p:spPr>
           <a:xfrm>
             <a:off x="15195240" y="1559520"/>
-            <a:ext cx="3604320" cy="27194760"/>
+            <a:ext cx="3603960" cy="27194400"/>
           </a:xfrm>
           <a:prstGeom prst="rect">
             <a:avLst/>
@@ -2339,7 +2339,7 @@
         <p:spPr>
           <a:xfrm>
             <a:off x="641520" y="360360"/>
-            <a:ext cx="9374040" cy="820800"/>
+            <a:ext cx="9373680" cy="820800"/>
           </a:xfrm>
           <a:prstGeom prst="rect">
             <a:avLst/>
@@ -2400,7 +2400,7 @@
         <p:spPr>
           <a:xfrm>
             <a:off x="6081120" y="3789360"/>
-            <a:ext cx="5048280" cy="360"/>
+            <a:ext cx="5047920" cy="360"/>
           </a:xfrm>
           <a:custGeom>
             <a:avLst/>
@@ -2443,7 +2443,7 @@
         <p:spPr>
           <a:xfrm>
             <a:off x="11116080" y="3623760"/>
-            <a:ext cx="2940480" cy="1126440"/>
+            <a:ext cx="2940120" cy="1126080"/>
           </a:xfrm>
           <a:prstGeom prst="rect">
             <a:avLst/>
@@ -2494,6 +2494,11 @@
             </a:endParaRPr>
           </a:p>
           <a:p>
+            <a:pPr>
+              <a:lnSpc>
+                <a:spcPct val="100000"/>
+              </a:lnSpc>
+            </a:pPr>
             <a:r>
               <a:rPr b="1" lang="en-US" sz="1800" spc="-1" strike="noStrike">
                 <a:solidFill>
@@ -2589,7 +2594,7 @@
         <p:spPr>
           <a:xfrm>
             <a:off x="804240" y="3610080"/>
-            <a:ext cx="5531760" cy="333720"/>
+            <a:ext cx="5531400" cy="333360"/>
           </a:xfrm>
           <a:prstGeom prst="rect">
             <a:avLst/>
@@ -2653,10 +2658,10 @@
         </p:nvGrpSpPr>
         <p:grpSpPr>
           <a:xfrm>
-            <a:off x="13688640" y="3812760"/>
-            <a:ext cx="1772280" cy="293040"/>
-            <a:chOff x="13688640" y="3812760"/>
-            <a:chExt cx="1772280" cy="293040"/>
+            <a:off x="13688280" y="3812040"/>
+            <a:ext cx="1772280" cy="293760"/>
+            <a:chOff x="13688280" y="3812040"/>
+            <a:chExt cx="1772280" cy="293760"/>
           </a:xfrm>
         </p:grpSpPr>
         <p:sp>
@@ -2667,8 +2672,8 @@
           </p:nvSpPr>
           <p:spPr>
             <a:xfrm flipV="1">
-              <a:off x="13699800" y="3812400"/>
-              <a:ext cx="1761120" cy="12240"/>
+              <a:off x="13699800" y="3811320"/>
+              <a:ext cx="1760760" cy="11880"/>
             </a:xfrm>
             <a:custGeom>
               <a:avLst/>
@@ -2711,7 +2716,7 @@
           <p:spPr>
             <a:xfrm flipH="1">
               <a:off x="13688280" y="4105440"/>
-              <a:ext cx="1755720" cy="360"/>
+              <a:ext cx="1755360" cy="360"/>
             </a:xfrm>
             <a:custGeom>
               <a:avLst/>
@@ -2755,7 +2760,7 @@
         <p:spPr>
           <a:xfrm>
             <a:off x="19685520" y="3711600"/>
-            <a:ext cx="2647440" cy="363960"/>
+            <a:ext cx="2647080" cy="363960"/>
           </a:xfrm>
           <a:prstGeom prst="rect">
             <a:avLst/>
@@ -2806,7 +2811,7 @@
         <p:spPr>
           <a:xfrm>
             <a:off x="24033960" y="3725640"/>
-            <a:ext cx="4294080" cy="363960"/>
+            <a:ext cx="4293720" cy="363960"/>
           </a:xfrm>
           <a:prstGeom prst="rect">
             <a:avLst/>
@@ -2876,9 +2881,9 @@
         </p:nvGrpSpPr>
         <p:grpSpPr>
           <a:xfrm>
-            <a:off x="28164600" y="3859920"/>
+            <a:off x="28164240" y="3859920"/>
             <a:ext cx="1867680" cy="294120"/>
-            <a:chOff x="28164600" y="3859920"/>
+            <a:chOff x="28164240" y="3859920"/>
             <a:chExt cx="1867680" cy="294120"/>
           </a:xfrm>
         </p:grpSpPr>
@@ -2891,7 +2896,7 @@
           <p:spPr>
             <a:xfrm>
               <a:off x="28167480" y="3859920"/>
-              <a:ext cx="1864800" cy="360"/>
+              <a:ext cx="1864440" cy="360"/>
             </a:xfrm>
             <a:custGeom>
               <a:avLst/>
@@ -2934,7 +2939,7 @@
           <p:spPr>
             <a:xfrm flipH="1">
               <a:off x="28164240" y="4153680"/>
-              <a:ext cx="1865880" cy="360"/>
+              <a:ext cx="1865520" cy="360"/>
             </a:xfrm>
             <a:custGeom>
               <a:avLst/>
@@ -2977,10 +2982,10 @@
         </p:nvGrpSpPr>
         <p:grpSpPr>
           <a:xfrm>
-            <a:off x="22037760" y="3805200"/>
-            <a:ext cx="1914480" cy="234360"/>
-            <a:chOff x="22037760" y="3805200"/>
-            <a:chExt cx="1914480" cy="234360"/>
+            <a:off x="22037400" y="3804480"/>
+            <a:ext cx="1914480" cy="235080"/>
+            <a:chOff x="22037400" y="3804480"/>
+            <a:chExt cx="1914480" cy="235080"/>
           </a:xfrm>
         </p:grpSpPr>
         <p:sp>
@@ -2991,8 +2996,8 @@
           </p:nvSpPr>
           <p:spPr>
             <a:xfrm flipV="1">
-              <a:off x="22048560" y="3804480"/>
-              <a:ext cx="1903680" cy="9720"/>
+              <a:off x="22048560" y="3804120"/>
+              <a:ext cx="1903320" cy="9360"/>
             </a:xfrm>
             <a:custGeom>
               <a:avLst/>
@@ -3034,8 +3039,8 @@
           </p:nvSpPr>
           <p:spPr>
             <a:xfrm flipH="1">
-              <a:off x="22037760" y="4039200"/>
-              <a:ext cx="1897920" cy="360"/>
+              <a:off x="22037040" y="4039200"/>
+              <a:ext cx="1897560" cy="360"/>
             </a:xfrm>
             <a:custGeom>
               <a:avLst/>
@@ -3079,7 +3084,7 @@
         <p:spPr>
           <a:xfrm>
             <a:off x="828720" y="3994560"/>
-            <a:ext cx="1486800" cy="411480"/>
+            <a:ext cx="1486440" cy="411120"/>
           </a:xfrm>
           <a:prstGeom prst="rect">
             <a:avLst/>
@@ -3136,74 +3141,7 @@
         <p:spPr>
           <a:xfrm>
             <a:off x="28656000" y="9530280"/>
-            <a:ext cx="4032000" cy="333720"/>
-          </a:xfrm>
-          <a:prstGeom prst="rect">
-            <a:avLst/>
-          </a:prstGeom>
-          <a:noFill/>
-          <a:ln>
-            <a:noFill/>
-          </a:ln>
-        </p:spPr>
-        <p:style>
-          <a:lnRef idx="0"/>
-          <a:fillRef idx="0"/>
-          <a:effectRef idx="0"/>
-          <a:fontRef idx="minor"/>
-        </p:style>
-        <p:txBody>
-          <a:bodyPr lIns="90000" rIns="90000" tIns="45000" bIns="45000">
-            <a:spAutoFit/>
-          </a:bodyPr>
-          <a:p>
-            <a:r>
-              <a:rPr b="1" lang="en-US" sz="1600" spc="-1" strike="noStrike">
-                <a:solidFill>
-                  <a:srgbClr val="a7ec21"/>
-                </a:solidFill>
-                <a:latin typeface="Consolas"/>
-                <a:ea typeface="Consolas"/>
-              </a:rPr>
-              <a:t>resultType</a:t>
-            </a:r>
-            <a:r>
-              <a:rPr b="1" lang="en-US" sz="1600" spc="-1" strike="noStrike">
-                <a:solidFill>
-                  <a:srgbClr val="52ca11"/>
-                </a:solidFill>
-                <a:latin typeface="Consolas"/>
-                <a:ea typeface="Consolas"/>
-              </a:rPr>
-              <a:t>=</a:t>
-            </a:r>
-            <a:r>
-              <a:rPr b="1" lang="en-US" sz="1600" spc="-1" strike="noStrike">
-                <a:solidFill>
-                  <a:srgbClr val="17c694"/>
-                </a:solidFill>
-                <a:latin typeface="Consolas"/>
-                <a:ea typeface="Consolas"/>
-              </a:rPr>
-              <a:t>"com.javaex.vo.BoardVo"</a:t>
-            </a:r>
-            <a:endParaRPr b="1" lang="en-US" sz="1600" spc="-1" strike="noStrike">
-              <a:latin typeface="Consolas"/>
-              <a:ea typeface="Consolas"/>
-            </a:endParaRPr>
-          </a:p>
-        </p:txBody>
-      </p:sp>
-      <p:sp>
-        <p:nvSpPr>
-          <p:cNvPr id="70" name="CustomShape 33"/>
-          <p:cNvSpPr/>
-          <p:nvPr/>
-        </p:nvSpPr>
-        <p:spPr>
-          <a:xfrm>
-            <a:off x="722880" y="3033000"/>
-            <a:ext cx="2418120" cy="363960"/>
+            <a:ext cx="4031640" cy="333360"/>
           </a:xfrm>
           <a:prstGeom prst="rect">
             <a:avLst/>
@@ -3230,6 +3168,77 @@
               </a:lnSpc>
             </a:pPr>
             <a:r>
+              <a:rPr b="1" lang="en-US" sz="1600" spc="-1" strike="noStrike">
+                <a:solidFill>
+                  <a:srgbClr val="a7ec21"/>
+                </a:solidFill>
+                <a:latin typeface="Consolas"/>
+                <a:ea typeface="Consolas"/>
+              </a:rPr>
+              <a:t>resultType</a:t>
+            </a:r>
+            <a:r>
+              <a:rPr b="1" lang="en-US" sz="1600" spc="-1" strike="noStrike">
+                <a:solidFill>
+                  <a:srgbClr val="52ca11"/>
+                </a:solidFill>
+                <a:latin typeface="Consolas"/>
+                <a:ea typeface="Consolas"/>
+              </a:rPr>
+              <a:t>=</a:t>
+            </a:r>
+            <a:r>
+              <a:rPr b="1" lang="en-US" sz="1600" spc="-1" strike="noStrike">
+                <a:solidFill>
+                  <a:srgbClr val="17c694"/>
+                </a:solidFill>
+                <a:latin typeface="Consolas"/>
+                <a:ea typeface="Consolas"/>
+              </a:rPr>
+              <a:t>"com.javaex.vo.BoardVo"</a:t>
+            </a:r>
+            <a:endParaRPr b="0" lang="en-US" sz="1600" spc="-1" strike="noStrike">
+              <a:latin typeface="굴림"/>
+            </a:endParaRPr>
+          </a:p>
+        </p:txBody>
+      </p:sp>
+      <p:sp>
+        <p:nvSpPr>
+          <p:cNvPr id="70" name="CustomShape 33"/>
+          <p:cNvSpPr/>
+          <p:nvPr/>
+        </p:nvSpPr>
+        <p:spPr>
+          <a:xfrm>
+            <a:off x="722880" y="3033000"/>
+            <a:ext cx="2417760" cy="363960"/>
+          </a:xfrm>
+          <a:prstGeom prst="rect">
+            <a:avLst/>
+          </a:prstGeom>
+          <a:noFill/>
+          <a:ln>
+            <a:noFill/>
+          </a:ln>
+        </p:spPr>
+        <p:style>
+          <a:lnRef idx="0"/>
+          <a:fillRef idx="0"/>
+          <a:effectRef idx="0"/>
+          <a:fontRef idx="minor"/>
+        </p:style>
+        <p:txBody>
+          <a:bodyPr lIns="90000" rIns="90000" tIns="45000" bIns="45000">
+            <a:spAutoFit/>
+          </a:bodyPr>
+          <a:p>
+            <a:pPr>
+              <a:lnSpc>
+                <a:spcPct val="100000"/>
+              </a:lnSpc>
+            </a:pPr>
+            <a:r>
               <a:rPr b="1" lang="en-US" sz="1800" spc="-1" strike="noStrike">
                 <a:solidFill>
                   <a:srgbClr val="000000"/>
@@ -3274,7 +3283,7 @@
         <p:spPr>
           <a:xfrm flipV="1">
             <a:off x="2377440" y="4024440"/>
-            <a:ext cx="352440" cy="228600"/>
+            <a:ext cx="352080" cy="228240"/>
           </a:xfrm>
           <a:custGeom>
             <a:avLst/>
@@ -3317,7 +3326,7 @@
         <p:spPr>
           <a:xfrm>
             <a:off x="21809880" y="4347000"/>
-            <a:ext cx="2094120" cy="333000"/>
+            <a:ext cx="2093760" cy="333000"/>
           </a:xfrm>
           <a:prstGeom prst="rect">
             <a:avLst/>
@@ -3368,7 +3377,7 @@
         <p:spPr>
           <a:xfrm>
             <a:off x="13629600" y="4116240"/>
-            <a:ext cx="1507680" cy="333000"/>
+            <a:ext cx="1507320" cy="332640"/>
           </a:xfrm>
           <a:prstGeom prst="rect">
             <a:avLst/>
@@ -3394,7 +3403,7 @@
         <p:spPr>
           <a:xfrm>
             <a:off x="2088000" y="4680000"/>
-            <a:ext cx="1368000" cy="288000"/>
+            <a:ext cx="1367640" cy="287640"/>
           </a:xfrm>
           <a:prstGeom prst="rect">
             <a:avLst/>
@@ -3449,8 +3458,8 @@
         </p:nvSpPr>
         <p:spPr>
           <a:xfrm flipH="1">
-            <a:off x="9654480" y="4116240"/>
-            <a:ext cx="1460160" cy="498240"/>
+            <a:off x="9653760" y="4116240"/>
+            <a:ext cx="1459800" cy="497880"/>
           </a:xfrm>
           <a:custGeom>
             <a:avLst/>
@@ -3493,7 +3502,7 @@
         <p:spPr>
           <a:xfrm flipH="1">
             <a:off x="5543640" y="4553640"/>
-            <a:ext cx="2256840" cy="630360"/>
+            <a:ext cx="2256480" cy="630000"/>
           </a:xfrm>
           <a:custGeom>
             <a:avLst/>
@@ -3536,7 +3545,7 @@
         <p:spPr>
           <a:xfrm>
             <a:off x="7803720" y="4368960"/>
-            <a:ext cx="2139840" cy="363960"/>
+            <a:ext cx="2139480" cy="363960"/>
           </a:xfrm>
           <a:prstGeom prst="rect">
             <a:avLst/>
@@ -3587,7 +3596,7 @@
         <p:spPr>
           <a:xfrm>
             <a:off x="11304000" y="4247640"/>
-            <a:ext cx="1923480" cy="333000"/>
+            <a:ext cx="1923120" cy="332640"/>
           </a:xfrm>
           <a:prstGeom prst="rect">
             <a:avLst/>
@@ -3613,7 +3622,7 @@
         <p:spPr>
           <a:xfrm>
             <a:off x="15927840" y="3725640"/>
-            <a:ext cx="2647440" cy="363960"/>
+            <a:ext cx="2647080" cy="363960"/>
           </a:xfrm>
           <a:prstGeom prst="rect">
             <a:avLst/>
@@ -3663,10 +3672,10 @@
         </p:nvGrpSpPr>
         <p:grpSpPr>
           <a:xfrm>
-            <a:off x="17957880" y="3812760"/>
-            <a:ext cx="1772280" cy="293040"/>
-            <a:chOff x="17957880" y="3812760"/>
-            <a:chExt cx="1772280" cy="293040"/>
+            <a:off x="17957520" y="3812040"/>
+            <a:ext cx="1772280" cy="293760"/>
+            <a:chOff x="17957520" y="3812040"/>
+            <a:chExt cx="1772280" cy="293760"/>
           </a:xfrm>
         </p:grpSpPr>
         <p:sp>
@@ -3677,8 +3686,8 @@
           </p:nvSpPr>
           <p:spPr>
             <a:xfrm flipV="1">
-              <a:off x="17969040" y="3812400"/>
-              <a:ext cx="1761120" cy="12240"/>
+              <a:off x="17969040" y="3811320"/>
+              <a:ext cx="1760760" cy="11880"/>
             </a:xfrm>
             <a:custGeom>
               <a:avLst/>
@@ -3721,7 +3730,7 @@
           <p:spPr>
             <a:xfrm flipH="1">
               <a:off x="17957520" y="4105440"/>
-              <a:ext cx="1755720" cy="360"/>
+              <a:ext cx="1755360" cy="360"/>
             </a:xfrm>
             <a:custGeom>
               <a:avLst/>
@@ -3765,9 +3774,9 @@
         <p:grpSpPr>
           <a:xfrm>
             <a:off x="789120" y="8064000"/>
-            <a:ext cx="12818160" cy="2108880"/>
+            <a:ext cx="12817800" cy="2108880"/>
             <a:chOff x="789120" y="8064000"/>
-            <a:chExt cx="12818160" cy="2108880"/>
+            <a:chExt cx="12817800" cy="2108880"/>
           </a:xfrm>
         </p:grpSpPr>
         <p:sp>
@@ -3779,7 +3788,7 @@
           <p:spPr>
             <a:xfrm>
               <a:off x="5166360" y="8739000"/>
-              <a:ext cx="6357240" cy="360"/>
+              <a:ext cx="6356880" cy="360"/>
             </a:xfrm>
             <a:custGeom>
               <a:avLst/>
@@ -3822,7 +3831,7 @@
           <p:spPr>
             <a:xfrm>
               <a:off x="11497320" y="8559720"/>
-              <a:ext cx="2109960" cy="1613160"/>
+              <a:ext cx="2109600" cy="1613160"/>
             </a:xfrm>
             <a:prstGeom prst="rect">
               <a:avLst/>
@@ -3883,6 +3892,11 @@
               </a:endParaRPr>
             </a:p>
             <a:p>
+              <a:pPr>
+                <a:lnSpc>
+                  <a:spcPct val="100000"/>
+                </a:lnSpc>
+              </a:pPr>
               <a:r>
                 <a:rPr b="1" i="1" lang="en-US" sz="1400" spc="-1" strike="noStrike">
                   <a:solidFill>
@@ -3968,6 +3982,11 @@
               </a:endParaRPr>
             </a:p>
             <a:p>
+              <a:pPr>
+                <a:lnSpc>
+                  <a:spcPct val="100000"/>
+                </a:lnSpc>
+              </a:pPr>
               <a:r>
                 <a:rPr b="1" lang="en-US" sz="1400" spc="-1" strike="noStrike">
                   <a:solidFill>
@@ -4053,7 +4072,7 @@
           <p:spPr>
             <a:xfrm>
               <a:off x="878040" y="8559720"/>
-              <a:ext cx="5385960" cy="333720"/>
+              <a:ext cx="5385600" cy="333360"/>
             </a:xfrm>
             <a:prstGeom prst="rect">
               <a:avLst/>
@@ -4118,7 +4137,7 @@
           <p:spPr>
             <a:xfrm>
               <a:off x="866520" y="8944200"/>
-              <a:ext cx="1486800" cy="411480"/>
+              <a:ext cx="1486440" cy="411120"/>
             </a:xfrm>
             <a:prstGeom prst="rect">
               <a:avLst/>
@@ -4175,7 +4194,7 @@
           <p:spPr>
             <a:xfrm>
               <a:off x="789120" y="8064000"/>
-              <a:ext cx="2418120" cy="363960"/>
+              <a:ext cx="2417760" cy="363960"/>
             </a:xfrm>
             <a:prstGeom prst="rect">
               <a:avLst/>
@@ -4247,7 +4266,7 @@
         <p:spPr>
           <a:xfrm>
             <a:off x="17856000" y="4346280"/>
-            <a:ext cx="2094120" cy="333000"/>
+            <a:ext cx="2093760" cy="333000"/>
           </a:xfrm>
           <a:prstGeom prst="rect">
             <a:avLst/>
@@ -4298,7 +4317,7 @@
         <p:spPr>
           <a:xfrm>
             <a:off x="13392000" y="4248000"/>
-            <a:ext cx="2094120" cy="333000"/>
+            <a:ext cx="2093760" cy="333000"/>
           </a:xfrm>
           <a:prstGeom prst="rect">
             <a:avLst/>
@@ -4349,7 +4368,7 @@
         <p:spPr>
           <a:xfrm>
             <a:off x="8993880" y="4706280"/>
-            <a:ext cx="2094120" cy="333000"/>
+            <a:ext cx="2093760" cy="333000"/>
           </a:xfrm>
           <a:prstGeom prst="rect">
             <a:avLst/>
@@ -4400,7 +4419,7 @@
         <p:spPr>
           <a:xfrm>
             <a:off x="13601160" y="9026280"/>
-            <a:ext cx="2094120" cy="333000"/>
+            <a:ext cx="2093760" cy="333000"/>
           </a:xfrm>
           <a:prstGeom prst="rect">
             <a:avLst/>
@@ -4450,10 +4469,10 @@
         </p:nvGrpSpPr>
         <p:grpSpPr>
           <a:xfrm>
-            <a:off x="13563000" y="8639280"/>
-            <a:ext cx="1772280" cy="292320"/>
-            <a:chOff x="13563000" y="8639280"/>
-            <a:chExt cx="1772280" cy="292320"/>
+            <a:off x="13562640" y="8638920"/>
+            <a:ext cx="1772280" cy="292680"/>
+            <a:chOff x="13562640" y="8638920"/>
+            <a:chExt cx="1772280" cy="292680"/>
           </a:xfrm>
         </p:grpSpPr>
         <p:sp>
@@ -4464,8 +4483,8 @@
           </p:nvSpPr>
           <p:spPr>
             <a:xfrm flipV="1">
-              <a:off x="13574160" y="8639280"/>
-              <a:ext cx="1761120" cy="12240"/>
+              <a:off x="13574160" y="8638560"/>
+              <a:ext cx="1760760" cy="11880"/>
             </a:xfrm>
             <a:custGeom>
               <a:avLst/>
@@ -4508,7 +4527,7 @@
           <p:spPr>
             <a:xfrm flipH="1">
               <a:off x="13562640" y="8931240"/>
-              <a:ext cx="1755720" cy="360"/>
+              <a:ext cx="1755360" cy="360"/>
             </a:xfrm>
             <a:custGeom>
               <a:avLst/>
@@ -4552,7 +4571,7 @@
         <p:spPr>
           <a:xfrm>
             <a:off x="15855840" y="8568000"/>
-            <a:ext cx="2647440" cy="363960"/>
+            <a:ext cx="2647080" cy="363960"/>
           </a:xfrm>
           <a:prstGeom prst="rect">
             <a:avLst/>
@@ -4642,10 +4661,10 @@
         </p:nvGrpSpPr>
         <p:grpSpPr>
           <a:xfrm>
-            <a:off x="17998560" y="8640360"/>
-            <a:ext cx="1772280" cy="292320"/>
-            <a:chOff x="17998560" y="8640360"/>
-            <a:chExt cx="1772280" cy="292320"/>
+            <a:off x="17998200" y="8640000"/>
+            <a:ext cx="1772280" cy="292680"/>
+            <a:chOff x="17998200" y="8640000"/>
+            <a:chExt cx="1772280" cy="292680"/>
           </a:xfrm>
         </p:grpSpPr>
         <p:sp>
@@ -4656,8 +4675,8 @@
           </p:nvSpPr>
           <p:spPr>
             <a:xfrm flipV="1">
-              <a:off x="18009720" y="8640360"/>
-              <a:ext cx="1761120" cy="12240"/>
+              <a:off x="18009720" y="8639640"/>
+              <a:ext cx="1760760" cy="11880"/>
             </a:xfrm>
             <a:custGeom>
               <a:avLst/>
@@ -4700,7 +4719,7 @@
           <p:spPr>
             <a:xfrm flipH="1">
               <a:off x="17998200" y="8932320"/>
-              <a:ext cx="1755720" cy="360"/>
+              <a:ext cx="1755360" cy="360"/>
             </a:xfrm>
             <a:custGeom>
               <a:avLst/>
@@ -4744,7 +4763,7 @@
         <p:spPr>
           <a:xfrm>
             <a:off x="17856000" y="9098280"/>
-            <a:ext cx="2094120" cy="333000"/>
+            <a:ext cx="2093760" cy="333000"/>
           </a:xfrm>
           <a:prstGeom prst="rect">
             <a:avLst/>
@@ -4795,7 +4814,7 @@
         <p:spPr>
           <a:xfrm>
             <a:off x="20053800" y="8669160"/>
-            <a:ext cx="2647440" cy="363960"/>
+            <a:ext cx="2647080" cy="363960"/>
           </a:xfrm>
           <a:prstGeom prst="rect">
             <a:avLst/>
@@ -4885,10 +4904,10 @@
         </p:nvGrpSpPr>
         <p:grpSpPr>
           <a:xfrm>
-            <a:off x="22103280" y="8854560"/>
-            <a:ext cx="1914480" cy="233640"/>
-            <a:chOff x="22103280" y="8854560"/>
-            <a:chExt cx="1914480" cy="233640"/>
+            <a:off x="22102920" y="8854200"/>
+            <a:ext cx="1914480" cy="234000"/>
+            <a:chOff x="22102920" y="8854200"/>
+            <a:chExt cx="1914480" cy="234000"/>
           </a:xfrm>
         </p:grpSpPr>
         <p:sp>
@@ -4900,7 +4919,7 @@
           <p:spPr>
             <a:xfrm flipV="1">
               <a:off x="22114080" y="8854200"/>
-              <a:ext cx="1903680" cy="9720"/>
+              <a:ext cx="1903320" cy="9360"/>
             </a:xfrm>
             <a:custGeom>
               <a:avLst/>
@@ -4942,8 +4961,8 @@
           </p:nvSpPr>
           <p:spPr>
             <a:xfrm flipH="1">
-              <a:off x="22103280" y="9087840"/>
-              <a:ext cx="1897920" cy="360"/>
+              <a:off x="22102560" y="9087840"/>
+              <a:ext cx="1897560" cy="360"/>
             </a:xfrm>
             <a:custGeom>
               <a:avLst/>
@@ -4986,9 +5005,9 @@
         </p:nvGrpSpPr>
         <p:grpSpPr>
           <a:xfrm>
-            <a:off x="28006560" y="8993880"/>
+            <a:off x="28006200" y="8993880"/>
             <a:ext cx="1867680" cy="294120"/>
-            <a:chOff x="28006560" y="8993880"/>
+            <a:chOff x="28006200" y="8993880"/>
             <a:chExt cx="1867680" cy="294120"/>
           </a:xfrm>
         </p:grpSpPr>
@@ -5001,7 +5020,7 @@
           <p:spPr>
             <a:xfrm>
               <a:off x="28009440" y="8993880"/>
-              <a:ext cx="1864800" cy="360"/>
+              <a:ext cx="1864440" cy="360"/>
             </a:xfrm>
             <a:custGeom>
               <a:avLst/>
@@ -5044,7 +5063,7 @@
           <p:spPr>
             <a:xfrm flipH="1">
               <a:off x="28006200" y="9287640"/>
-              <a:ext cx="1865880" cy="360"/>
+              <a:ext cx="1865520" cy="360"/>
             </a:xfrm>
             <a:custGeom>
               <a:avLst/>
@@ -5088,7 +5107,7 @@
         <p:spPr>
           <a:xfrm>
             <a:off x="24192000" y="8779320"/>
-            <a:ext cx="4294080" cy="363960"/>
+            <a:ext cx="4293720" cy="363960"/>
           </a:xfrm>
           <a:prstGeom prst="rect">
             <a:avLst/>
@@ -5159,7 +5178,7 @@
         <p:spPr>
           <a:xfrm>
             <a:off x="22529160" y="9216000"/>
-            <a:ext cx="2094120" cy="333000"/>
+            <a:ext cx="2093760" cy="333000"/>
           </a:xfrm>
           <a:prstGeom prst="rect">
             <a:avLst/>
@@ -5210,7 +5229,7 @@
         <p:spPr>
           <a:xfrm>
             <a:off x="30559320" y="19292040"/>
-            <a:ext cx="3280680" cy="363960"/>
+            <a:ext cx="3280320" cy="363960"/>
           </a:xfrm>
           <a:prstGeom prst="rect">
             <a:avLst/>
@@ -5271,9 +5290,9 @@
         <p:grpSpPr>
           <a:xfrm>
             <a:off x="1368000" y="18603720"/>
-            <a:ext cx="28867320" cy="3506040"/>
+            <a:ext cx="28866960" cy="3505680"/>
             <a:chOff x="1368000" y="18603720"/>
-            <a:chExt cx="28867320" cy="3506040"/>
+            <a:chExt cx="28866960" cy="3505680"/>
           </a:xfrm>
         </p:grpSpPr>
         <p:sp>
@@ -5284,8 +5303,8 @@
           </p:nvSpPr>
           <p:spPr>
             <a:xfrm flipV="1">
-              <a:off x="6984000" y="19344960"/>
-              <a:ext cx="4722480" cy="14040"/>
+              <a:off x="6984000" y="19344600"/>
+              <a:ext cx="4722120" cy="13680"/>
             </a:xfrm>
             <a:custGeom>
               <a:avLst/>
@@ -5328,7 +5347,7 @@
           <p:spPr>
             <a:xfrm>
               <a:off x="11693520" y="19180800"/>
-              <a:ext cx="3282480" cy="1400040"/>
+              <a:ext cx="3282120" cy="1400040"/>
             </a:xfrm>
             <a:prstGeom prst="rect">
               <a:avLst/>
@@ -5519,7 +5538,7 @@
           <p:spPr>
             <a:xfrm>
               <a:off x="1484640" y="19180800"/>
-              <a:ext cx="6950880" cy="382320"/>
+              <a:ext cx="6950520" cy="381960"/>
             </a:xfrm>
             <a:prstGeom prst="rect">
               <a:avLst/>
@@ -5583,10 +5602,10 @@
           </p:nvGrpSpPr>
           <p:grpSpPr>
             <a:xfrm>
-              <a:off x="19152000" y="19383120"/>
-              <a:ext cx="2041200" cy="388800"/>
-              <a:chOff x="19152000" y="19383120"/>
-              <a:chExt cx="2041200" cy="388800"/>
+              <a:off x="19151640" y="19382760"/>
+              <a:ext cx="2041200" cy="389160"/>
+              <a:chOff x="19151640" y="19382760"/>
+              <a:chExt cx="2041200" cy="389160"/>
             </a:xfrm>
           </p:grpSpPr>
           <p:sp>
@@ -5598,7 +5617,7 @@
             <p:spPr>
               <a:xfrm flipV="1">
                 <a:off x="19163160" y="19382760"/>
-                <a:ext cx="2030040" cy="16920"/>
+                <a:ext cx="2029680" cy="16560"/>
               </a:xfrm>
               <a:custGeom>
                 <a:avLst/>
@@ -5640,8 +5659,8 @@
             </p:nvSpPr>
             <p:spPr>
               <a:xfrm flipH="1">
-                <a:off x="19152000" y="19771560"/>
-                <a:ext cx="2023920" cy="360"/>
+                <a:off x="19151280" y="19771560"/>
+                <a:ext cx="2023560" cy="360"/>
               </a:xfrm>
               <a:custGeom>
                 <a:avLst/>
@@ -5685,7 +5704,7 @@
           <p:spPr>
             <a:xfrm>
               <a:off x="21213000" y="19282680"/>
-              <a:ext cx="2630160" cy="363960"/>
+              <a:ext cx="2629800" cy="363960"/>
             </a:xfrm>
             <a:prstGeom prst="rect">
               <a:avLst/>
@@ -5786,7 +5805,7 @@
           <p:spPr>
             <a:xfrm>
               <a:off x="25533000" y="19296720"/>
-              <a:ext cx="4634640" cy="363960"/>
+              <a:ext cx="4634280" cy="363960"/>
             </a:xfrm>
             <a:prstGeom prst="rect">
               <a:avLst/>
@@ -5856,9 +5875,9 @@
           </p:nvGrpSpPr>
           <p:grpSpPr>
             <a:xfrm>
-              <a:off x="28379520" y="19296720"/>
+              <a:off x="28379160" y="19296720"/>
               <a:ext cx="1855800" cy="294480"/>
-              <a:chOff x="28379520" y="19296720"/>
+              <a:chOff x="28379160" y="19296720"/>
               <a:chExt cx="1855800" cy="294480"/>
             </a:xfrm>
           </p:grpSpPr>
@@ -5871,7 +5890,7 @@
             <p:spPr>
               <a:xfrm>
                 <a:off x="28382760" y="19296720"/>
-                <a:ext cx="1852560" cy="360"/>
+                <a:ext cx="1852200" cy="360"/>
               </a:xfrm>
               <a:custGeom>
                 <a:avLst/>
@@ -5914,7 +5933,7 @@
             <p:spPr>
               <a:xfrm flipH="1">
                 <a:off x="28379160" y="19590840"/>
-                <a:ext cx="1853640" cy="360"/>
+                <a:ext cx="1853280" cy="360"/>
               </a:xfrm>
               <a:custGeom>
                 <a:avLst/>
@@ -5957,10 +5976,10 @@
           </p:nvGrpSpPr>
           <p:grpSpPr>
             <a:xfrm>
-              <a:off x="23771520" y="19386000"/>
-              <a:ext cx="1680480" cy="224280"/>
-              <a:chOff x="23771520" y="19386000"/>
-              <a:chExt cx="1680480" cy="224280"/>
+              <a:off x="23771160" y="19385280"/>
+              <a:ext cx="1680480" cy="225000"/>
+              <a:chOff x="23771160" y="19385280"/>
+              <a:chExt cx="1680480" cy="225000"/>
             </a:xfrm>
           </p:grpSpPr>
           <p:sp>
@@ -5971,8 +5990,8 @@
             </p:nvSpPr>
             <p:spPr>
               <a:xfrm flipV="1">
-                <a:off x="23843160" y="19385640"/>
-                <a:ext cx="1608840" cy="360"/>
+                <a:off x="23843160" y="19384920"/>
+                <a:ext cx="1608480" cy="360"/>
               </a:xfrm>
               <a:custGeom>
                 <a:avLst/>
@@ -6014,8 +6033,8 @@
             </p:nvSpPr>
             <p:spPr>
               <a:xfrm flipH="1">
-                <a:off x="23771520" y="19609920"/>
-                <a:ext cx="1663200" cy="360"/>
+                <a:off x="23770800" y="19609920"/>
+                <a:ext cx="1662840" cy="360"/>
               </a:xfrm>
               <a:custGeom>
                 <a:avLst/>
@@ -6059,7 +6078,7 @@
           <p:spPr>
             <a:xfrm>
               <a:off x="1473120" y="19565280"/>
-              <a:ext cx="1477080" cy="411480"/>
+              <a:ext cx="1476720" cy="411120"/>
             </a:xfrm>
             <a:prstGeom prst="rect">
               <a:avLst/>
@@ -6116,7 +6135,7 @@
           <p:spPr>
             <a:xfrm>
               <a:off x="1368000" y="18603720"/>
-              <a:ext cx="2402280" cy="363960"/>
+              <a:ext cx="2401920" cy="363960"/>
             </a:xfrm>
             <a:prstGeom prst="rect">
               <a:avLst/>
@@ -6187,7 +6206,7 @@
           <p:spPr>
             <a:xfrm flipV="1">
               <a:off x="3011760" y="19595160"/>
-              <a:ext cx="350280" cy="228600"/>
+              <a:ext cx="349920" cy="228240"/>
             </a:xfrm>
             <a:custGeom>
               <a:avLst/>
@@ -6230,7 +6249,7 @@
           <p:spPr>
             <a:xfrm>
               <a:off x="23974200" y="19676160"/>
-              <a:ext cx="1221120" cy="333000"/>
+              <a:ext cx="1220760" cy="333000"/>
             </a:xfrm>
             <a:prstGeom prst="rect">
               <a:avLst/>
@@ -6281,7 +6300,7 @@
           <p:spPr>
             <a:xfrm>
               <a:off x="20238840" y="19712160"/>
-              <a:ext cx="1221120" cy="333000"/>
+              <a:ext cx="1220760" cy="333000"/>
             </a:xfrm>
             <a:prstGeom prst="rect">
               <a:avLst/>
@@ -6332,7 +6351,7 @@
           <p:spPr>
             <a:xfrm>
               <a:off x="1713600" y="20699640"/>
-              <a:ext cx="2934360" cy="363960"/>
+              <a:ext cx="2934000" cy="363960"/>
             </a:xfrm>
             <a:prstGeom prst="rect">
               <a:avLst/>
@@ -6392,8 +6411,8 @@
           </p:nvSpPr>
           <p:spPr>
             <a:xfrm flipH="1">
-              <a:off x="5832000" y="19742760"/>
-              <a:ext cx="5686560" cy="1065240"/>
+              <a:off x="5831280" y="19742760"/>
+              <a:ext cx="5686200" cy="1064880"/>
             </a:xfrm>
             <a:custGeom>
               <a:avLst/>
@@ -6436,7 +6455,7 @@
           <p:spPr>
             <a:xfrm>
               <a:off x="1713600" y="21745800"/>
-              <a:ext cx="2934360" cy="363960"/>
+              <a:ext cx="2934000" cy="363600"/>
             </a:xfrm>
             <a:prstGeom prst="rect">
               <a:avLst/>
@@ -6462,7 +6481,7 @@
           <p:spPr>
             <a:xfrm>
               <a:off x="5446800" y="19217520"/>
-              <a:ext cx="4291920" cy="302760"/>
+              <a:ext cx="4291560" cy="302400"/>
             </a:xfrm>
             <a:prstGeom prst="rect">
               <a:avLst/>
@@ -6487,10 +6506,10 @@
           </p:nvGrpSpPr>
           <p:grpSpPr>
             <a:xfrm>
-              <a:off x="14760000" y="19418040"/>
-              <a:ext cx="2161440" cy="360000"/>
-              <a:chOff x="14760000" y="19418040"/>
-              <a:chExt cx="2161440" cy="360000"/>
+              <a:off x="14760000" y="19417680"/>
+              <a:ext cx="2160720" cy="360000"/>
+              <a:chOff x="14760000" y="19417680"/>
+              <a:chExt cx="2160720" cy="360000"/>
             </a:xfrm>
           </p:grpSpPr>
           <p:sp>
@@ -6501,8 +6520,8 @@
             </p:nvSpPr>
             <p:spPr>
               <a:xfrm flipV="1">
-                <a:off x="14760000" y="19418040"/>
-                <a:ext cx="2036520" cy="12240"/>
+                <a:off x="14760000" y="19417320"/>
+                <a:ext cx="2036160" cy="11880"/>
               </a:xfrm>
               <a:custGeom>
                 <a:avLst/>
@@ -6544,8 +6563,8 @@
             </p:nvSpPr>
             <p:spPr>
               <a:xfrm flipH="1">
-                <a:off x="14976000" y="19566360"/>
-                <a:ext cx="1945440" cy="211680"/>
+                <a:off x="14975280" y="19566360"/>
+                <a:ext cx="1945080" cy="211320"/>
               </a:xfrm>
               <a:custGeom>
                 <a:avLst/>
@@ -6589,7 +6608,7 @@
           <p:spPr>
             <a:xfrm>
               <a:off x="16848000" y="19342080"/>
-              <a:ext cx="2630160" cy="363960"/>
+              <a:ext cx="2629800" cy="363960"/>
             </a:xfrm>
             <a:prstGeom prst="rect">
               <a:avLst/>
@@ -6680,7 +6699,7 @@
           <p:spPr>
             <a:xfrm>
               <a:off x="15422400" y="19854720"/>
-              <a:ext cx="1221120" cy="333000"/>
+              <a:ext cx="1220760" cy="333000"/>
             </a:xfrm>
             <a:prstGeom prst="rect">
               <a:avLst/>
@@ -6732,9 +6751,9 @@
         <p:grpSpPr>
           <a:xfrm>
             <a:off x="864000" y="12684600"/>
-            <a:ext cx="12887280" cy="8488080"/>
+            <a:ext cx="12886920" cy="8487720"/>
             <a:chOff x="864000" y="12684600"/>
-            <a:chExt cx="12887280" cy="8488080"/>
+            <a:chExt cx="12886920" cy="8487720"/>
           </a:xfrm>
         </p:grpSpPr>
         <p:sp>
@@ -6746,7 +6765,7 @@
           <p:spPr>
             <a:xfrm>
               <a:off x="4084200" y="13359600"/>
-              <a:ext cx="7514640" cy="360"/>
+              <a:ext cx="7514280" cy="360"/>
             </a:xfrm>
             <a:custGeom>
               <a:avLst/>
@@ -6789,7 +6808,7 @@
           <p:spPr>
             <a:xfrm>
               <a:off x="11572200" y="13180320"/>
-              <a:ext cx="2179080" cy="1187640"/>
+              <a:ext cx="2178720" cy="1187640"/>
             </a:xfrm>
             <a:prstGeom prst="rect">
               <a:avLst/>
@@ -6890,7 +6909,7 @@
           <p:spPr>
             <a:xfrm>
               <a:off x="952920" y="13180320"/>
-              <a:ext cx="5455080" cy="381600"/>
+              <a:ext cx="5095080" cy="382320"/>
             </a:xfrm>
             <a:prstGeom prst="rect">
               <a:avLst/>
@@ -6955,7 +6974,7 @@
           <p:spPr>
             <a:xfrm>
               <a:off x="941400" y="13565160"/>
-              <a:ext cx="1486800" cy="411480"/>
+              <a:ext cx="1486440" cy="411120"/>
             </a:xfrm>
             <a:prstGeom prst="rect">
               <a:avLst/>
@@ -7012,7 +7031,7 @@
           <p:spPr>
             <a:xfrm>
               <a:off x="864000" y="12684600"/>
-              <a:ext cx="2418120" cy="364680"/>
+              <a:ext cx="2417760" cy="364320"/>
             </a:xfrm>
             <a:prstGeom prst="rect">
               <a:avLst/>
@@ -7083,7 +7102,7 @@
           <p:spPr>
             <a:xfrm flipH="1">
               <a:off x="9851040" y="13673160"/>
-              <a:ext cx="1688760" cy="42480"/>
+              <a:ext cx="1688400" cy="42120"/>
             </a:xfrm>
             <a:custGeom>
               <a:avLst/>
@@ -7126,7 +7145,7 @@
           <p:spPr>
             <a:xfrm flipH="1">
               <a:off x="6047640" y="13716720"/>
-              <a:ext cx="1893960" cy="683280"/>
+              <a:ext cx="1893600" cy="682920"/>
             </a:xfrm>
             <a:custGeom>
               <a:avLst/>
@@ -7169,7 +7188,7 @@
           <p:spPr>
             <a:xfrm>
               <a:off x="7944840" y="13532040"/>
-              <a:ext cx="2139840" cy="363960"/>
+              <a:ext cx="2139480" cy="363960"/>
             </a:xfrm>
             <a:prstGeom prst="rect">
               <a:avLst/>
@@ -7220,7 +7239,7 @@
           <p:spPr>
             <a:xfrm>
               <a:off x="7724160" y="20808000"/>
-              <a:ext cx="2499840" cy="364680"/>
+              <a:ext cx="2499480" cy="364320"/>
             </a:xfrm>
             <a:prstGeom prst="rect">
               <a:avLst/>
@@ -7272,7 +7291,7 @@
         <p:spPr>
           <a:xfrm>
             <a:off x="8196480" y="9315000"/>
-            <a:ext cx="2526120" cy="333000"/>
+            <a:ext cx="2525760" cy="333000"/>
           </a:xfrm>
           <a:prstGeom prst="rect">
             <a:avLst/>
@@ -7323,7 +7342,7 @@
         <p:spPr>
           <a:xfrm>
             <a:off x="27504000" y="4248000"/>
-            <a:ext cx="2094120" cy="333000"/>
+            <a:ext cx="2093760" cy="333000"/>
           </a:xfrm>
           <a:prstGeom prst="rect">
             <a:avLst/>
@@ -7378,7 +7397,7 @@
         <p:spPr>
           <a:xfrm>
             <a:off x="504000" y="4968000"/>
-            <a:ext cx="4968000" cy="2232000"/>
+            <a:ext cx="4967640" cy="2231640"/>
           </a:xfrm>
           <a:prstGeom prst="rect">
             <a:avLst/>
@@ -7397,7 +7416,7 @@
         <p:spPr>
           <a:xfrm>
             <a:off x="2160000" y="9576000"/>
-            <a:ext cx="1296000" cy="288000"/>
+            <a:ext cx="1295640" cy="287640"/>
           </a:xfrm>
           <a:prstGeom prst="rect">
             <a:avLst/>
@@ -7453,7 +7472,7 @@
         <p:spPr>
           <a:xfrm flipH="1">
             <a:off x="5662800" y="9504000"/>
-            <a:ext cx="2256840" cy="630360"/>
+            <a:ext cx="2256480" cy="630000"/>
           </a:xfrm>
           <a:custGeom>
             <a:avLst/>
@@ -7495,8 +7514,8 @@
         </p:nvSpPr>
         <p:spPr>
           <a:xfrm flipH="1">
-            <a:off x="9627840" y="9000000"/>
-            <a:ext cx="1460160" cy="498240"/>
+            <a:off x="9627120" y="9000000"/>
+            <a:ext cx="1459800" cy="497880"/>
           </a:xfrm>
           <a:custGeom>
             <a:avLst/>
@@ -7543,7 +7562,7 @@
         <p:spPr>
           <a:xfrm>
             <a:off x="720000" y="9864000"/>
-            <a:ext cx="4943160" cy="2232000"/>
+            <a:ext cx="4942800" cy="2231640"/>
           </a:xfrm>
           <a:prstGeom prst="rect">
             <a:avLst/>
@@ -7562,74 +7581,7 @@
         <p:spPr>
           <a:xfrm>
             <a:off x="28512000" y="3312000"/>
-            <a:ext cx="4032000" cy="333720"/>
-          </a:xfrm>
-          <a:prstGeom prst="rect">
-            <a:avLst/>
-          </a:prstGeom>
-          <a:noFill/>
-          <a:ln>
-            <a:noFill/>
-          </a:ln>
-        </p:spPr>
-        <p:style>
-          <a:lnRef idx="0"/>
-          <a:fillRef idx="0"/>
-          <a:effectRef idx="0"/>
-          <a:fontRef idx="minor"/>
-        </p:style>
-        <p:txBody>
-          <a:bodyPr lIns="90000" rIns="90000" tIns="45000" bIns="45000">
-            <a:spAutoFit/>
-          </a:bodyPr>
-          <a:p>
-            <a:r>
-              <a:rPr b="1" lang="en-US" sz="1600" spc="-1" strike="noStrike">
-                <a:solidFill>
-                  <a:srgbClr val="a7ec21"/>
-                </a:solidFill>
-                <a:latin typeface="Consolas"/>
-                <a:ea typeface="Consolas"/>
-              </a:rPr>
-              <a:t>resultType</a:t>
-            </a:r>
-            <a:r>
-              <a:rPr b="1" lang="en-US" sz="1600" spc="-1" strike="noStrike">
-                <a:solidFill>
-                  <a:srgbClr val="52ca11"/>
-                </a:solidFill>
-                <a:latin typeface="Consolas"/>
-                <a:ea typeface="Consolas"/>
-              </a:rPr>
-              <a:t>=</a:t>
-            </a:r>
-            <a:r>
-              <a:rPr b="1" lang="en-US" sz="1600" spc="-1" strike="noStrike">
-                <a:solidFill>
-                  <a:srgbClr val="17c694"/>
-                </a:solidFill>
-                <a:latin typeface="Consolas"/>
-                <a:ea typeface="Consolas"/>
-              </a:rPr>
-              <a:t>"com.javaex.vo.BoardVo"</a:t>
-            </a:r>
-            <a:endParaRPr b="1" lang="en-US" sz="1600" spc="-1" strike="noStrike">
-              <a:latin typeface="Consolas"/>
-              <a:ea typeface="Consolas"/>
-            </a:endParaRPr>
-          </a:p>
-        </p:txBody>
-      </p:sp>
-      <p:sp>
-        <p:nvSpPr>
-          <p:cNvPr id="158" name="CustomShape 119"/>
-          <p:cNvSpPr/>
-          <p:nvPr/>
-        </p:nvSpPr>
-        <p:spPr>
-          <a:xfrm>
-            <a:off x="9713880" y="9576000"/>
-            <a:ext cx="2094120" cy="333000"/>
+            <a:ext cx="4031640" cy="333360"/>
           </a:xfrm>
           <a:prstGeom prst="rect">
             <a:avLst/>
@@ -7658,6 +7610,77 @@
             <a:r>
               <a:rPr b="1" lang="en-US" sz="1600" spc="-1" strike="noStrike">
                 <a:solidFill>
+                  <a:srgbClr val="a7ec21"/>
+                </a:solidFill>
+                <a:latin typeface="Consolas"/>
+                <a:ea typeface="Consolas"/>
+              </a:rPr>
+              <a:t>resultType</a:t>
+            </a:r>
+            <a:r>
+              <a:rPr b="1" lang="en-US" sz="1600" spc="-1" strike="noStrike">
+                <a:solidFill>
+                  <a:srgbClr val="52ca11"/>
+                </a:solidFill>
+                <a:latin typeface="Consolas"/>
+                <a:ea typeface="Consolas"/>
+              </a:rPr>
+              <a:t>=</a:t>
+            </a:r>
+            <a:r>
+              <a:rPr b="1" lang="en-US" sz="1600" spc="-1" strike="noStrike">
+                <a:solidFill>
+                  <a:srgbClr val="17c694"/>
+                </a:solidFill>
+                <a:latin typeface="Consolas"/>
+                <a:ea typeface="Consolas"/>
+              </a:rPr>
+              <a:t>"com.javaex.vo.BoardVo"</a:t>
+            </a:r>
+            <a:endParaRPr b="0" lang="en-US" sz="1600" spc="-1" strike="noStrike">
+              <a:latin typeface="굴림"/>
+            </a:endParaRPr>
+          </a:p>
+        </p:txBody>
+      </p:sp>
+      <p:sp>
+        <p:nvSpPr>
+          <p:cNvPr id="158" name="CustomShape 119"/>
+          <p:cNvSpPr/>
+          <p:nvPr/>
+        </p:nvSpPr>
+        <p:spPr>
+          <a:xfrm>
+            <a:off x="9713880" y="9576000"/>
+            <a:ext cx="2093760" cy="333000"/>
+          </a:xfrm>
+          <a:prstGeom prst="rect">
+            <a:avLst/>
+          </a:prstGeom>
+          <a:noFill/>
+          <a:ln>
+            <a:noFill/>
+          </a:ln>
+        </p:spPr>
+        <p:style>
+          <a:lnRef idx="0"/>
+          <a:fillRef idx="0"/>
+          <a:effectRef idx="0"/>
+          <a:fontRef idx="minor"/>
+        </p:style>
+        <p:txBody>
+          <a:bodyPr lIns="90000" rIns="90000" tIns="45000" bIns="45000">
+            <a:spAutoFit/>
+          </a:bodyPr>
+          <a:p>
+            <a:pPr>
+              <a:lnSpc>
+                <a:spcPct val="100000"/>
+              </a:lnSpc>
+            </a:pPr>
+            <a:r>
+              <a:rPr b="1" lang="en-US" sz="1600" spc="-1" strike="noStrike">
+                <a:solidFill>
                   <a:srgbClr val="000000"/>
                 </a:solidFill>
                 <a:latin typeface="굴림"/>
@@ -7680,7 +7703,7 @@
         <p:spPr>
           <a:xfrm>
             <a:off x="2448000" y="14112000"/>
-            <a:ext cx="1296000" cy="288000"/>
+            <a:ext cx="1295640" cy="287640"/>
           </a:xfrm>
           <a:prstGeom prst="rect">
             <a:avLst/>
@@ -7740,7 +7763,7 @@
         <p:spPr>
           <a:xfrm>
             <a:off x="720000" y="14449680"/>
-            <a:ext cx="5544000" cy="3118320"/>
+            <a:ext cx="5543640" cy="3117960"/>
           </a:xfrm>
           <a:prstGeom prst="rect">
             <a:avLst/>
@@ -7759,7 +7782,7 @@
         <p:spPr>
           <a:xfrm>
             <a:off x="30127320" y="8928000"/>
-            <a:ext cx="3280680" cy="363960"/>
+            <a:ext cx="3280320" cy="363960"/>
           </a:xfrm>
           <a:prstGeom prst="rect">
             <a:avLst/>
@@ -7820,7 +7843,7 @@
         <p:spPr>
           <a:xfrm>
             <a:off x="30127320" y="3812040"/>
-            <a:ext cx="3280680" cy="363960"/>
+            <a:ext cx="3280320" cy="363960"/>
           </a:xfrm>
           <a:prstGeom prst="rect">
             <a:avLst/>
@@ -7874,14 +7897,14 @@
       </p:sp>
       <p:sp>
         <p:nvSpPr>
-          <p:cNvPr id="163" name="TextShape 123"/>
-          <p:cNvSpPr txBox="1"/>
+          <p:cNvPr id="163" name="CustomShape 123"/>
+          <p:cNvSpPr/>
           <p:nvPr/>
         </p:nvSpPr>
         <p:spPr>
           <a:xfrm>
             <a:off x="28531080" y="8290440"/>
-            <a:ext cx="4104000" cy="360000"/>
+            <a:ext cx="4103640" cy="333720"/>
           </a:xfrm>
           <a:prstGeom prst="rect">
             <a:avLst/>
@@ -7891,11 +7914,22 @@
             <a:noFill/>
           </a:ln>
         </p:spPr>
+        <p:style>
+          <a:lnRef idx="0"/>
+          <a:fillRef idx="0"/>
+          <a:effectRef idx="0"/>
+          <a:fontRef idx="minor"/>
+        </p:style>
         <p:txBody>
           <a:bodyPr lIns="90000" rIns="90000" tIns="45000" bIns="45000">
             <a:spAutoFit/>
           </a:bodyPr>
           <a:p>
+            <a:pPr>
+              <a:lnSpc>
+                <a:spcPct val="100000"/>
+              </a:lnSpc>
+            </a:pPr>
             <a:r>
               <a:rPr b="0" lang="en-US" sz="1400" spc="-1" strike="noStrike">
                 <a:solidFill>
@@ -7947,8 +7981,7 @@
               <a:t>"</a:t>
             </a:r>
             <a:endParaRPr b="0" lang="en-US" sz="1400" spc="-1" strike="noStrike">
-              <a:latin typeface="Consolas"/>
-              <a:ea typeface="Consolas"/>
+              <a:latin typeface="굴림"/>
             </a:endParaRPr>
           </a:p>
         </p:txBody>
@@ -7962,7 +7995,7 @@
         <p:spPr>
           <a:xfrm>
             <a:off x="2736000" y="20160000"/>
-            <a:ext cx="1296000" cy="288000"/>
+            <a:ext cx="1295640" cy="287640"/>
           </a:xfrm>
           <a:prstGeom prst="rect">
             <a:avLst/>
@@ -8022,7 +8055,7 @@
         <p:spPr>
           <a:xfrm>
             <a:off x="1224000" y="20520000"/>
-            <a:ext cx="4392000" cy="2304000"/>
+            <a:ext cx="4391640" cy="2303640"/>
           </a:xfrm>
           <a:prstGeom prst="rect">
             <a:avLst/>
@@ -8034,125 +8067,14 @@
       </p:pic>
       <p:sp>
         <p:nvSpPr>
-          <p:cNvPr id="166" name="TextShape 125"/>
-          <p:cNvSpPr txBox="1"/>
-          <p:nvPr/>
-        </p:nvSpPr>
-        <p:spPr>
-          <a:xfrm>
-            <a:off x="28584000" y="18720000"/>
-            <a:ext cx="4104000" cy="360000"/>
-          </a:xfrm>
-          <a:prstGeom prst="rect">
-            <a:avLst/>
-          </a:prstGeom>
-          <a:noFill/>
-          <a:ln>
-            <a:noFill/>
-          </a:ln>
-        </p:spPr>
-        <p:txBody>
-          <a:bodyPr lIns="90000" rIns="90000" tIns="45000" bIns="45000">
-            <a:spAutoFit/>
-          </a:bodyPr>
-          <a:p>
-            <a:r>
-              <a:rPr b="0" lang="en-US" sz="1400" spc="-1" strike="noStrike">
-                <a:solidFill>
-                  <a:srgbClr val="a7ec21"/>
-                </a:solidFill>
-                <a:latin typeface="Consolas"/>
-                <a:ea typeface="Consolas"/>
-              </a:rPr>
-              <a:t>parameterType</a:t>
-            </a:r>
-            <a:r>
-              <a:rPr b="0" lang="en-US" sz="1400" spc="-1" strike="noStrike">
-                <a:solidFill>
-                  <a:srgbClr val="52ca11"/>
-                </a:solidFill>
-                <a:latin typeface="Consolas"/>
-                <a:ea typeface="Consolas"/>
-              </a:rPr>
-              <a:t>=</a:t>
-            </a:r>
-            <a:r>
-              <a:rPr b="0" i="1" lang="en-US" sz="1400" spc="-1" strike="noStrike">
-                <a:solidFill>
-                  <a:srgbClr val="17c694"/>
-                </a:solidFill>
-                <a:latin typeface="Consolas"/>
-                <a:ea typeface="Consolas"/>
-              </a:rPr>
-              <a:t>"</a:t>
-            </a:r>
-            <a:r>
-              <a:rPr b="1" lang="en-US" sz="1600" spc="-1" strike="noStrike">
-                <a:solidFill>
-                  <a:srgbClr val="17c694"/>
-                </a:solidFill>
-                <a:latin typeface="Consolas"/>
-                <a:ea typeface="Consolas"/>
-              </a:rPr>
-              <a:t>com.javaex.vo.BoardVo</a:t>
-            </a:r>
-            <a:r>
-              <a:rPr b="0" i="1" lang="en-US" sz="1400" spc="-1" strike="noStrike">
-                <a:solidFill>
-                  <a:srgbClr val="17c694"/>
-                </a:solidFill>
-                <a:latin typeface="Consolas"/>
-                <a:ea typeface="Consolas"/>
-              </a:rPr>
-              <a:t>"</a:t>
-            </a:r>
-            <a:endParaRPr b="0" lang="en-US" sz="1400" spc="-1" strike="noStrike">
-              <a:latin typeface="Consolas"/>
-              <a:ea typeface="Consolas"/>
-            </a:endParaRPr>
-          </a:p>
-        </p:txBody>
-      </p:sp>
-    </p:spTree>
-  </p:cSld>
-  <mc:AlternateContent>
-    <mc:Choice Requires="p14">
-      <p:transition spd="slow" p14:dur="2000"/>
-    </mc:Choice>
-    <mc:Fallback>
-      <p:transition spd="slow"/>
-    </mc:Fallback>
-  </mc:AlternateContent>
-</p:sld>
-</file>
-
-<file path=ppt/slides/slide2.xml><?xml version="1.0" encoding="utf-8"?>
-<p:sld xmlns:a="http://schemas.openxmlformats.org/drawingml/2006/main" xmlns:p="http://schemas.openxmlformats.org/presentationml/2006/main" xmlns:r="http://schemas.openxmlformats.org/officeDocument/2006/relationships" xmlns:p14="http://schemas.microsoft.com/office/powerpoint/2010/main" xmlns:p15="http://schemas.microsoft.com/office/powerpoint/2012/main" xmlns:mc="http://schemas.openxmlformats.org/markup-compatibility/2006">
-  <p:cSld>
-    <p:spTree>
-      <p:nvGrpSpPr>
-        <p:cNvPr id="1" name=""/>
-        <p:cNvGrpSpPr/>
-        <p:nvPr/>
-      </p:nvGrpSpPr>
-      <p:grpSpPr>
-        <a:xfrm>
-          <a:off x="0" y="0"/>
-          <a:ext cx="0" cy="0"/>
-          <a:chOff x="0" y="0"/>
-          <a:chExt cx="0" cy="0"/>
-        </a:xfrm>
-      </p:grpSpPr>
-      <p:sp>
-        <p:nvSpPr>
-          <p:cNvPr id="167" name="CustomShape 1"/>
+          <p:cNvPr id="166" name="CustomShape 125"/>
           <p:cNvSpPr/>
           <p:nvPr/>
         </p:nvSpPr>
         <p:spPr>
           <a:xfrm>
-            <a:off x="10848960" y="44711640"/>
-            <a:ext cx="2139840" cy="363960"/>
+            <a:off x="28584000" y="18720000"/>
+            <a:ext cx="4103640" cy="333720"/>
           </a:xfrm>
           <a:prstGeom prst="rect">
             <a:avLst/>
@@ -8179,16 +8101,56 @@
               </a:lnSpc>
             </a:pPr>
             <a:r>
-              <a:rPr b="1" lang="en-US" sz="1800" spc="-1" strike="noStrike">
-                <a:solidFill>
-                  <a:srgbClr val="000000"/>
-                </a:solidFill>
-                <a:latin typeface="굴림"/>
-                <a:ea typeface="DejaVu Sans"/>
-              </a:rPr>
-              <a:t>deleteForm.jsp</a:t>
-            </a:r>
-            <a:endParaRPr b="0" lang="en-US" sz="1800" spc="-1" strike="noStrike">
+              <a:rPr b="0" lang="en-US" sz="1400" spc="-1" strike="noStrike">
+                <a:solidFill>
+                  <a:srgbClr val="a7ec21"/>
+                </a:solidFill>
+                <a:latin typeface="Consolas"/>
+                <a:ea typeface="Consolas"/>
+              </a:rPr>
+              <a:t>parameterType</a:t>
+            </a:r>
+            <a:r>
+              <a:rPr b="0" lang="en-US" sz="1400" spc="-1" strike="noStrike">
+                <a:solidFill>
+                  <a:srgbClr val="52ca11"/>
+                </a:solidFill>
+                <a:latin typeface="Consolas"/>
+                <a:ea typeface="Consolas"/>
+              </a:rPr>
+              <a:t>=</a:t>
+            </a:r>
+            <a:r>
+              <a:rPr b="0" i="1" lang="en-US" sz="1400" spc="-1" strike="noStrike">
+                <a:solidFill>
+                  <a:srgbClr val="17c694"/>
+                </a:solidFill>
+                <a:latin typeface="Consolas"/>
+                <a:ea typeface="Consolas"/>
+              </a:rPr>
+              <a:t>"</a:t>
+            </a:r>
+            <a:r>
+              <a:rPr b="1" lang="en-US" sz="1600" spc="-1" strike="noStrike">
+                <a:solidFill>
+                  <a:srgbClr val="17c694"/>
+                </a:solidFill>
+                <a:latin typeface="Consolas"/>
+                <a:ea typeface="Consolas"/>
+              </a:rPr>
+              <a:t>com.javaex.vo.BoardVo</a:t>
+            </a:r>
+            <a:r>
+              <a:rPr b="0" i="1" lang="en-US" sz="1400" spc="-1" strike="noStrike">
+                <a:solidFill>
+                  <a:srgbClr val="17c694"/>
+                </a:solidFill>
+                <a:latin typeface="Consolas"/>
+                <a:ea typeface="Consolas"/>
+              </a:rPr>
+              <a:t>"</a:t>
+            </a:r>
+            <a:endParaRPr b="0" lang="en-US" sz="1400" spc="-1" strike="noStrike">
               <a:latin typeface="굴림"/>
             </a:endParaRPr>
           </a:p>
@@ -8196,13 +8158,13 @@
       </p:sp>
       <p:sp>
         <p:nvSpPr>
-          <p:cNvPr id="168" name="Line 2"/>
+          <p:cNvPr id="167" name="Line 126"/>
           <p:cNvSpPr/>
           <p:nvPr/>
         </p:nvSpPr>
         <p:spPr>
           <a:xfrm>
-            <a:off x="6513120" y="1559520"/>
+            <a:off x="27318240" y="1584000"/>
             <a:ext cx="0" cy="27195840"/>
           </a:xfrm>
           <a:prstGeom prst="line">
@@ -8222,654 +8184,30 @@
           <a:fontRef idx="minor"/>
         </p:style>
       </p:sp>
-      <p:sp>
-        <p:nvSpPr>
-          <p:cNvPr id="169" name="CustomShape 3"/>
-          <p:cNvSpPr/>
-          <p:nvPr/>
-        </p:nvSpPr>
-        <p:spPr>
-          <a:xfrm>
-            <a:off x="7588800" y="2138760"/>
-            <a:ext cx="1600920" cy="428400"/>
-          </a:xfrm>
-          <a:prstGeom prst="rect">
-            <a:avLst/>
-          </a:prstGeom>
-          <a:solidFill>
-            <a:srgbClr val="ffffff"/>
-          </a:solidFill>
-          <a:ln w="12600">
-            <a:solidFill>
-              <a:srgbClr val="000000"/>
-            </a:solidFill>
-            <a:miter/>
-          </a:ln>
-        </p:spPr>
-        <p:style>
-          <a:lnRef idx="0"/>
-          <a:fillRef idx="0"/>
-          <a:effectRef idx="0"/>
-          <a:fontRef idx="minor"/>
-        </p:style>
-        <p:txBody>
-          <a:bodyPr lIns="0" rIns="0" tIns="0" bIns="0" anchor="ctr">
-            <a:noAutofit/>
-          </a:bodyPr>
-          <a:p>
-            <a:pPr algn="ctr">
-              <a:lnSpc>
-                <a:spcPct val="100000"/>
-              </a:lnSpc>
-            </a:pPr>
-            <a:r>
-              <a:rPr b="1" lang="en-US" sz="1600" spc="-1" strike="noStrike">
-                <a:solidFill>
-                  <a:srgbClr val="000000"/>
-                </a:solidFill>
-                <a:latin typeface="굴림"/>
-                <a:ea typeface="DejaVu Sans"/>
-              </a:rPr>
-              <a:t>jsp</a:t>
-            </a:r>
-            <a:endParaRPr b="0" lang="en-US" sz="1600" spc="-1" strike="noStrike">
-              <a:latin typeface="굴림"/>
-            </a:endParaRPr>
-          </a:p>
-        </p:txBody>
-      </p:sp>
-      <p:sp>
-        <p:nvSpPr>
-          <p:cNvPr id="170" name="CustomShape 4"/>
-          <p:cNvSpPr/>
-          <p:nvPr/>
-        </p:nvSpPr>
-        <p:spPr>
-          <a:xfrm>
-            <a:off x="2201760" y="2123280"/>
-            <a:ext cx="1600920" cy="428400"/>
-          </a:xfrm>
-          <a:prstGeom prst="rect">
-            <a:avLst/>
-          </a:prstGeom>
-          <a:solidFill>
-            <a:srgbClr val="ffffff"/>
-          </a:solidFill>
-          <a:ln w="12600">
-            <a:solidFill>
-              <a:srgbClr val="000000"/>
-            </a:solidFill>
-            <a:miter/>
-          </a:ln>
-        </p:spPr>
-        <p:style>
-          <a:lnRef idx="0"/>
-          <a:fillRef idx="0"/>
-          <a:effectRef idx="0"/>
-          <a:fontRef idx="minor"/>
-        </p:style>
-        <p:txBody>
-          <a:bodyPr lIns="0" rIns="0" tIns="0" bIns="0" anchor="ctr">
-            <a:noAutofit/>
-          </a:bodyPr>
-          <a:p>
-            <a:pPr algn="ctr">
-              <a:lnSpc>
-                <a:spcPct val="100000"/>
-              </a:lnSpc>
-            </a:pPr>
-            <a:r>
-              <a:rPr b="0" lang="en-US" sz="1600" spc="-1" strike="noStrike">
-                <a:solidFill>
-                  <a:srgbClr val="000000"/>
-                </a:solidFill>
-                <a:latin typeface="굴림"/>
-                <a:ea typeface="DejaVu Sans"/>
-              </a:rPr>
-              <a:t>사용자</a:t>
-            </a:r>
-            <a:endParaRPr b="0" lang="en-US" sz="1600" spc="-1" strike="noStrike">
-              <a:latin typeface="굴림"/>
-            </a:endParaRPr>
-          </a:p>
-        </p:txBody>
-      </p:sp>
-      <p:sp>
-        <p:nvSpPr>
-          <p:cNvPr id="171" name="CustomShape 5"/>
-          <p:cNvSpPr/>
-          <p:nvPr/>
-        </p:nvSpPr>
-        <p:spPr>
-          <a:xfrm>
-            <a:off x="11665080" y="2138760"/>
-            <a:ext cx="1600920" cy="428400"/>
-          </a:xfrm>
-          <a:prstGeom prst="rect">
-            <a:avLst/>
-          </a:prstGeom>
-          <a:solidFill>
-            <a:srgbClr val="ffffff"/>
-          </a:solidFill>
-          <a:ln w="12600">
-            <a:solidFill>
-              <a:srgbClr val="000000"/>
-            </a:solidFill>
-            <a:miter/>
-          </a:ln>
-        </p:spPr>
-        <p:style>
-          <a:lnRef idx="0"/>
-          <a:fillRef idx="0"/>
-          <a:effectRef idx="0"/>
-          <a:fontRef idx="minor"/>
-        </p:style>
-        <p:txBody>
-          <a:bodyPr lIns="0" rIns="0" tIns="0" bIns="0" anchor="ctr">
-            <a:noAutofit/>
-          </a:bodyPr>
-          <a:p>
-            <a:pPr algn="ctr">
-              <a:lnSpc>
-                <a:spcPct val="100000"/>
-              </a:lnSpc>
-            </a:pPr>
-            <a:r>
-              <a:rPr b="0" lang="en-US" sz="1600" spc="-1" strike="noStrike">
-                <a:solidFill>
-                  <a:srgbClr val="000000"/>
-                </a:solidFill>
-                <a:latin typeface="굴림"/>
-                <a:ea typeface="DejaVu Sans"/>
-              </a:rPr>
-              <a:t>controller</a:t>
-            </a:r>
-            <a:endParaRPr b="0" lang="en-US" sz="1600" spc="-1" strike="noStrike">
-              <a:latin typeface="굴림"/>
-            </a:endParaRPr>
-          </a:p>
-        </p:txBody>
-      </p:sp>
-      <p:sp>
-        <p:nvSpPr>
-          <p:cNvPr id="172" name="CustomShape 6"/>
-          <p:cNvSpPr/>
-          <p:nvPr/>
-        </p:nvSpPr>
-        <p:spPr>
-          <a:xfrm>
-            <a:off x="19890000" y="2138760"/>
-            <a:ext cx="1600920" cy="428400"/>
-          </a:xfrm>
-          <a:prstGeom prst="rect">
-            <a:avLst/>
-          </a:prstGeom>
-          <a:solidFill>
-            <a:srgbClr val="ffffff"/>
-          </a:solidFill>
-          <a:ln w="12600">
-            <a:solidFill>
-              <a:srgbClr val="000000"/>
-            </a:solidFill>
-            <a:miter/>
-          </a:ln>
-        </p:spPr>
-        <p:style>
-          <a:lnRef idx="0"/>
-          <a:fillRef idx="0"/>
-          <a:effectRef idx="0"/>
-          <a:fontRef idx="minor"/>
-        </p:style>
-        <p:txBody>
-          <a:bodyPr lIns="0" rIns="0" tIns="0" bIns="0" anchor="ctr">
-            <a:noAutofit/>
-          </a:bodyPr>
-          <a:p>
-            <a:pPr algn="ctr">
-              <a:lnSpc>
-                <a:spcPct val="100000"/>
-              </a:lnSpc>
-            </a:pPr>
-            <a:r>
-              <a:rPr b="0" lang="en-US" sz="1600" spc="-1" strike="noStrike">
-                <a:solidFill>
-                  <a:srgbClr val="000000"/>
-                </a:solidFill>
-                <a:latin typeface="굴림"/>
-                <a:ea typeface="DejaVu Sans"/>
-              </a:rPr>
-              <a:t>dao</a:t>
-            </a:r>
-            <a:endParaRPr b="0" lang="en-US" sz="1600" spc="-1" strike="noStrike">
-              <a:latin typeface="굴림"/>
-            </a:endParaRPr>
-          </a:p>
-        </p:txBody>
-      </p:sp>
-      <p:sp>
-        <p:nvSpPr>
-          <p:cNvPr id="173" name="CustomShape 7"/>
-          <p:cNvSpPr/>
-          <p:nvPr/>
-        </p:nvSpPr>
-        <p:spPr>
-          <a:xfrm>
-            <a:off x="24542640" y="2138760"/>
-            <a:ext cx="1600920" cy="428400"/>
-          </a:xfrm>
-          <a:prstGeom prst="rect">
-            <a:avLst/>
-          </a:prstGeom>
-          <a:solidFill>
-            <a:srgbClr val="ffffff"/>
-          </a:solidFill>
-          <a:ln cap="rnd" w="12600">
-            <a:solidFill>
-              <a:srgbClr val="a6a6a6"/>
-            </a:solidFill>
-            <a:prstDash val="lgDash"/>
-            <a:miter/>
-          </a:ln>
-        </p:spPr>
-        <p:style>
-          <a:lnRef idx="0"/>
-          <a:fillRef idx="0"/>
-          <a:effectRef idx="0"/>
-          <a:fontRef idx="minor"/>
-        </p:style>
-        <p:txBody>
-          <a:bodyPr lIns="0" rIns="0" tIns="0" bIns="0" anchor="ctr">
-            <a:noAutofit/>
-          </a:bodyPr>
-          <a:p>
-            <a:pPr algn="ctr">
-              <a:lnSpc>
-                <a:spcPct val="100000"/>
-              </a:lnSpc>
-            </a:pPr>
-            <a:r>
-              <a:rPr b="0" lang="en-US" sz="1600" spc="-1" strike="noStrike">
-                <a:solidFill>
-                  <a:srgbClr val="a6a6a6"/>
-                </a:solidFill>
-                <a:latin typeface="굴림"/>
-                <a:ea typeface="DejaVu Sans"/>
-              </a:rPr>
-              <a:t>sqlSession</a:t>
-            </a:r>
-            <a:endParaRPr b="0" lang="en-US" sz="1600" spc="-1" strike="noStrike">
-              <a:latin typeface="굴림"/>
-            </a:endParaRPr>
-          </a:p>
-        </p:txBody>
-      </p:sp>
-      <p:sp>
-        <p:nvSpPr>
-          <p:cNvPr id="174" name="CustomShape 8"/>
-          <p:cNvSpPr/>
-          <p:nvPr/>
-        </p:nvSpPr>
-        <p:spPr>
-          <a:xfrm>
-            <a:off x="28654200" y="2138760"/>
-            <a:ext cx="1600920" cy="428400"/>
-          </a:xfrm>
-          <a:prstGeom prst="rect">
-            <a:avLst/>
-          </a:prstGeom>
-          <a:solidFill>
-            <a:srgbClr val="ffffff"/>
-          </a:solidFill>
-          <a:ln w="12600">
-            <a:solidFill>
-              <a:srgbClr val="000000"/>
-            </a:solidFill>
-            <a:miter/>
-          </a:ln>
-        </p:spPr>
-        <p:style>
-          <a:lnRef idx="0"/>
-          <a:fillRef idx="0"/>
-          <a:effectRef idx="0"/>
-          <a:fontRef idx="minor"/>
-        </p:style>
-        <p:txBody>
-          <a:bodyPr lIns="0" rIns="0" tIns="0" bIns="0" anchor="ctr">
-            <a:noAutofit/>
-          </a:bodyPr>
-          <a:p>
-            <a:pPr algn="ctr">
-              <a:lnSpc>
-                <a:spcPct val="100000"/>
-              </a:lnSpc>
-            </a:pPr>
-            <a:r>
-              <a:rPr b="0" lang="en-US" sz="1600" spc="-1" strike="noStrike">
-                <a:solidFill>
-                  <a:srgbClr val="000000"/>
-                </a:solidFill>
-                <a:latin typeface="굴림"/>
-                <a:ea typeface="DejaVu Sans"/>
-              </a:rPr>
-              <a:t>xml</a:t>
-            </a:r>
-            <a:endParaRPr b="0" lang="en-US" sz="1600" spc="-1" strike="noStrike">
-              <a:latin typeface="굴림"/>
-            </a:endParaRPr>
-          </a:p>
-        </p:txBody>
-      </p:sp>
-      <p:sp>
-        <p:nvSpPr>
-          <p:cNvPr id="175" name="CustomShape 9"/>
-          <p:cNvSpPr/>
-          <p:nvPr/>
-        </p:nvSpPr>
-        <p:spPr>
-          <a:xfrm>
-            <a:off x="16120080" y="2138760"/>
-            <a:ext cx="1600920" cy="428400"/>
-          </a:xfrm>
-          <a:prstGeom prst="rect">
-            <a:avLst/>
-          </a:prstGeom>
-          <a:solidFill>
-            <a:srgbClr val="ffffff"/>
-          </a:solidFill>
-          <a:ln w="12600">
-            <a:solidFill>
-              <a:srgbClr val="000000"/>
-            </a:solidFill>
-            <a:miter/>
-          </a:ln>
-        </p:spPr>
-        <p:style>
-          <a:lnRef idx="0"/>
-          <a:fillRef idx="0"/>
-          <a:effectRef idx="0"/>
-          <a:fontRef idx="minor"/>
-        </p:style>
-        <p:txBody>
-          <a:bodyPr lIns="0" rIns="0" tIns="0" bIns="0" anchor="ctr">
-            <a:noAutofit/>
-          </a:bodyPr>
-          <a:p>
-            <a:pPr algn="ctr">
-              <a:lnSpc>
-                <a:spcPct val="100000"/>
-              </a:lnSpc>
-            </a:pPr>
-            <a:r>
-              <a:rPr b="0" lang="en-US" sz="1600" spc="-1" strike="noStrike">
-                <a:solidFill>
-                  <a:srgbClr val="000000"/>
-                </a:solidFill>
-                <a:latin typeface="굴림"/>
-                <a:ea typeface="DejaVu Sans"/>
-              </a:rPr>
-              <a:t>service</a:t>
-            </a:r>
-            <a:endParaRPr b="0" lang="en-US" sz="1600" spc="-1" strike="noStrike">
-              <a:latin typeface="굴림"/>
-            </a:endParaRPr>
-          </a:p>
-        </p:txBody>
-      </p:sp>
-      <p:sp>
-        <p:nvSpPr>
-          <p:cNvPr id="176" name="CustomShape 10"/>
-          <p:cNvSpPr/>
-          <p:nvPr/>
-        </p:nvSpPr>
-        <p:spPr>
-          <a:xfrm>
-            <a:off x="15195240" y="1559520"/>
-            <a:ext cx="3604320" cy="27194760"/>
-          </a:xfrm>
-          <a:prstGeom prst="rect">
-            <a:avLst/>
-          </a:prstGeom>
-          <a:noFill/>
-          <a:ln cap="rnd" w="57240">
-            <a:solidFill>
-              <a:srgbClr val="c00000"/>
-            </a:solidFill>
-            <a:prstDash val="dash"/>
-            <a:miter/>
-          </a:ln>
-        </p:spPr>
-        <p:style>
-          <a:lnRef idx="0"/>
-          <a:fillRef idx="0"/>
-          <a:effectRef idx="0"/>
-          <a:fontRef idx="minor"/>
-        </p:style>
-      </p:sp>
-      <p:sp>
-        <p:nvSpPr>
-          <p:cNvPr id="177" name="Line 11"/>
-          <p:cNvSpPr/>
-          <p:nvPr/>
-        </p:nvSpPr>
-        <p:spPr>
-          <a:xfrm>
-            <a:off x="10722600" y="1559520"/>
-            <a:ext cx="0" cy="27195840"/>
-          </a:xfrm>
-          <a:prstGeom prst="line">
-            <a:avLst/>
-          </a:prstGeom>
-          <a:ln w="6480">
-            <a:solidFill>
-              <a:srgbClr val="4472c4"/>
-            </a:solidFill>
-            <a:miter/>
-          </a:ln>
-        </p:spPr>
-        <p:style>
-          <a:lnRef idx="0"/>
-          <a:fillRef idx="0"/>
-          <a:effectRef idx="0"/>
-          <a:fontRef idx="minor"/>
-        </p:style>
-      </p:sp>
-      <p:sp>
-        <p:nvSpPr>
-          <p:cNvPr id="178" name="Line 12"/>
-          <p:cNvSpPr/>
-          <p:nvPr/>
-        </p:nvSpPr>
-        <p:spPr>
-          <a:xfrm>
-            <a:off x="14868360" y="1559520"/>
-            <a:ext cx="0" cy="27195840"/>
-          </a:xfrm>
-          <a:prstGeom prst="line">
-            <a:avLst/>
-          </a:prstGeom>
-          <a:ln w="6480">
-            <a:solidFill>
-              <a:srgbClr val="4472c4"/>
-            </a:solidFill>
-            <a:miter/>
-          </a:ln>
-        </p:spPr>
-        <p:style>
-          <a:lnRef idx="0"/>
-          <a:fillRef idx="0"/>
-          <a:effectRef idx="0"/>
-          <a:fontRef idx="minor"/>
-        </p:style>
-      </p:sp>
-      <p:sp>
-        <p:nvSpPr>
-          <p:cNvPr id="179" name="Line 13"/>
-          <p:cNvSpPr/>
-          <p:nvPr/>
-        </p:nvSpPr>
-        <p:spPr>
-          <a:xfrm>
-            <a:off x="19049760" y="1559520"/>
-            <a:ext cx="0" cy="27195840"/>
-          </a:xfrm>
-          <a:prstGeom prst="line">
-            <a:avLst/>
-          </a:prstGeom>
-          <a:ln w="6480">
-            <a:solidFill>
-              <a:srgbClr val="4472c4"/>
-            </a:solidFill>
-            <a:miter/>
-          </a:ln>
-        </p:spPr>
-        <p:style>
-          <a:lnRef idx="0"/>
-          <a:fillRef idx="0"/>
-          <a:effectRef idx="0"/>
-          <a:fontRef idx="minor"/>
-        </p:style>
-      </p:sp>
-      <p:sp>
-        <p:nvSpPr>
-          <p:cNvPr id="180" name="Line 14"/>
-          <p:cNvSpPr/>
-          <p:nvPr/>
-        </p:nvSpPr>
-        <p:spPr>
-          <a:xfrm>
-            <a:off x="22782240" y="1559520"/>
-            <a:ext cx="0" cy="27195840"/>
-          </a:xfrm>
-          <a:prstGeom prst="line">
-            <a:avLst/>
-          </a:prstGeom>
-          <a:ln w="6480">
-            <a:solidFill>
-              <a:srgbClr val="4472c4"/>
-            </a:solidFill>
-            <a:miter/>
-          </a:ln>
-        </p:spPr>
-        <p:style>
-          <a:lnRef idx="0"/>
-          <a:fillRef idx="0"/>
-          <a:effectRef idx="0"/>
-          <a:fontRef idx="minor"/>
-        </p:style>
-      </p:sp>
-      <p:sp>
-        <p:nvSpPr>
-          <p:cNvPr id="181" name="Line 15"/>
-          <p:cNvSpPr/>
-          <p:nvPr/>
-        </p:nvSpPr>
-        <p:spPr>
-          <a:xfrm>
-            <a:off x="33138000" y="1559520"/>
-            <a:ext cx="0" cy="27195840"/>
-          </a:xfrm>
-          <a:prstGeom prst="line">
-            <a:avLst/>
-          </a:prstGeom>
-          <a:ln w="6480">
-            <a:solidFill>
-              <a:srgbClr val="4472c4"/>
-            </a:solidFill>
-            <a:miter/>
-          </a:ln>
-        </p:spPr>
-        <p:style>
-          <a:lnRef idx="0"/>
-          <a:fillRef idx="0"/>
-          <a:effectRef idx="0"/>
-          <a:fontRef idx="minor"/>
-        </p:style>
-      </p:sp>
-      <p:sp>
-        <p:nvSpPr>
-          <p:cNvPr id="182" name="CustomShape 16"/>
-          <p:cNvSpPr/>
-          <p:nvPr/>
-        </p:nvSpPr>
-        <p:spPr>
-          <a:xfrm>
-            <a:off x="641520" y="360360"/>
-            <a:ext cx="9374040" cy="820800"/>
-          </a:xfrm>
-          <a:prstGeom prst="rect">
-            <a:avLst/>
-          </a:prstGeom>
-          <a:noFill/>
-          <a:ln>
-            <a:noFill/>
-          </a:ln>
-        </p:spPr>
-        <p:style>
-          <a:lnRef idx="0"/>
-          <a:fillRef idx="0"/>
-          <a:effectRef idx="0"/>
-          <a:fontRef idx="minor"/>
-        </p:style>
-        <p:txBody>
-          <a:bodyPr lIns="90000" rIns="90000" tIns="45000" bIns="45000">
-            <a:spAutoFit/>
-          </a:bodyPr>
-          <a:p>
-            <a:pPr>
-              <a:lnSpc>
-                <a:spcPct val="100000"/>
-              </a:lnSpc>
-            </a:pPr>
-            <a:r>
-              <a:rPr b="1" lang="en-US" sz="4800" spc="-1" strike="noStrike">
-                <a:solidFill>
-                  <a:srgbClr val="000000"/>
-                </a:solidFill>
-                <a:latin typeface="굴림"/>
-                <a:ea typeface="DejaVu Sans"/>
-              </a:rPr>
-              <a:t>■</a:t>
-            </a:r>
-            <a:r>
-              <a:rPr b="1" lang="en-US" sz="4800" spc="-1" strike="noStrike">
-                <a:solidFill>
-                  <a:srgbClr val="000000"/>
-                </a:solidFill>
-                <a:latin typeface="굴림"/>
-                <a:ea typeface="DejaVu Sans"/>
-              </a:rPr>
-              <a:t>mysite5 - borad</a:t>
-            </a:r>
-            <a:endParaRPr b="0" lang="en-US" sz="4800" spc="-1" strike="noStrike">
-              <a:latin typeface="굴림"/>
-            </a:endParaRPr>
-          </a:p>
-        </p:txBody>
-      </p:sp>
       <p:grpSp>
         <p:nvGrpSpPr>
-          <p:cNvPr id="183" name="Group 17"/>
+          <p:cNvPr id="168" name="Group 127"/>
           <p:cNvGrpSpPr/>
           <p:nvPr/>
         </p:nvGrpSpPr>
         <p:grpSpPr>
           <a:xfrm>
-            <a:off x="1005120" y="3312000"/>
-            <a:ext cx="12818160" cy="2383200"/>
-            <a:chOff x="1005120" y="3312000"/>
-            <a:chExt cx="12818160" cy="2383200"/>
+            <a:off x="5400000" y="12709080"/>
+            <a:ext cx="12886920" cy="8487720"/>
+            <a:chOff x="5400000" y="12709080"/>
+            <a:chExt cx="12886920" cy="8487720"/>
           </a:xfrm>
         </p:grpSpPr>
         <p:sp>
           <p:nvSpPr>
-            <p:cNvPr id="184" name="CustomShape 18"/>
+            <p:cNvPr id="169" name="CustomShape 128"/>
             <p:cNvSpPr/>
             <p:nvPr/>
           </p:nvSpPr>
           <p:spPr>
             <a:xfrm>
-              <a:off x="5382360" y="3987000"/>
-              <a:ext cx="6357240" cy="360"/>
+              <a:off x="8620200" y="13384080"/>
+              <a:ext cx="7514280" cy="360"/>
             </a:xfrm>
             <a:custGeom>
               <a:avLst/>
@@ -8905,14 +8243,14 @@
         </p:sp>
         <p:sp>
           <p:nvSpPr>
-            <p:cNvPr id="185" name="CustomShape 19"/>
+            <p:cNvPr id="170" name="CustomShape 129"/>
             <p:cNvSpPr/>
             <p:nvPr/>
           </p:nvSpPr>
           <p:spPr>
             <a:xfrm>
-              <a:off x="11713320" y="3807720"/>
-              <a:ext cx="2109960" cy="1887480"/>
+              <a:off x="16108200" y="13204800"/>
+              <a:ext cx="2178720" cy="1187640"/>
             </a:xfrm>
             <a:prstGeom prst="rect">
               <a:avLst/>
@@ -8956,7 +8294,7 @@
                   <a:latin typeface="굴림"/>
                   <a:ea typeface="DejaVu Sans"/>
                 </a:rPr>
-                <a:t>/modifyForm</a:t>
+                <a:t>/writeForm</a:t>
               </a:r>
               <a:r>
                 <a:rPr b="1" lang="en-US" sz="1800" spc="-1" strike="noStrike">
@@ -8966,137 +8304,7 @@
                   <a:latin typeface="굴림"/>
                   <a:ea typeface="DejaVu Sans"/>
                 </a:rPr>
-                <a:t>(</a:t>
-              </a:r>
-              <a:endParaRPr b="0" lang="en-US" sz="1800" spc="-1" strike="noStrike">
-                <a:latin typeface="굴림"/>
-              </a:endParaRPr>
-            </a:p>
-            <a:p>
-              <a:r>
-                <a:rPr b="1" i="1" lang="en-US" sz="1400" spc="-1" strike="noStrike">
-                  <a:solidFill>
-                    <a:srgbClr val="a0a0a0"/>
-                  </a:solidFill>
-                  <a:latin typeface="Consolas"/>
-                  <a:ea typeface="Consolas"/>
-                </a:rPr>
-                <a:t>@RequestParam</a:t>
-              </a:r>
-              <a:r>
-                <a:rPr b="1" i="1" lang="en-US" sz="1400" spc="-1" strike="noStrike">
-                  <a:solidFill>
-                    <a:srgbClr val="000000"/>
-                  </a:solidFill>
-                  <a:latin typeface="Consolas"/>
-                  <a:ea typeface="Consolas"/>
-                </a:rPr>
-                <a:t>(</a:t>
-              </a:r>
-              <a:r>
-                <a:rPr b="1" lang="en-US" sz="1400" spc="-1" strike="noStrike">
-                  <a:solidFill>
-                    <a:srgbClr val="000000"/>
-                  </a:solidFill>
-                  <a:latin typeface="Consolas"/>
-                  <a:ea typeface="Consolas"/>
-                </a:rPr>
-                <a:t>"no")</a:t>
-              </a:r>
-              <a:r>
-                <a:rPr b="1" lang="en-US" sz="1400" spc="-1" strike="noStrike">
-                  <a:solidFill>
-                    <a:srgbClr val="d9e8f7"/>
-                  </a:solidFill>
-                  <a:latin typeface="Consolas"/>
-                  <a:ea typeface="Consolas"/>
-                </a:rPr>
-                <a:t> </a:t>
-              </a:r>
-              <a:r>
-                <a:rPr b="1" lang="en-US" sz="1400" spc="-1" strike="noStrike">
-                  <a:solidFill>
-                    <a:srgbClr val="cc6c1d"/>
-                  </a:solidFill>
-                  <a:latin typeface="Consolas"/>
-                  <a:ea typeface="Consolas"/>
-                </a:rPr>
-                <a:t>int</a:t>
-              </a:r>
-              <a:r>
-                <a:rPr b="1" lang="en-US" sz="1400" spc="-1" strike="noStrike">
-                  <a:solidFill>
-                    <a:srgbClr val="d9e8f7"/>
-                  </a:solidFill>
-                  <a:latin typeface="Consolas"/>
-                  <a:ea typeface="Consolas"/>
-                </a:rPr>
-                <a:t> </a:t>
-              </a:r>
-              <a:r>
-                <a:rPr b="1" lang="en-US" sz="1400" spc="-1" strike="noStrike">
-                  <a:solidFill>
-                    <a:srgbClr val="79abff"/>
-                  </a:solidFill>
-                  <a:latin typeface="Consolas"/>
-                  <a:ea typeface="Consolas"/>
-                </a:rPr>
-                <a:t>no</a:t>
-              </a:r>
-              <a:r>
-                <a:rPr b="1" lang="en-US" sz="1400" spc="-1" strike="noStrike">
-                  <a:solidFill>
-                    <a:srgbClr val="000000"/>
-                  </a:solidFill>
-                  <a:latin typeface="Consolas"/>
-                  <a:ea typeface="Consolas"/>
-                </a:rPr>
-                <a:t>,</a:t>
-              </a:r>
-              <a:endParaRPr b="0" lang="en-US" sz="1400" spc="-1" strike="noStrike">
-                <a:latin typeface="굴림"/>
-              </a:endParaRPr>
-            </a:p>
-            <a:p>
-              <a:r>
-                <a:rPr b="1" lang="en-US" sz="1400" spc="-1" strike="noStrike">
-                  <a:solidFill>
-                    <a:srgbClr val="80f2f6"/>
-                  </a:solidFill>
-                  <a:latin typeface="Consolas"/>
-                  <a:ea typeface="Consolas"/>
-                </a:rPr>
-                <a:t>Model</a:t>
-              </a:r>
-              <a:r>
-                <a:rPr b="1" lang="en-US" sz="1400" spc="-1" strike="noStrike">
-                  <a:solidFill>
-                    <a:srgbClr val="d9e8f7"/>
-                  </a:solidFill>
-                  <a:latin typeface="Consolas"/>
-                  <a:ea typeface="Consolas"/>
-                </a:rPr>
-                <a:t> </a:t>
-              </a:r>
-              <a:r>
-                <a:rPr b="1" lang="en-US" sz="1400" spc="-1" strike="noStrike">
-                  <a:solidFill>
-                    <a:srgbClr val="79abff"/>
-                  </a:solidFill>
-                  <a:latin typeface="Consolas"/>
-                  <a:ea typeface="Consolas"/>
-                </a:rPr>
-                <a:t>model</a:t>
-              </a:r>
-              <a:r>
-                <a:rPr b="1" lang="en-US" sz="1800" spc="-1" strike="noStrike">
-                  <a:solidFill>
-                    <a:srgbClr val="000000"/>
-                  </a:solidFill>
-                  <a:latin typeface="굴림"/>
-                  <a:ea typeface="DejaVu Sans"/>
-                </a:rPr>
-                <a:t>){</a:t>
+                <a:t>(){</a:t>
               </a:r>
               <a:endParaRPr b="0" lang="en-US" sz="1800" spc="-1" strike="noStrike">
                 <a:latin typeface="굴림"/>
@@ -9136,14 +8344,14 @@
         </p:sp>
         <p:sp>
           <p:nvSpPr>
-            <p:cNvPr id="186" name="CustomShape 20"/>
+            <p:cNvPr id="171" name="CustomShape 130"/>
             <p:cNvSpPr/>
             <p:nvPr/>
           </p:nvSpPr>
           <p:spPr>
             <a:xfrm>
-              <a:off x="1094040" y="3807720"/>
-              <a:ext cx="5601960" cy="333720"/>
+              <a:off x="5488920" y="13204800"/>
+              <a:ext cx="5095080" cy="382320"/>
             </a:xfrm>
             <a:prstGeom prst="rect">
               <a:avLst/>
@@ -9168,7 +8376,7 @@
             <a:p>
               <a:pPr>
                 <a:lnSpc>
-                  <a:spcPct val="100000"/>
+                  <a:spcPct val="120000"/>
                 </a:lnSpc>
               </a:pPr>
               <a:r>
@@ -9179,7 +8387,7 @@
                   <a:uFillTx/>
                   <a:latin typeface="Consolas"/>
                   <a:ea typeface="Consolas"/>
-                  <a:hlinkClick r:id="rId1"/>
+                  <a:hlinkClick r:id="rId9"/>
                 </a:rPr>
                 <a:t>http://localhost:8088/mysite5/</a:t>
               </a:r>
@@ -9191,7 +8399,7 @@
                   <a:latin typeface="Consolas"/>
                   <a:ea typeface="Consolas"/>
                 </a:rPr>
-                <a:t>board/modifyForm?no=?</a:t>
+                <a:t>board/writeForm</a:t>
               </a:r>
               <a:endParaRPr b="0" lang="en-US" sz="1300" spc="-1" strike="noStrike">
                 <a:latin typeface="굴림"/>
@@ -9201,14 +8409,14 @@
         </p:sp>
         <p:sp>
           <p:nvSpPr>
-            <p:cNvPr id="187" name="CustomShape 21"/>
+            <p:cNvPr id="172" name="CustomShape 131"/>
             <p:cNvSpPr/>
             <p:nvPr/>
           </p:nvSpPr>
           <p:spPr>
             <a:xfrm>
-              <a:off x="1082520" y="4192200"/>
-              <a:ext cx="1486800" cy="411480"/>
+              <a:off x="5477400" y="13589640"/>
+              <a:ext cx="1486440" cy="411120"/>
             </a:xfrm>
             <a:prstGeom prst="rect">
               <a:avLst/>
@@ -9258,14 +8466,14 @@
         </p:sp>
         <p:sp>
           <p:nvSpPr>
-            <p:cNvPr id="188" name="CustomShape 22"/>
+            <p:cNvPr id="173" name="CustomShape 132"/>
             <p:cNvSpPr/>
             <p:nvPr/>
           </p:nvSpPr>
           <p:spPr>
             <a:xfrm>
-              <a:off x="1005120" y="3312000"/>
-              <a:ext cx="2418120" cy="363960"/>
+              <a:off x="5400000" y="12709080"/>
+              <a:ext cx="2417760" cy="364320"/>
             </a:xfrm>
             <a:prstGeom prst="rect">
               <a:avLst/>
@@ -9319,7 +8527,195 @@
                   <a:latin typeface="굴림"/>
                   <a:ea typeface="DejaVu Sans"/>
                 </a:rPr>
-                <a:t>수정폼</a:t>
+                <a:t>쓰기폼</a:t>
+              </a:r>
+              <a:endParaRPr b="0" lang="en-US" sz="1800" spc="-1" strike="noStrike">
+                <a:latin typeface="굴림"/>
+              </a:endParaRPr>
+            </a:p>
+          </p:txBody>
+        </p:sp>
+        <p:sp>
+          <p:nvSpPr>
+            <p:cNvPr id="174" name="CustomShape 133"/>
+            <p:cNvSpPr/>
+            <p:nvPr/>
+          </p:nvSpPr>
+          <p:spPr>
+            <a:xfrm flipH="1">
+              <a:off x="14387040" y="13697640"/>
+              <a:ext cx="1688400" cy="42120"/>
+            </a:xfrm>
+            <a:custGeom>
+              <a:avLst/>
+              <a:gdLst/>
+              <a:ahLst/>
+              <a:rect l="l" t="t" r="r" b="b"/>
+              <a:pathLst>
+                <a:path w="21600" h="21600">
+                  <a:moveTo>
+                    <a:pt x="0" y="0"/>
+                  </a:moveTo>
+                  <a:lnTo>
+                    <a:pt x="21600" y="21600"/>
+                  </a:lnTo>
+                </a:path>
+              </a:pathLst>
+            </a:custGeom>
+            <a:noFill/>
+            <a:ln w="38160">
+              <a:solidFill>
+                <a:srgbClr val="0070c0"/>
+              </a:solidFill>
+              <a:miter/>
+              <a:tailEnd len="med" type="triangle" w="med"/>
+            </a:ln>
+          </p:spPr>
+          <p:style>
+            <a:lnRef idx="0"/>
+            <a:fillRef idx="0"/>
+            <a:effectRef idx="0"/>
+            <a:fontRef idx="minor"/>
+          </p:style>
+        </p:sp>
+        <p:sp>
+          <p:nvSpPr>
+            <p:cNvPr id="175" name="CustomShape 134"/>
+            <p:cNvSpPr/>
+            <p:nvPr/>
+          </p:nvSpPr>
+          <p:spPr>
+            <a:xfrm flipH="1">
+              <a:off x="10583640" y="13741200"/>
+              <a:ext cx="1893600" cy="682920"/>
+            </a:xfrm>
+            <a:custGeom>
+              <a:avLst/>
+              <a:gdLst/>
+              <a:ahLst/>
+              <a:rect l="l" t="t" r="r" b="b"/>
+              <a:pathLst>
+                <a:path w="21600" h="21600">
+                  <a:moveTo>
+                    <a:pt x="0" y="0"/>
+                  </a:moveTo>
+                  <a:lnTo>
+                    <a:pt x="21600" y="21600"/>
+                  </a:lnTo>
+                </a:path>
+              </a:pathLst>
+            </a:custGeom>
+            <a:noFill/>
+            <a:ln w="38160">
+              <a:solidFill>
+                <a:srgbClr val="0070c0"/>
+              </a:solidFill>
+              <a:miter/>
+              <a:tailEnd len="med" type="triangle" w="med"/>
+            </a:ln>
+          </p:spPr>
+          <p:style>
+            <a:lnRef idx="0"/>
+            <a:fillRef idx="0"/>
+            <a:effectRef idx="0"/>
+            <a:fontRef idx="minor"/>
+          </p:style>
+        </p:sp>
+        <p:sp>
+          <p:nvSpPr>
+            <p:cNvPr id="176" name="CustomShape 135"/>
+            <p:cNvSpPr/>
+            <p:nvPr/>
+          </p:nvSpPr>
+          <p:spPr>
+            <a:xfrm>
+              <a:off x="12480840" y="13556520"/>
+              <a:ext cx="2139480" cy="363960"/>
+            </a:xfrm>
+            <a:prstGeom prst="rect">
+              <a:avLst/>
+            </a:prstGeom>
+            <a:noFill/>
+            <a:ln>
+              <a:noFill/>
+            </a:ln>
+          </p:spPr>
+          <p:style>
+            <a:lnRef idx="0"/>
+            <a:fillRef idx="0"/>
+            <a:effectRef idx="0"/>
+            <a:fontRef idx="minor"/>
+          </p:style>
+          <p:txBody>
+            <a:bodyPr lIns="90000" rIns="90000" tIns="45000" bIns="45000">
+              <a:spAutoFit/>
+            </a:bodyPr>
+            <a:p>
+              <a:pPr>
+                <a:lnSpc>
+                  <a:spcPct val="100000"/>
+                </a:lnSpc>
+              </a:pPr>
+              <a:r>
+                <a:rPr b="1" lang="en-US" sz="1800" spc="-1" strike="noStrike">
+                  <a:solidFill>
+                    <a:srgbClr val="000000"/>
+                  </a:solidFill>
+                  <a:latin typeface="굴림"/>
+                  <a:ea typeface="DejaVu Sans"/>
+                </a:rPr>
+                <a:t>writeForm.jsp</a:t>
+              </a:r>
+              <a:endParaRPr b="0" lang="en-US" sz="1800" spc="-1" strike="noStrike">
+                <a:latin typeface="굴림"/>
+              </a:endParaRPr>
+            </a:p>
+          </p:txBody>
+        </p:sp>
+        <p:sp>
+          <p:nvSpPr>
+            <p:cNvPr id="177" name="CustomShape 136"/>
+            <p:cNvSpPr/>
+            <p:nvPr/>
+          </p:nvSpPr>
+          <p:spPr>
+            <a:xfrm>
+              <a:off x="12260160" y="20832480"/>
+              <a:ext cx="2499480" cy="364320"/>
+            </a:xfrm>
+            <a:prstGeom prst="rect">
+              <a:avLst/>
+            </a:prstGeom>
+            <a:noFill/>
+            <a:ln>
+              <a:noFill/>
+            </a:ln>
+          </p:spPr>
+          <p:style>
+            <a:lnRef idx="0"/>
+            <a:fillRef idx="0"/>
+            <a:effectRef idx="0"/>
+            <a:fontRef idx="minor"/>
+          </p:style>
+          <p:txBody>
+            <a:bodyPr lIns="90000" rIns="90000" tIns="45000" bIns="45000">
+              <a:spAutoFit/>
+            </a:bodyPr>
+            <a:p>
+              <a:pPr>
+                <a:lnSpc>
+                  <a:spcPct val="100000"/>
+                </a:lnSpc>
+              </a:pPr>
+              <a:r>
+                <a:rPr b="1" lang="en-US" sz="1800" spc="-1" strike="noStrike">
+                  <a:solidFill>
+                    <a:srgbClr val="000000"/>
+                  </a:solidFill>
+                  <a:latin typeface="굴림"/>
+                  <a:ea typeface="DejaVu Sans"/>
+                </a:rPr>
+                <a:t>redirect:/board/list</a:t>
               </a:r>
               <a:endParaRPr b="0" lang="en-US" sz="1800" spc="-1" strike="noStrike">
                 <a:latin typeface="굴림"/>
@@ -9328,16 +8724,46 @@
           </p:txBody>
         </p:sp>
       </p:grpSp>
+    </p:spTree>
+  </p:cSld>
+  <mc:AlternateContent>
+    <mc:Choice Requires="p14">
+      <p:transition spd="slow" p14:dur="2000"/>
+    </mc:Choice>
+    <mc:Fallback>
+      <p:transition spd="slow"/>
+    </mc:Fallback>
+  </mc:AlternateContent>
+</p:sld>
+</file>
+
+<file path=ppt/slides/slide2.xml><?xml version="1.0" encoding="utf-8"?>
+<p:sld xmlns:a="http://schemas.openxmlformats.org/drawingml/2006/main" xmlns:p="http://schemas.openxmlformats.org/presentationml/2006/main" xmlns:r="http://schemas.openxmlformats.org/officeDocument/2006/relationships" xmlns:p14="http://schemas.microsoft.com/office/powerpoint/2010/main" xmlns:p15="http://schemas.microsoft.com/office/powerpoint/2012/main" xmlns:mc="http://schemas.openxmlformats.org/markup-compatibility/2006">
+  <p:cSld>
+    <p:spTree>
+      <p:nvGrpSpPr>
+        <p:cNvPr id="1" name=""/>
+        <p:cNvGrpSpPr/>
+        <p:nvPr/>
+      </p:nvGrpSpPr>
+      <p:grpSpPr>
+        <a:xfrm>
+          <a:off x="0" y="0"/>
+          <a:ext cx="0" cy="0"/>
+          <a:chOff x="0" y="0"/>
+          <a:chExt cx="0" cy="0"/>
+        </a:xfrm>
+      </p:grpSpPr>
       <p:sp>
         <p:nvSpPr>
-          <p:cNvPr id="189" name="CustomShape 23"/>
+          <p:cNvPr id="178" name="CustomShape 1"/>
           <p:cNvSpPr/>
           <p:nvPr/>
         </p:nvSpPr>
         <p:spPr>
           <a:xfrm>
-            <a:off x="13817160" y="4274280"/>
-            <a:ext cx="2094120" cy="333000"/>
+            <a:off x="10848960" y="44711640"/>
+            <a:ext cx="2139480" cy="363960"/>
           </a:xfrm>
           <a:prstGeom prst="rect">
             <a:avLst/>
@@ -9364,6 +8790,90 @@
               </a:lnSpc>
             </a:pPr>
             <a:r>
+              <a:rPr b="1" lang="en-US" sz="1800" spc="-1" strike="noStrike">
+                <a:solidFill>
+                  <a:srgbClr val="000000"/>
+                </a:solidFill>
+                <a:latin typeface="굴림"/>
+                <a:ea typeface="DejaVu Sans"/>
+              </a:rPr>
+              <a:t>deleteForm.jsp</a:t>
+            </a:r>
+            <a:endParaRPr b="0" lang="en-US" sz="1800" spc="-1" strike="noStrike">
+              <a:latin typeface="굴림"/>
+            </a:endParaRPr>
+          </a:p>
+        </p:txBody>
+      </p:sp>
+      <p:sp>
+        <p:nvSpPr>
+          <p:cNvPr id="179" name="Line 2"/>
+          <p:cNvSpPr/>
+          <p:nvPr/>
+        </p:nvSpPr>
+        <p:spPr>
+          <a:xfrm>
+            <a:off x="6513120" y="1559520"/>
+            <a:ext cx="0" cy="27195840"/>
+          </a:xfrm>
+          <a:prstGeom prst="line">
+            <a:avLst/>
+          </a:prstGeom>
+          <a:ln w="6480">
+            <a:solidFill>
+              <a:srgbClr val="4472c4"/>
+            </a:solidFill>
+            <a:miter/>
+          </a:ln>
+        </p:spPr>
+        <p:style>
+          <a:lnRef idx="0"/>
+          <a:fillRef idx="0"/>
+          <a:effectRef idx="0"/>
+          <a:fontRef idx="minor"/>
+        </p:style>
+      </p:sp>
+      <p:sp>
+        <p:nvSpPr>
+          <p:cNvPr id="180" name="CustomShape 3"/>
+          <p:cNvSpPr/>
+          <p:nvPr/>
+        </p:nvSpPr>
+        <p:spPr>
+          <a:xfrm>
+            <a:off x="7588800" y="2138760"/>
+            <a:ext cx="1600560" cy="428040"/>
+          </a:xfrm>
+          <a:prstGeom prst="rect">
+            <a:avLst/>
+          </a:prstGeom>
+          <a:solidFill>
+            <a:srgbClr val="ffffff"/>
+          </a:solidFill>
+          <a:ln w="12600">
+            <a:solidFill>
+              <a:srgbClr val="000000"/>
+            </a:solidFill>
+            <a:miter/>
+          </a:ln>
+        </p:spPr>
+        <p:style>
+          <a:lnRef idx="0"/>
+          <a:fillRef idx="0"/>
+          <a:effectRef idx="0"/>
+          <a:fontRef idx="minor"/>
+        </p:style>
+        <p:txBody>
+          <a:bodyPr lIns="0" rIns="0" tIns="0" bIns="0" anchor="ctr">
+            <a:noAutofit/>
+          </a:bodyPr>
+          <a:p>
+            <a:pPr algn="ctr">
+              <a:lnSpc>
+                <a:spcPct val="100000"/>
+              </a:lnSpc>
+            </a:pPr>
+            <a:r>
               <a:rPr b="1" lang="en-US" sz="1600" spc="-1" strike="noStrike">
                 <a:solidFill>
                   <a:srgbClr val="000000"/>
@@ -9371,9 +8881,577 @@
                 <a:latin typeface="굴림"/>
                 <a:ea typeface="DejaVu Sans"/>
               </a:rPr>
-              <a:t>boardVo</a:t>
+              <a:t>jsp</a:t>
             </a:r>
             <a:endParaRPr b="0" lang="en-US" sz="1600" spc="-1" strike="noStrike">
+              <a:latin typeface="굴림"/>
+            </a:endParaRPr>
+          </a:p>
+        </p:txBody>
+      </p:sp>
+      <p:sp>
+        <p:nvSpPr>
+          <p:cNvPr id="181" name="CustomShape 4"/>
+          <p:cNvSpPr/>
+          <p:nvPr/>
+        </p:nvSpPr>
+        <p:spPr>
+          <a:xfrm>
+            <a:off x="2201760" y="2123280"/>
+            <a:ext cx="1600560" cy="428040"/>
+          </a:xfrm>
+          <a:prstGeom prst="rect">
+            <a:avLst/>
+          </a:prstGeom>
+          <a:solidFill>
+            <a:srgbClr val="ffffff"/>
+          </a:solidFill>
+          <a:ln w="12600">
+            <a:solidFill>
+              <a:srgbClr val="000000"/>
+            </a:solidFill>
+            <a:miter/>
+          </a:ln>
+        </p:spPr>
+        <p:style>
+          <a:lnRef idx="0"/>
+          <a:fillRef idx="0"/>
+          <a:effectRef idx="0"/>
+          <a:fontRef idx="minor"/>
+        </p:style>
+        <p:txBody>
+          <a:bodyPr lIns="0" rIns="0" tIns="0" bIns="0" anchor="ctr">
+            <a:noAutofit/>
+          </a:bodyPr>
+          <a:p>
+            <a:pPr algn="ctr">
+              <a:lnSpc>
+                <a:spcPct val="100000"/>
+              </a:lnSpc>
+            </a:pPr>
+            <a:r>
+              <a:rPr b="0" lang="en-US" sz="1600" spc="-1" strike="noStrike">
+                <a:solidFill>
+                  <a:srgbClr val="000000"/>
+                </a:solidFill>
+                <a:latin typeface="굴림"/>
+                <a:ea typeface="DejaVu Sans"/>
+              </a:rPr>
+              <a:t>사용자</a:t>
+            </a:r>
+            <a:endParaRPr b="0" lang="en-US" sz="1600" spc="-1" strike="noStrike">
+              <a:latin typeface="굴림"/>
+            </a:endParaRPr>
+          </a:p>
+        </p:txBody>
+      </p:sp>
+      <p:sp>
+        <p:nvSpPr>
+          <p:cNvPr id="182" name="CustomShape 5"/>
+          <p:cNvSpPr/>
+          <p:nvPr/>
+        </p:nvSpPr>
+        <p:spPr>
+          <a:xfrm>
+            <a:off x="11665080" y="2138760"/>
+            <a:ext cx="1600560" cy="428040"/>
+          </a:xfrm>
+          <a:prstGeom prst="rect">
+            <a:avLst/>
+          </a:prstGeom>
+          <a:solidFill>
+            <a:srgbClr val="ffffff"/>
+          </a:solidFill>
+          <a:ln w="12600">
+            <a:solidFill>
+              <a:srgbClr val="000000"/>
+            </a:solidFill>
+            <a:miter/>
+          </a:ln>
+        </p:spPr>
+        <p:style>
+          <a:lnRef idx="0"/>
+          <a:fillRef idx="0"/>
+          <a:effectRef idx="0"/>
+          <a:fontRef idx="minor"/>
+        </p:style>
+        <p:txBody>
+          <a:bodyPr lIns="0" rIns="0" tIns="0" bIns="0" anchor="ctr">
+            <a:noAutofit/>
+          </a:bodyPr>
+          <a:p>
+            <a:pPr algn="ctr">
+              <a:lnSpc>
+                <a:spcPct val="100000"/>
+              </a:lnSpc>
+            </a:pPr>
+            <a:r>
+              <a:rPr b="0" lang="en-US" sz="1600" spc="-1" strike="noStrike">
+                <a:solidFill>
+                  <a:srgbClr val="000000"/>
+                </a:solidFill>
+                <a:latin typeface="굴림"/>
+                <a:ea typeface="DejaVu Sans"/>
+              </a:rPr>
+              <a:t>controller</a:t>
+            </a:r>
+            <a:endParaRPr b="0" lang="en-US" sz="1600" spc="-1" strike="noStrike">
+              <a:latin typeface="굴림"/>
+            </a:endParaRPr>
+          </a:p>
+        </p:txBody>
+      </p:sp>
+      <p:sp>
+        <p:nvSpPr>
+          <p:cNvPr id="183" name="CustomShape 6"/>
+          <p:cNvSpPr/>
+          <p:nvPr/>
+        </p:nvSpPr>
+        <p:spPr>
+          <a:xfrm>
+            <a:off x="19890000" y="2138760"/>
+            <a:ext cx="1600560" cy="428040"/>
+          </a:xfrm>
+          <a:prstGeom prst="rect">
+            <a:avLst/>
+          </a:prstGeom>
+          <a:solidFill>
+            <a:srgbClr val="ffffff"/>
+          </a:solidFill>
+          <a:ln w="12600">
+            <a:solidFill>
+              <a:srgbClr val="000000"/>
+            </a:solidFill>
+            <a:miter/>
+          </a:ln>
+        </p:spPr>
+        <p:style>
+          <a:lnRef idx="0"/>
+          <a:fillRef idx="0"/>
+          <a:effectRef idx="0"/>
+          <a:fontRef idx="minor"/>
+        </p:style>
+        <p:txBody>
+          <a:bodyPr lIns="0" rIns="0" tIns="0" bIns="0" anchor="ctr">
+            <a:noAutofit/>
+          </a:bodyPr>
+          <a:p>
+            <a:pPr algn="ctr">
+              <a:lnSpc>
+                <a:spcPct val="100000"/>
+              </a:lnSpc>
+            </a:pPr>
+            <a:r>
+              <a:rPr b="0" lang="en-US" sz="1600" spc="-1" strike="noStrike">
+                <a:solidFill>
+                  <a:srgbClr val="000000"/>
+                </a:solidFill>
+                <a:latin typeface="굴림"/>
+                <a:ea typeface="DejaVu Sans"/>
+              </a:rPr>
+              <a:t>dao</a:t>
+            </a:r>
+            <a:endParaRPr b="0" lang="en-US" sz="1600" spc="-1" strike="noStrike">
+              <a:latin typeface="굴림"/>
+            </a:endParaRPr>
+          </a:p>
+        </p:txBody>
+      </p:sp>
+      <p:sp>
+        <p:nvSpPr>
+          <p:cNvPr id="184" name="CustomShape 7"/>
+          <p:cNvSpPr/>
+          <p:nvPr/>
+        </p:nvSpPr>
+        <p:spPr>
+          <a:xfrm>
+            <a:off x="24542640" y="2138760"/>
+            <a:ext cx="1600560" cy="428040"/>
+          </a:xfrm>
+          <a:prstGeom prst="rect">
+            <a:avLst/>
+          </a:prstGeom>
+          <a:solidFill>
+            <a:srgbClr val="ffffff"/>
+          </a:solidFill>
+          <a:ln cap="rnd" w="12600">
+            <a:solidFill>
+              <a:srgbClr val="a6a6a6"/>
+            </a:solidFill>
+            <a:prstDash val="lgDash"/>
+            <a:miter/>
+          </a:ln>
+        </p:spPr>
+        <p:style>
+          <a:lnRef idx="0"/>
+          <a:fillRef idx="0"/>
+          <a:effectRef idx="0"/>
+          <a:fontRef idx="minor"/>
+        </p:style>
+        <p:txBody>
+          <a:bodyPr lIns="0" rIns="0" tIns="0" bIns="0" anchor="ctr">
+            <a:noAutofit/>
+          </a:bodyPr>
+          <a:p>
+            <a:pPr algn="ctr">
+              <a:lnSpc>
+                <a:spcPct val="100000"/>
+              </a:lnSpc>
+            </a:pPr>
+            <a:r>
+              <a:rPr b="0" lang="en-US" sz="1600" spc="-1" strike="noStrike">
+                <a:solidFill>
+                  <a:srgbClr val="a6a6a6"/>
+                </a:solidFill>
+                <a:latin typeface="굴림"/>
+                <a:ea typeface="DejaVu Sans"/>
+              </a:rPr>
+              <a:t>sqlSession</a:t>
+            </a:r>
+            <a:endParaRPr b="0" lang="en-US" sz="1600" spc="-1" strike="noStrike">
+              <a:latin typeface="굴림"/>
+            </a:endParaRPr>
+          </a:p>
+        </p:txBody>
+      </p:sp>
+      <p:sp>
+        <p:nvSpPr>
+          <p:cNvPr id="185" name="CustomShape 8"/>
+          <p:cNvSpPr/>
+          <p:nvPr/>
+        </p:nvSpPr>
+        <p:spPr>
+          <a:xfrm>
+            <a:off x="28654200" y="2138760"/>
+            <a:ext cx="1600560" cy="428040"/>
+          </a:xfrm>
+          <a:prstGeom prst="rect">
+            <a:avLst/>
+          </a:prstGeom>
+          <a:solidFill>
+            <a:srgbClr val="ffffff"/>
+          </a:solidFill>
+          <a:ln w="12600">
+            <a:solidFill>
+              <a:srgbClr val="000000"/>
+            </a:solidFill>
+            <a:miter/>
+          </a:ln>
+        </p:spPr>
+        <p:style>
+          <a:lnRef idx="0"/>
+          <a:fillRef idx="0"/>
+          <a:effectRef idx="0"/>
+          <a:fontRef idx="minor"/>
+        </p:style>
+        <p:txBody>
+          <a:bodyPr lIns="0" rIns="0" tIns="0" bIns="0" anchor="ctr">
+            <a:noAutofit/>
+          </a:bodyPr>
+          <a:p>
+            <a:pPr algn="ctr">
+              <a:lnSpc>
+                <a:spcPct val="100000"/>
+              </a:lnSpc>
+            </a:pPr>
+            <a:r>
+              <a:rPr b="0" lang="en-US" sz="1600" spc="-1" strike="noStrike">
+                <a:solidFill>
+                  <a:srgbClr val="000000"/>
+                </a:solidFill>
+                <a:latin typeface="굴림"/>
+                <a:ea typeface="DejaVu Sans"/>
+              </a:rPr>
+              <a:t>xml</a:t>
+            </a:r>
+            <a:endParaRPr b="0" lang="en-US" sz="1600" spc="-1" strike="noStrike">
+              <a:latin typeface="굴림"/>
+            </a:endParaRPr>
+          </a:p>
+        </p:txBody>
+      </p:sp>
+      <p:sp>
+        <p:nvSpPr>
+          <p:cNvPr id="186" name="CustomShape 9"/>
+          <p:cNvSpPr/>
+          <p:nvPr/>
+        </p:nvSpPr>
+        <p:spPr>
+          <a:xfrm>
+            <a:off x="16120080" y="2138760"/>
+            <a:ext cx="1600560" cy="428040"/>
+          </a:xfrm>
+          <a:prstGeom prst="rect">
+            <a:avLst/>
+          </a:prstGeom>
+          <a:solidFill>
+            <a:srgbClr val="ffffff"/>
+          </a:solidFill>
+          <a:ln w="12600">
+            <a:solidFill>
+              <a:srgbClr val="000000"/>
+            </a:solidFill>
+            <a:miter/>
+          </a:ln>
+        </p:spPr>
+        <p:style>
+          <a:lnRef idx="0"/>
+          <a:fillRef idx="0"/>
+          <a:effectRef idx="0"/>
+          <a:fontRef idx="minor"/>
+        </p:style>
+        <p:txBody>
+          <a:bodyPr lIns="0" rIns="0" tIns="0" bIns="0" anchor="ctr">
+            <a:noAutofit/>
+          </a:bodyPr>
+          <a:p>
+            <a:pPr algn="ctr">
+              <a:lnSpc>
+                <a:spcPct val="100000"/>
+              </a:lnSpc>
+            </a:pPr>
+            <a:r>
+              <a:rPr b="0" lang="en-US" sz="1600" spc="-1" strike="noStrike">
+                <a:solidFill>
+                  <a:srgbClr val="000000"/>
+                </a:solidFill>
+                <a:latin typeface="굴림"/>
+                <a:ea typeface="DejaVu Sans"/>
+              </a:rPr>
+              <a:t>service</a:t>
+            </a:r>
+            <a:endParaRPr b="0" lang="en-US" sz="1600" spc="-1" strike="noStrike">
+              <a:latin typeface="굴림"/>
+            </a:endParaRPr>
+          </a:p>
+        </p:txBody>
+      </p:sp>
+      <p:sp>
+        <p:nvSpPr>
+          <p:cNvPr id="187" name="CustomShape 10"/>
+          <p:cNvSpPr/>
+          <p:nvPr/>
+        </p:nvSpPr>
+        <p:spPr>
+          <a:xfrm>
+            <a:off x="15195240" y="1559520"/>
+            <a:ext cx="3603960" cy="27194400"/>
+          </a:xfrm>
+          <a:prstGeom prst="rect">
+            <a:avLst/>
+          </a:prstGeom>
+          <a:noFill/>
+          <a:ln cap="rnd" w="57240">
+            <a:solidFill>
+              <a:srgbClr val="c00000"/>
+            </a:solidFill>
+            <a:prstDash val="dash"/>
+            <a:miter/>
+          </a:ln>
+        </p:spPr>
+        <p:style>
+          <a:lnRef idx="0"/>
+          <a:fillRef idx="0"/>
+          <a:effectRef idx="0"/>
+          <a:fontRef idx="minor"/>
+        </p:style>
+      </p:sp>
+      <p:sp>
+        <p:nvSpPr>
+          <p:cNvPr id="188" name="Line 11"/>
+          <p:cNvSpPr/>
+          <p:nvPr/>
+        </p:nvSpPr>
+        <p:spPr>
+          <a:xfrm>
+            <a:off x="10722600" y="1559520"/>
+            <a:ext cx="0" cy="27195840"/>
+          </a:xfrm>
+          <a:prstGeom prst="line">
+            <a:avLst/>
+          </a:prstGeom>
+          <a:ln w="6480">
+            <a:solidFill>
+              <a:srgbClr val="4472c4"/>
+            </a:solidFill>
+            <a:miter/>
+          </a:ln>
+        </p:spPr>
+        <p:style>
+          <a:lnRef idx="0"/>
+          <a:fillRef idx="0"/>
+          <a:effectRef idx="0"/>
+          <a:fontRef idx="minor"/>
+        </p:style>
+      </p:sp>
+      <p:sp>
+        <p:nvSpPr>
+          <p:cNvPr id="189" name="Line 12"/>
+          <p:cNvSpPr/>
+          <p:nvPr/>
+        </p:nvSpPr>
+        <p:spPr>
+          <a:xfrm>
+            <a:off x="14868360" y="1559520"/>
+            <a:ext cx="0" cy="27195840"/>
+          </a:xfrm>
+          <a:prstGeom prst="line">
+            <a:avLst/>
+          </a:prstGeom>
+          <a:ln w="6480">
+            <a:solidFill>
+              <a:srgbClr val="4472c4"/>
+            </a:solidFill>
+            <a:miter/>
+          </a:ln>
+        </p:spPr>
+        <p:style>
+          <a:lnRef idx="0"/>
+          <a:fillRef idx="0"/>
+          <a:effectRef idx="0"/>
+          <a:fontRef idx="minor"/>
+        </p:style>
+      </p:sp>
+      <p:sp>
+        <p:nvSpPr>
+          <p:cNvPr id="190" name="Line 13"/>
+          <p:cNvSpPr/>
+          <p:nvPr/>
+        </p:nvSpPr>
+        <p:spPr>
+          <a:xfrm>
+            <a:off x="19049760" y="1559520"/>
+            <a:ext cx="0" cy="27195840"/>
+          </a:xfrm>
+          <a:prstGeom prst="line">
+            <a:avLst/>
+          </a:prstGeom>
+          <a:ln w="6480">
+            <a:solidFill>
+              <a:srgbClr val="4472c4"/>
+            </a:solidFill>
+            <a:miter/>
+          </a:ln>
+        </p:spPr>
+        <p:style>
+          <a:lnRef idx="0"/>
+          <a:fillRef idx="0"/>
+          <a:effectRef idx="0"/>
+          <a:fontRef idx="minor"/>
+        </p:style>
+      </p:sp>
+      <p:sp>
+        <p:nvSpPr>
+          <p:cNvPr id="191" name="Line 14"/>
+          <p:cNvSpPr/>
+          <p:nvPr/>
+        </p:nvSpPr>
+        <p:spPr>
+          <a:xfrm>
+            <a:off x="22782240" y="1559520"/>
+            <a:ext cx="0" cy="27195840"/>
+          </a:xfrm>
+          <a:prstGeom prst="line">
+            <a:avLst/>
+          </a:prstGeom>
+          <a:ln w="6480">
+            <a:solidFill>
+              <a:srgbClr val="4472c4"/>
+            </a:solidFill>
+            <a:miter/>
+          </a:ln>
+        </p:spPr>
+        <p:style>
+          <a:lnRef idx="0"/>
+          <a:fillRef idx="0"/>
+          <a:effectRef idx="0"/>
+          <a:fontRef idx="minor"/>
+        </p:style>
+      </p:sp>
+      <p:sp>
+        <p:nvSpPr>
+          <p:cNvPr id="192" name="Line 15"/>
+          <p:cNvSpPr/>
+          <p:nvPr/>
+        </p:nvSpPr>
+        <p:spPr>
+          <a:xfrm>
+            <a:off x="33138000" y="1559520"/>
+            <a:ext cx="0" cy="27195840"/>
+          </a:xfrm>
+          <a:prstGeom prst="line">
+            <a:avLst/>
+          </a:prstGeom>
+          <a:ln w="6480">
+            <a:solidFill>
+              <a:srgbClr val="4472c4"/>
+            </a:solidFill>
+            <a:miter/>
+          </a:ln>
+        </p:spPr>
+        <p:style>
+          <a:lnRef idx="0"/>
+          <a:fillRef idx="0"/>
+          <a:effectRef idx="0"/>
+          <a:fontRef idx="minor"/>
+        </p:style>
+      </p:sp>
+      <p:sp>
+        <p:nvSpPr>
+          <p:cNvPr id="193" name="CustomShape 16"/>
+          <p:cNvSpPr/>
+          <p:nvPr/>
+        </p:nvSpPr>
+        <p:spPr>
+          <a:xfrm>
+            <a:off x="641520" y="360360"/>
+            <a:ext cx="9373680" cy="820800"/>
+          </a:xfrm>
+          <a:prstGeom prst="rect">
+            <a:avLst/>
+          </a:prstGeom>
+          <a:noFill/>
+          <a:ln>
+            <a:noFill/>
+          </a:ln>
+        </p:spPr>
+        <p:style>
+          <a:lnRef idx="0"/>
+          <a:fillRef idx="0"/>
+          <a:effectRef idx="0"/>
+          <a:fontRef idx="minor"/>
+        </p:style>
+        <p:txBody>
+          <a:bodyPr lIns="90000" rIns="90000" tIns="45000" bIns="45000">
+            <a:spAutoFit/>
+          </a:bodyPr>
+          <a:p>
+            <a:pPr>
+              <a:lnSpc>
+                <a:spcPct val="100000"/>
+              </a:lnSpc>
+            </a:pPr>
+            <a:r>
+              <a:rPr b="1" lang="en-US" sz="4800" spc="-1" strike="noStrike">
+                <a:solidFill>
+                  <a:srgbClr val="000000"/>
+                </a:solidFill>
+                <a:latin typeface="굴림"/>
+                <a:ea typeface="DejaVu Sans"/>
+              </a:rPr>
+              <a:t>■</a:t>
+            </a:r>
+            <a:r>
+              <a:rPr b="1" lang="en-US" sz="4800" spc="-1" strike="noStrike">
+                <a:solidFill>
+                  <a:srgbClr val="000000"/>
+                </a:solidFill>
+                <a:latin typeface="굴림"/>
+                <a:ea typeface="DejaVu Sans"/>
+              </a:rPr>
+              <a:t>mysite5 - borad</a:t>
+            </a:r>
+            <a:endParaRPr b="0" lang="en-US" sz="4800" spc="-1" strike="noStrike">
               <a:latin typeface="굴림"/>
             </a:endParaRPr>
           </a:p>
@@ -9381,28 +9459,28 @@
       </p:sp>
       <p:grpSp>
         <p:nvGrpSpPr>
-          <p:cNvPr id="190" name="Group 24"/>
+          <p:cNvPr id="194" name="Group 17"/>
           <p:cNvGrpSpPr/>
           <p:nvPr/>
         </p:nvGrpSpPr>
         <p:grpSpPr>
           <a:xfrm>
-            <a:off x="13779000" y="3887280"/>
-            <a:ext cx="1772280" cy="292320"/>
-            <a:chOff x="13779000" y="3887280"/>
-            <a:chExt cx="1772280" cy="292320"/>
+            <a:off x="1005120" y="3312000"/>
+            <a:ext cx="12817800" cy="2383200"/>
+            <a:chOff x="1005120" y="3312000"/>
+            <a:chExt cx="12817800" cy="2383200"/>
           </a:xfrm>
         </p:grpSpPr>
         <p:sp>
           <p:nvSpPr>
-            <p:cNvPr id="191" name="CustomShape 25"/>
+            <p:cNvPr id="195" name="CustomShape 18"/>
             <p:cNvSpPr/>
             <p:nvPr/>
           </p:nvSpPr>
           <p:spPr>
-            <a:xfrm flipV="1">
-              <a:off x="13790160" y="3886920"/>
-              <a:ext cx="1761120" cy="12240"/>
+            <a:xfrm>
+              <a:off x="5382360" y="3987000"/>
+              <a:ext cx="6356880" cy="360"/>
             </a:xfrm>
             <a:custGeom>
               <a:avLst/>
@@ -9438,14 +9516,557 @@
         </p:sp>
         <p:sp>
           <p:nvSpPr>
-            <p:cNvPr id="192" name="CustomShape 26"/>
+            <p:cNvPr id="196" name="CustomShape 19"/>
+            <p:cNvSpPr/>
+            <p:nvPr/>
+          </p:nvSpPr>
+          <p:spPr>
+            <a:xfrm>
+              <a:off x="11713320" y="3807720"/>
+              <a:ext cx="2109600" cy="1887480"/>
+            </a:xfrm>
+            <a:prstGeom prst="rect">
+              <a:avLst/>
+            </a:prstGeom>
+            <a:noFill/>
+            <a:ln>
+              <a:noFill/>
+            </a:ln>
+          </p:spPr>
+          <p:style>
+            <a:lnRef idx="0"/>
+            <a:fillRef idx="0"/>
+            <a:effectRef idx="0"/>
+            <a:fontRef idx="minor"/>
+          </p:style>
+          <p:txBody>
+            <a:bodyPr lIns="90000" rIns="90000" tIns="45000" bIns="45000">
+              <a:spAutoFit/>
+            </a:bodyPr>
+            <a:p>
+              <a:pPr>
+                <a:lnSpc>
+                  <a:spcPct val="100000"/>
+                </a:lnSpc>
+              </a:pPr>
+              <a:r>
+                <a:rPr b="1" lang="en-US" sz="1800" spc="-1" strike="noStrike">
+                  <a:solidFill>
+                    <a:srgbClr val="000000"/>
+                  </a:solidFill>
+                  <a:latin typeface="굴림"/>
+                  <a:ea typeface="DejaVu Sans"/>
+                </a:rPr>
+                <a:t>board</a:t>
+              </a:r>
+              <a:r>
+                <a:rPr b="1" lang="en-US" sz="1800" spc="-1" strike="noStrike">
+                  <a:solidFill>
+                    <a:srgbClr val="ff0000"/>
+                  </a:solidFill>
+                  <a:latin typeface="굴림"/>
+                  <a:ea typeface="DejaVu Sans"/>
+                </a:rPr>
+                <a:t>/modifyForm</a:t>
+              </a:r>
+              <a:r>
+                <a:rPr b="1" lang="en-US" sz="1800" spc="-1" strike="noStrike">
+                  <a:solidFill>
+                    <a:srgbClr val="000000"/>
+                  </a:solidFill>
+                  <a:latin typeface="굴림"/>
+                  <a:ea typeface="DejaVu Sans"/>
+                </a:rPr>
+                <a:t>(</a:t>
+              </a:r>
+              <a:endParaRPr b="0" lang="en-US" sz="1800" spc="-1" strike="noStrike">
+                <a:latin typeface="굴림"/>
+              </a:endParaRPr>
+            </a:p>
+            <a:p>
+              <a:pPr>
+                <a:lnSpc>
+                  <a:spcPct val="100000"/>
+                </a:lnSpc>
+              </a:pPr>
+              <a:r>
+                <a:rPr b="1" i="1" lang="en-US" sz="1400" spc="-1" strike="noStrike">
+                  <a:solidFill>
+                    <a:srgbClr val="a0a0a0"/>
+                  </a:solidFill>
+                  <a:latin typeface="Consolas"/>
+                  <a:ea typeface="Consolas"/>
+                </a:rPr>
+                <a:t>@RequestParam</a:t>
+              </a:r>
+              <a:r>
+                <a:rPr b="1" i="1" lang="en-US" sz="1400" spc="-1" strike="noStrike">
+                  <a:solidFill>
+                    <a:srgbClr val="000000"/>
+                  </a:solidFill>
+                  <a:latin typeface="Consolas"/>
+                  <a:ea typeface="Consolas"/>
+                </a:rPr>
+                <a:t>(</a:t>
+              </a:r>
+              <a:r>
+                <a:rPr b="1" lang="en-US" sz="1400" spc="-1" strike="noStrike">
+                  <a:solidFill>
+                    <a:srgbClr val="000000"/>
+                  </a:solidFill>
+                  <a:latin typeface="Consolas"/>
+                  <a:ea typeface="Consolas"/>
+                </a:rPr>
+                <a:t>"no")</a:t>
+              </a:r>
+              <a:r>
+                <a:rPr b="1" lang="en-US" sz="1400" spc="-1" strike="noStrike">
+                  <a:solidFill>
+                    <a:srgbClr val="d9e8f7"/>
+                  </a:solidFill>
+                  <a:latin typeface="Consolas"/>
+                  <a:ea typeface="Consolas"/>
+                </a:rPr>
+                <a:t> </a:t>
+              </a:r>
+              <a:r>
+                <a:rPr b="1" lang="en-US" sz="1400" spc="-1" strike="noStrike">
+                  <a:solidFill>
+                    <a:srgbClr val="cc6c1d"/>
+                  </a:solidFill>
+                  <a:latin typeface="Consolas"/>
+                  <a:ea typeface="Consolas"/>
+                </a:rPr>
+                <a:t>int</a:t>
+              </a:r>
+              <a:r>
+                <a:rPr b="1" lang="en-US" sz="1400" spc="-1" strike="noStrike">
+                  <a:solidFill>
+                    <a:srgbClr val="d9e8f7"/>
+                  </a:solidFill>
+                  <a:latin typeface="Consolas"/>
+                  <a:ea typeface="Consolas"/>
+                </a:rPr>
+                <a:t> </a:t>
+              </a:r>
+              <a:r>
+                <a:rPr b="1" lang="en-US" sz="1400" spc="-1" strike="noStrike">
+                  <a:solidFill>
+                    <a:srgbClr val="79abff"/>
+                  </a:solidFill>
+                  <a:latin typeface="Consolas"/>
+                  <a:ea typeface="Consolas"/>
+                </a:rPr>
+                <a:t>no</a:t>
+              </a:r>
+              <a:r>
+                <a:rPr b="1" lang="en-US" sz="1400" spc="-1" strike="noStrike">
+                  <a:solidFill>
+                    <a:srgbClr val="000000"/>
+                  </a:solidFill>
+                  <a:latin typeface="Consolas"/>
+                  <a:ea typeface="Consolas"/>
+                </a:rPr>
+                <a:t>,</a:t>
+              </a:r>
+              <a:endParaRPr b="0" lang="en-US" sz="1400" spc="-1" strike="noStrike">
+                <a:latin typeface="굴림"/>
+              </a:endParaRPr>
+            </a:p>
+            <a:p>
+              <a:pPr>
+                <a:lnSpc>
+                  <a:spcPct val="100000"/>
+                </a:lnSpc>
+              </a:pPr>
+              <a:r>
+                <a:rPr b="1" lang="en-US" sz="1400" spc="-1" strike="noStrike">
+                  <a:solidFill>
+                    <a:srgbClr val="80f2f6"/>
+                  </a:solidFill>
+                  <a:latin typeface="Consolas"/>
+                  <a:ea typeface="Consolas"/>
+                </a:rPr>
+                <a:t>Model</a:t>
+              </a:r>
+              <a:r>
+                <a:rPr b="1" lang="en-US" sz="1400" spc="-1" strike="noStrike">
+                  <a:solidFill>
+                    <a:srgbClr val="d9e8f7"/>
+                  </a:solidFill>
+                  <a:latin typeface="Consolas"/>
+                  <a:ea typeface="Consolas"/>
+                </a:rPr>
+                <a:t> </a:t>
+              </a:r>
+              <a:r>
+                <a:rPr b="1" lang="en-US" sz="1400" spc="-1" strike="noStrike">
+                  <a:solidFill>
+                    <a:srgbClr val="79abff"/>
+                  </a:solidFill>
+                  <a:latin typeface="Consolas"/>
+                  <a:ea typeface="Consolas"/>
+                </a:rPr>
+                <a:t>model</a:t>
+              </a:r>
+              <a:r>
+                <a:rPr b="1" lang="en-US" sz="1800" spc="-1" strike="noStrike">
+                  <a:solidFill>
+                    <a:srgbClr val="000000"/>
+                  </a:solidFill>
+                  <a:latin typeface="굴림"/>
+                  <a:ea typeface="DejaVu Sans"/>
+                </a:rPr>
+                <a:t>){</a:t>
+              </a:r>
+              <a:endParaRPr b="0" lang="en-US" sz="1800" spc="-1" strike="noStrike">
+                <a:latin typeface="굴림"/>
+              </a:endParaRPr>
+            </a:p>
+            <a:p>
+              <a:pPr>
+                <a:lnSpc>
+                  <a:spcPct val="100000"/>
+                </a:lnSpc>
+              </a:pPr>
+              <a:endParaRPr b="0" lang="en-US" sz="1800" spc="-1" strike="noStrike">
+                <a:latin typeface="굴림"/>
+              </a:endParaRPr>
+            </a:p>
+            <a:p>
+              <a:pPr>
+                <a:lnSpc>
+                  <a:spcPct val="100000"/>
+                </a:lnSpc>
+              </a:pPr>
+              <a:r>
+                <a:rPr b="1" lang="en-US" sz="1800" spc="-1" strike="noStrike">
+                  <a:solidFill>
+                    <a:srgbClr val="000000"/>
+                  </a:solidFill>
+                  <a:latin typeface="굴림"/>
+                  <a:ea typeface="DejaVu Sans"/>
+                </a:rPr>
+                <a:t>}</a:t>
+              </a:r>
+              <a:endParaRPr b="0" lang="en-US" sz="1800" spc="-1" strike="noStrike">
+                <a:latin typeface="굴림"/>
+              </a:endParaRPr>
+            </a:p>
+          </p:txBody>
+        </p:sp>
+        <p:sp>
+          <p:nvSpPr>
+            <p:cNvPr id="197" name="CustomShape 20"/>
+            <p:cNvSpPr/>
+            <p:nvPr/>
+          </p:nvSpPr>
+          <p:spPr>
+            <a:xfrm>
+              <a:off x="1094040" y="3807720"/>
+              <a:ext cx="5601600" cy="333360"/>
+            </a:xfrm>
+            <a:prstGeom prst="rect">
+              <a:avLst/>
+            </a:prstGeom>
+            <a:solidFill>
+              <a:srgbClr val="d9d9d9"/>
+            </a:solidFill>
+            <a:ln>
+              <a:noFill/>
+            </a:ln>
+          </p:spPr>
+          <p:style>
+            <a:lnRef idx="0"/>
+            <a:fillRef idx="0"/>
+            <a:effectRef idx="0"/>
+            <a:fontRef idx="minor"/>
+          </p:style>
+          <p:txBody>
+            <a:bodyPr lIns="90000" rIns="90000" tIns="45000" bIns="45000">
+              <a:spAutoFit/>
+            </a:bodyPr>
+            <a:p>
+              <a:pPr>
+                <a:lnSpc>
+                  <a:spcPct val="100000"/>
+                </a:lnSpc>
+              </a:pPr>
+              <a:r>
+                <a:rPr b="0" lang="en-US" sz="1600" spc="-1" strike="noStrike" u="sng">
+                  <a:solidFill>
+                    <a:srgbClr val="0000ff"/>
+                  </a:solidFill>
+                  <a:uFillTx/>
+                  <a:latin typeface="Consolas"/>
+                  <a:ea typeface="Consolas"/>
+                  <a:hlinkClick r:id="rId1"/>
+                </a:rPr>
+                <a:t>http://localhost:8088/mysite5/</a:t>
+              </a:r>
+              <a:r>
+                <a:rPr b="0" lang="en-US" sz="1300" spc="-1" strike="noStrike">
+                  <a:solidFill>
+                    <a:srgbClr val="808080"/>
+                  </a:solidFill>
+                  <a:latin typeface="Consolas"/>
+                  <a:ea typeface="Consolas"/>
+                </a:rPr>
+                <a:t>board/modifyForm?no=?</a:t>
+              </a:r>
+              <a:endParaRPr b="0" lang="en-US" sz="1300" spc="-1" strike="noStrike">
+                <a:latin typeface="굴림"/>
+              </a:endParaRPr>
+            </a:p>
+          </p:txBody>
+        </p:sp>
+        <p:sp>
+          <p:nvSpPr>
+            <p:cNvPr id="198" name="CustomShape 21"/>
+            <p:cNvSpPr/>
+            <p:nvPr/>
+          </p:nvSpPr>
+          <p:spPr>
+            <a:xfrm>
+              <a:off x="1082520" y="4192200"/>
+              <a:ext cx="1486440" cy="411120"/>
+            </a:xfrm>
+            <a:prstGeom prst="rect">
+              <a:avLst/>
+            </a:prstGeom>
+            <a:solidFill>
+              <a:srgbClr val="ffffff"/>
+            </a:solidFill>
+            <a:ln cap="rnd" w="12600">
+              <a:solidFill>
+                <a:srgbClr val="325490"/>
+              </a:solidFill>
+              <a:prstDash val="lgDash"/>
+              <a:miter/>
+            </a:ln>
+          </p:spPr>
+          <p:style>
+            <a:lnRef idx="0"/>
+            <a:fillRef idx="0"/>
+            <a:effectRef idx="0"/>
+            <a:fontRef idx="minor"/>
+          </p:style>
+          <p:txBody>
+            <a:bodyPr lIns="90000" rIns="90000" tIns="45000" bIns="45000" anchor="ctr">
+              <a:noAutofit/>
+            </a:bodyPr>
+            <a:p>
+              <a:pPr algn="ctr">
+                <a:lnSpc>
+                  <a:spcPct val="100000"/>
+                </a:lnSpc>
+              </a:pPr>
+              <a:r>
+                <a:rPr b="0" lang="en-US" sz="1800" spc="-1" strike="noStrike">
+                  <a:solidFill>
+                    <a:srgbClr val="000000"/>
+                  </a:solidFill>
+                  <a:latin typeface="Calibri"/>
+                  <a:ea typeface="DejaVu Sans"/>
+                </a:rPr>
+                <a:t>요청화면</a:t>
+              </a:r>
+              <a:endParaRPr b="0" lang="en-US" sz="1800" spc="-1" strike="noStrike">
+                <a:latin typeface="굴림"/>
+              </a:endParaRPr>
+            </a:p>
+          </p:txBody>
+        </p:sp>
+        <p:sp>
+          <p:nvSpPr>
+            <p:cNvPr id="199" name="CustomShape 22"/>
+            <p:cNvSpPr/>
+            <p:nvPr/>
+          </p:nvSpPr>
+          <p:spPr>
+            <a:xfrm>
+              <a:off x="1005120" y="3312000"/>
+              <a:ext cx="2417760" cy="363960"/>
+            </a:xfrm>
+            <a:prstGeom prst="rect">
+              <a:avLst/>
+            </a:prstGeom>
+            <a:noFill/>
+            <a:ln>
+              <a:noFill/>
+            </a:ln>
+          </p:spPr>
+          <p:style>
+            <a:lnRef idx="0"/>
+            <a:fillRef idx="0"/>
+            <a:effectRef idx="0"/>
+            <a:fontRef idx="minor"/>
+          </p:style>
+          <p:txBody>
+            <a:bodyPr lIns="90000" rIns="90000" tIns="45000" bIns="45000">
+              <a:spAutoFit/>
+            </a:bodyPr>
+            <a:p>
+              <a:pPr>
+                <a:lnSpc>
+                  <a:spcPct val="100000"/>
+                </a:lnSpc>
+              </a:pPr>
+              <a:r>
+                <a:rPr b="1" lang="en-US" sz="1800" spc="-1" strike="noStrike">
+                  <a:solidFill>
+                    <a:srgbClr val="000000"/>
+                  </a:solidFill>
+                  <a:latin typeface="굴림"/>
+                  <a:ea typeface="DejaVu Sans"/>
+                </a:rPr>
+                <a:t>■</a:t>
+              </a:r>
+              <a:r>
+                <a:rPr b="1" lang="en-US" sz="1800" spc="-1" strike="noStrike">
+                  <a:solidFill>
+                    <a:srgbClr val="000000"/>
+                  </a:solidFill>
+                  <a:latin typeface="굴림"/>
+                  <a:ea typeface="DejaVu Sans"/>
+                </a:rPr>
+                <a:t>board </a:t>
+              </a:r>
+              <a:r>
+                <a:rPr b="1" lang="en-US" sz="1800" spc="-1" strike="noStrike">
+                  <a:solidFill>
+                    <a:srgbClr val="000000"/>
+                  </a:solidFill>
+                  <a:latin typeface="굴림"/>
+                  <a:ea typeface="DejaVu Sans"/>
+                </a:rPr>
+                <a:t>수정폼</a:t>
+              </a:r>
+              <a:endParaRPr b="0" lang="en-US" sz="1800" spc="-1" strike="noStrike">
+                <a:latin typeface="굴림"/>
+              </a:endParaRPr>
+            </a:p>
+          </p:txBody>
+        </p:sp>
+      </p:grpSp>
+      <p:sp>
+        <p:nvSpPr>
+          <p:cNvPr id="200" name="CustomShape 23"/>
+          <p:cNvSpPr/>
+          <p:nvPr/>
+        </p:nvSpPr>
+        <p:spPr>
+          <a:xfrm>
+            <a:off x="13817160" y="4274280"/>
+            <a:ext cx="2093760" cy="333000"/>
+          </a:xfrm>
+          <a:prstGeom prst="rect">
+            <a:avLst/>
+          </a:prstGeom>
+          <a:noFill/>
+          <a:ln>
+            <a:noFill/>
+          </a:ln>
+        </p:spPr>
+        <p:style>
+          <a:lnRef idx="0"/>
+          <a:fillRef idx="0"/>
+          <a:effectRef idx="0"/>
+          <a:fontRef idx="minor"/>
+        </p:style>
+        <p:txBody>
+          <a:bodyPr lIns="90000" rIns="90000" tIns="45000" bIns="45000">
+            <a:spAutoFit/>
+          </a:bodyPr>
+          <a:p>
+            <a:pPr>
+              <a:lnSpc>
+                <a:spcPct val="100000"/>
+              </a:lnSpc>
+            </a:pPr>
+            <a:r>
+              <a:rPr b="1" lang="en-US" sz="1600" spc="-1" strike="noStrike">
+                <a:solidFill>
+                  <a:srgbClr val="000000"/>
+                </a:solidFill>
+                <a:latin typeface="굴림"/>
+                <a:ea typeface="DejaVu Sans"/>
+              </a:rPr>
+              <a:t>boardVo</a:t>
+            </a:r>
+            <a:endParaRPr b="0" lang="en-US" sz="1600" spc="-1" strike="noStrike">
+              <a:latin typeface="굴림"/>
+            </a:endParaRPr>
+          </a:p>
+        </p:txBody>
+      </p:sp>
+      <p:grpSp>
+        <p:nvGrpSpPr>
+          <p:cNvPr id="201" name="Group 24"/>
+          <p:cNvGrpSpPr/>
+          <p:nvPr/>
+        </p:nvGrpSpPr>
+        <p:grpSpPr>
+          <a:xfrm>
+            <a:off x="13778640" y="3886560"/>
+            <a:ext cx="1772280" cy="293040"/>
+            <a:chOff x="13778640" y="3886560"/>
+            <a:chExt cx="1772280" cy="293040"/>
+          </a:xfrm>
+        </p:grpSpPr>
+        <p:sp>
+          <p:nvSpPr>
+            <p:cNvPr id="202" name="CustomShape 25"/>
+            <p:cNvSpPr/>
+            <p:nvPr/>
+          </p:nvSpPr>
+          <p:spPr>
+            <a:xfrm flipV="1">
+              <a:off x="13790160" y="3885840"/>
+              <a:ext cx="1760760" cy="11880"/>
+            </a:xfrm>
+            <a:custGeom>
+              <a:avLst/>
+              <a:gdLst/>
+              <a:ahLst/>
+              <a:rect l="l" t="t" r="r" b="b"/>
+              <a:pathLst>
+                <a:path w="21600" h="21600">
+                  <a:moveTo>
+                    <a:pt x="0" y="0"/>
+                  </a:moveTo>
+                  <a:lnTo>
+                    <a:pt x="21600" y="21600"/>
+                  </a:lnTo>
+                </a:path>
+              </a:pathLst>
+            </a:custGeom>
+            <a:noFill/>
+            <a:ln w="38160">
+              <a:solidFill>
+                <a:srgbClr val="c00000"/>
+              </a:solidFill>
+              <a:miter/>
+              <a:tailEnd len="med" type="triangle" w="med"/>
+            </a:ln>
+          </p:spPr>
+          <p:style>
+            <a:lnRef idx="0"/>
+            <a:fillRef idx="0"/>
+            <a:effectRef idx="0"/>
+            <a:fontRef idx="minor"/>
+          </p:style>
+        </p:sp>
+        <p:sp>
+          <p:nvSpPr>
+            <p:cNvPr id="203" name="CustomShape 26"/>
             <p:cNvSpPr/>
             <p:nvPr/>
           </p:nvSpPr>
           <p:spPr>
             <a:xfrm flipH="1">
               <a:off x="13778640" y="4179240"/>
-              <a:ext cx="1755720" cy="360"/>
+              <a:ext cx="1755360" cy="360"/>
             </a:xfrm>
             <a:custGeom>
               <a:avLst/>
@@ -9482,14 +10103,14 @@
       </p:grpSp>
       <p:sp>
         <p:nvSpPr>
-          <p:cNvPr id="193" name="CustomShape 27"/>
+          <p:cNvPr id="204" name="CustomShape 27"/>
           <p:cNvSpPr/>
           <p:nvPr/>
         </p:nvSpPr>
         <p:spPr>
           <a:xfrm>
             <a:off x="16071840" y="3816000"/>
-            <a:ext cx="2647440" cy="363960"/>
+            <a:ext cx="2647080" cy="363960"/>
           </a:xfrm>
           <a:prstGeom prst="rect">
             <a:avLst/>
@@ -9573,28 +10194,28 @@
       </p:sp>
       <p:grpSp>
         <p:nvGrpSpPr>
-          <p:cNvPr id="194" name="Group 28"/>
+          <p:cNvPr id="205" name="Group 28"/>
           <p:cNvGrpSpPr/>
           <p:nvPr/>
         </p:nvGrpSpPr>
         <p:grpSpPr>
           <a:xfrm>
-            <a:off x="18214560" y="3888360"/>
-            <a:ext cx="1772280" cy="292320"/>
-            <a:chOff x="18214560" y="3888360"/>
-            <a:chExt cx="1772280" cy="292320"/>
+            <a:off x="18214200" y="3887640"/>
+            <a:ext cx="1772280" cy="293040"/>
+            <a:chOff x="18214200" y="3887640"/>
+            <a:chExt cx="1772280" cy="293040"/>
           </a:xfrm>
         </p:grpSpPr>
         <p:sp>
           <p:nvSpPr>
-            <p:cNvPr id="195" name="CustomShape 29"/>
+            <p:cNvPr id="206" name="CustomShape 29"/>
             <p:cNvSpPr/>
             <p:nvPr/>
           </p:nvSpPr>
           <p:spPr>
             <a:xfrm flipV="1">
-              <a:off x="18225720" y="3888000"/>
-              <a:ext cx="1761120" cy="12240"/>
+              <a:off x="18225720" y="3886920"/>
+              <a:ext cx="1760760" cy="11880"/>
             </a:xfrm>
             <a:custGeom>
               <a:avLst/>
@@ -9630,14 +10251,14 @@
         </p:sp>
         <p:sp>
           <p:nvSpPr>
-            <p:cNvPr id="196" name="CustomShape 30"/>
+            <p:cNvPr id="207" name="CustomShape 30"/>
             <p:cNvSpPr/>
             <p:nvPr/>
           </p:nvSpPr>
           <p:spPr>
             <a:xfrm flipH="1">
               <a:off x="18214200" y="4180320"/>
-              <a:ext cx="1755720" cy="360"/>
+              <a:ext cx="1755360" cy="360"/>
             </a:xfrm>
             <a:custGeom>
               <a:avLst/>
@@ -9674,14 +10295,14 @@
       </p:grpSp>
       <p:sp>
         <p:nvSpPr>
-          <p:cNvPr id="197" name="CustomShape 31"/>
+          <p:cNvPr id="208" name="CustomShape 31"/>
           <p:cNvSpPr/>
           <p:nvPr/>
         </p:nvSpPr>
         <p:spPr>
           <a:xfrm>
             <a:off x="18137880" y="4347000"/>
-            <a:ext cx="2094120" cy="333000"/>
+            <a:ext cx="2093760" cy="333000"/>
           </a:xfrm>
           <a:prstGeom prst="rect">
             <a:avLst/>
@@ -9725,14 +10346,14 @@
       </p:sp>
       <p:sp>
         <p:nvSpPr>
-          <p:cNvPr id="198" name="CustomShape 32"/>
+          <p:cNvPr id="209" name="CustomShape 32"/>
           <p:cNvSpPr/>
           <p:nvPr/>
         </p:nvSpPr>
         <p:spPr>
           <a:xfrm>
             <a:off x="20269800" y="3917160"/>
-            <a:ext cx="2647440" cy="363960"/>
+            <a:ext cx="2647080" cy="363960"/>
           </a:xfrm>
           <a:prstGeom prst="rect">
             <a:avLst/>
@@ -9816,28 +10437,28 @@
       </p:sp>
       <p:grpSp>
         <p:nvGrpSpPr>
-          <p:cNvPr id="199" name="Group 33"/>
+          <p:cNvPr id="210" name="Group 33"/>
           <p:cNvGrpSpPr/>
           <p:nvPr/>
         </p:nvGrpSpPr>
         <p:grpSpPr>
           <a:xfrm>
-            <a:off x="22319280" y="4102560"/>
-            <a:ext cx="1914480" cy="233640"/>
-            <a:chOff x="22319280" y="4102560"/>
-            <a:chExt cx="1914480" cy="233640"/>
+            <a:off x="22318920" y="4101840"/>
+            <a:ext cx="1914480" cy="234360"/>
+            <a:chOff x="22318920" y="4101840"/>
+            <a:chExt cx="1914480" cy="234360"/>
           </a:xfrm>
         </p:grpSpPr>
         <p:sp>
           <p:nvSpPr>
-            <p:cNvPr id="200" name="CustomShape 34"/>
+            <p:cNvPr id="211" name="CustomShape 34"/>
             <p:cNvSpPr/>
             <p:nvPr/>
           </p:nvSpPr>
           <p:spPr>
             <a:xfrm flipV="1">
-              <a:off x="22330080" y="4101840"/>
-              <a:ext cx="1903680" cy="9720"/>
+              <a:off x="22330080" y="4101480"/>
+              <a:ext cx="1903320" cy="9360"/>
             </a:xfrm>
             <a:custGeom>
               <a:avLst/>
@@ -9873,14 +10494,14 @@
         </p:sp>
         <p:sp>
           <p:nvSpPr>
-            <p:cNvPr id="201" name="CustomShape 35"/>
+            <p:cNvPr id="212" name="CustomShape 35"/>
             <p:cNvSpPr/>
             <p:nvPr/>
           </p:nvSpPr>
           <p:spPr>
             <a:xfrm flipH="1">
-              <a:off x="22319280" y="4335840"/>
-              <a:ext cx="1897920" cy="360"/>
+              <a:off x="22318560" y="4335840"/>
+              <a:ext cx="1897560" cy="360"/>
             </a:xfrm>
             <a:custGeom>
               <a:avLst/>
@@ -9917,28 +10538,28 @@
       </p:grpSp>
       <p:grpSp>
         <p:nvGrpSpPr>
-          <p:cNvPr id="202" name="Group 36"/>
+          <p:cNvPr id="213" name="Group 36"/>
           <p:cNvGrpSpPr/>
           <p:nvPr/>
         </p:nvGrpSpPr>
         <p:grpSpPr>
           <a:xfrm>
-            <a:off x="28222560" y="4241880"/>
+            <a:off x="28222200" y="4241880"/>
             <a:ext cx="1867680" cy="294120"/>
-            <a:chOff x="28222560" y="4241880"/>
+            <a:chOff x="28222200" y="4241880"/>
             <a:chExt cx="1867680" cy="294120"/>
           </a:xfrm>
         </p:grpSpPr>
         <p:sp>
           <p:nvSpPr>
-            <p:cNvPr id="203" name="CustomShape 37"/>
+            <p:cNvPr id="214" name="CustomShape 37"/>
             <p:cNvSpPr/>
             <p:nvPr/>
           </p:nvSpPr>
           <p:spPr>
             <a:xfrm>
               <a:off x="28225440" y="4241880"/>
-              <a:ext cx="1864800" cy="360"/>
+              <a:ext cx="1864440" cy="360"/>
             </a:xfrm>
             <a:custGeom>
               <a:avLst/>
@@ -9974,14 +10595,14 @@
         </p:sp>
         <p:sp>
           <p:nvSpPr>
-            <p:cNvPr id="204" name="CustomShape 38"/>
+            <p:cNvPr id="215" name="CustomShape 38"/>
             <p:cNvSpPr/>
             <p:nvPr/>
           </p:nvSpPr>
           <p:spPr>
             <a:xfrm flipH="1">
               <a:off x="28222200" y="4535640"/>
-              <a:ext cx="1865880" cy="360"/>
+              <a:ext cx="1865520" cy="360"/>
             </a:xfrm>
             <a:custGeom>
               <a:avLst/>
@@ -10018,14 +10639,14 @@
       </p:grpSp>
       <p:sp>
         <p:nvSpPr>
-          <p:cNvPr id="205" name="CustomShape 39"/>
+          <p:cNvPr id="216" name="CustomShape 39"/>
           <p:cNvSpPr/>
           <p:nvPr/>
         </p:nvSpPr>
         <p:spPr>
           <a:xfrm>
             <a:off x="24408000" y="4027320"/>
-            <a:ext cx="4294080" cy="363960"/>
+            <a:ext cx="4293720" cy="363960"/>
           </a:xfrm>
           <a:prstGeom prst="rect">
             <a:avLst/>
@@ -10089,14 +10710,14 @@
       </p:sp>
       <p:sp>
         <p:nvSpPr>
-          <p:cNvPr id="206" name="CustomShape 40"/>
+          <p:cNvPr id="217" name="CustomShape 40"/>
           <p:cNvSpPr/>
           <p:nvPr/>
         </p:nvSpPr>
         <p:spPr>
           <a:xfrm>
             <a:off x="22745160" y="4464000"/>
-            <a:ext cx="2094120" cy="333000"/>
+            <a:ext cx="2093760" cy="333000"/>
           </a:xfrm>
           <a:prstGeom prst="rect">
             <a:avLst/>
@@ -10140,14 +10761,14 @@
       </p:sp>
       <p:sp>
         <p:nvSpPr>
-          <p:cNvPr id="207" name="CustomShape 41"/>
+          <p:cNvPr id="218" name="CustomShape 41"/>
           <p:cNvSpPr/>
           <p:nvPr/>
         </p:nvSpPr>
         <p:spPr>
           <a:xfrm>
             <a:off x="29695320" y="9068040"/>
-            <a:ext cx="3280680" cy="363960"/>
+            <a:ext cx="3280320" cy="363960"/>
           </a:xfrm>
           <a:prstGeom prst="rect">
             <a:avLst/>
@@ -10201,28 +10822,28 @@
       </p:sp>
       <p:grpSp>
         <p:nvGrpSpPr>
-          <p:cNvPr id="208" name="Group 42"/>
+          <p:cNvPr id="219" name="Group 42"/>
           <p:cNvGrpSpPr/>
           <p:nvPr/>
         </p:nvGrpSpPr>
         <p:grpSpPr>
           <a:xfrm>
             <a:off x="508680" y="8157960"/>
-            <a:ext cx="28867320" cy="3506040"/>
+            <a:ext cx="28866960" cy="3505680"/>
             <a:chOff x="508680" y="8157960"/>
-            <a:chExt cx="28867320" cy="3506040"/>
+            <a:chExt cx="28866960" cy="3505680"/>
           </a:xfrm>
         </p:grpSpPr>
         <p:sp>
           <p:nvSpPr>
-            <p:cNvPr id="209" name="CustomShape 43"/>
+            <p:cNvPr id="220" name="CustomShape 43"/>
             <p:cNvSpPr/>
             <p:nvPr/>
           </p:nvSpPr>
           <p:spPr>
             <a:xfrm flipV="1">
-              <a:off x="6124680" y="8899200"/>
-              <a:ext cx="4722480" cy="14040"/>
+              <a:off x="6124680" y="8898840"/>
+              <a:ext cx="4722120" cy="13680"/>
             </a:xfrm>
             <a:custGeom>
               <a:avLst/>
@@ -10258,14 +10879,14 @@
         </p:sp>
         <p:sp>
           <p:nvSpPr>
-            <p:cNvPr id="210" name="CustomShape 44"/>
+            <p:cNvPr id="221" name="CustomShape 44"/>
             <p:cNvSpPr/>
             <p:nvPr/>
           </p:nvSpPr>
           <p:spPr>
             <a:xfrm>
               <a:off x="10834200" y="8735040"/>
-              <a:ext cx="3565800" cy="1400040"/>
+              <a:ext cx="3565440" cy="1400040"/>
             </a:xfrm>
             <a:prstGeom prst="rect">
               <a:avLst/>
@@ -10449,14 +11070,14 @@
         </p:sp>
         <p:sp>
           <p:nvSpPr>
-            <p:cNvPr id="211" name="CustomShape 45"/>
+            <p:cNvPr id="222" name="CustomShape 45"/>
             <p:cNvSpPr/>
             <p:nvPr/>
           </p:nvSpPr>
           <p:spPr>
             <a:xfrm>
               <a:off x="625320" y="8735040"/>
-              <a:ext cx="6950880" cy="382320"/>
+              <a:ext cx="6950520" cy="381960"/>
             </a:xfrm>
             <a:prstGeom prst="rect">
               <a:avLst/>
@@ -10514,28 +11135,28 @@
         </p:sp>
         <p:grpSp>
           <p:nvGrpSpPr>
-            <p:cNvPr id="212" name="Group 46"/>
+            <p:cNvPr id="223" name="Group 46"/>
             <p:cNvGrpSpPr/>
             <p:nvPr/>
           </p:nvGrpSpPr>
           <p:grpSpPr>
             <a:xfrm>
-              <a:off x="18292680" y="8937360"/>
-              <a:ext cx="2041200" cy="388800"/>
-              <a:chOff x="18292680" y="8937360"/>
-              <a:chExt cx="2041200" cy="388800"/>
+              <a:off x="18292320" y="8937000"/>
+              <a:ext cx="2041200" cy="389160"/>
+              <a:chOff x="18292320" y="8937000"/>
+              <a:chExt cx="2041200" cy="389160"/>
             </a:xfrm>
           </p:grpSpPr>
           <p:sp>
             <p:nvSpPr>
-              <p:cNvPr id="213" name="CustomShape 47"/>
+              <p:cNvPr id="224" name="CustomShape 47"/>
               <p:cNvSpPr/>
               <p:nvPr/>
             </p:nvSpPr>
             <p:spPr>
               <a:xfrm flipV="1">
                 <a:off x="18303840" y="8937000"/>
-                <a:ext cx="2030040" cy="16920"/>
+                <a:ext cx="2029680" cy="16560"/>
               </a:xfrm>
               <a:custGeom>
                 <a:avLst/>
@@ -10571,14 +11192,14 @@
           </p:sp>
           <p:sp>
             <p:nvSpPr>
-              <p:cNvPr id="214" name="CustomShape 48"/>
+              <p:cNvPr id="225" name="CustomShape 48"/>
               <p:cNvSpPr/>
               <p:nvPr/>
             </p:nvSpPr>
             <p:spPr>
               <a:xfrm flipH="1">
-                <a:off x="18292680" y="9325800"/>
-                <a:ext cx="2023920" cy="360"/>
+                <a:off x="18291960" y="9325800"/>
+                <a:ext cx="2023560" cy="360"/>
               </a:xfrm>
               <a:custGeom>
                 <a:avLst/>
@@ -10615,14 +11236,14 @@
         </p:grpSp>
         <p:sp>
           <p:nvSpPr>
-            <p:cNvPr id="215" name="CustomShape 49"/>
+            <p:cNvPr id="226" name="CustomShape 49"/>
             <p:cNvSpPr/>
             <p:nvPr/>
           </p:nvSpPr>
           <p:spPr>
             <a:xfrm>
               <a:off x="20353680" y="8836920"/>
-              <a:ext cx="2974320" cy="364680"/>
+              <a:ext cx="2973960" cy="364320"/>
             </a:xfrm>
             <a:prstGeom prst="rect">
               <a:avLst/>
@@ -10706,14 +11327,14 @@
         </p:sp>
         <p:sp>
           <p:nvSpPr>
-            <p:cNvPr id="216" name="CustomShape 50"/>
+            <p:cNvPr id="227" name="CustomShape 50"/>
             <p:cNvSpPr/>
             <p:nvPr/>
           </p:nvSpPr>
           <p:spPr>
             <a:xfrm>
               <a:off x="24673680" y="8850960"/>
-              <a:ext cx="4634640" cy="363960"/>
+              <a:ext cx="4634280" cy="363960"/>
             </a:xfrm>
             <a:prstGeom prst="rect">
               <a:avLst/>
@@ -10777,28 +11398,28 @@
         </p:sp>
         <p:grpSp>
           <p:nvGrpSpPr>
-            <p:cNvPr id="217" name="Group 51"/>
+            <p:cNvPr id="228" name="Group 51"/>
             <p:cNvGrpSpPr/>
             <p:nvPr/>
           </p:nvGrpSpPr>
           <p:grpSpPr>
             <a:xfrm>
-              <a:off x="27520200" y="8850960"/>
+              <a:off x="27519840" y="8850960"/>
               <a:ext cx="1855800" cy="294480"/>
-              <a:chOff x="27520200" y="8850960"/>
+              <a:chOff x="27519840" y="8850960"/>
               <a:chExt cx="1855800" cy="294480"/>
             </a:xfrm>
           </p:grpSpPr>
           <p:sp>
             <p:nvSpPr>
-              <p:cNvPr id="218" name="CustomShape 52"/>
+              <p:cNvPr id="229" name="CustomShape 52"/>
               <p:cNvSpPr/>
               <p:nvPr/>
             </p:nvSpPr>
             <p:spPr>
               <a:xfrm>
                 <a:off x="27523440" y="8850960"/>
-                <a:ext cx="1852560" cy="360"/>
+                <a:ext cx="1852200" cy="360"/>
               </a:xfrm>
               <a:custGeom>
                 <a:avLst/>
@@ -10834,14 +11455,14 @@
           </p:sp>
           <p:sp>
             <p:nvSpPr>
-              <p:cNvPr id="219" name="CustomShape 53"/>
+              <p:cNvPr id="230" name="CustomShape 53"/>
               <p:cNvSpPr/>
               <p:nvPr/>
             </p:nvSpPr>
             <p:spPr>
               <a:xfrm flipH="1">
                 <a:off x="27519840" y="9145080"/>
-                <a:ext cx="1853640" cy="360"/>
+                <a:ext cx="1853280" cy="360"/>
               </a:xfrm>
               <a:custGeom>
                 <a:avLst/>
@@ -10878,28 +11499,28 @@
         </p:grpSp>
         <p:grpSp>
           <p:nvGrpSpPr>
-            <p:cNvPr id="220" name="Group 54"/>
+            <p:cNvPr id="231" name="Group 54"/>
             <p:cNvGrpSpPr/>
             <p:nvPr/>
           </p:nvGrpSpPr>
           <p:grpSpPr>
             <a:xfrm>
-              <a:off x="22912200" y="8940240"/>
-              <a:ext cx="1680480" cy="224280"/>
-              <a:chOff x="22912200" y="8940240"/>
-              <a:chExt cx="1680480" cy="224280"/>
+              <a:off x="22911840" y="8939520"/>
+              <a:ext cx="1680480" cy="225000"/>
+              <a:chOff x="22911840" y="8939520"/>
+              <a:chExt cx="1680480" cy="225000"/>
             </a:xfrm>
           </p:grpSpPr>
           <p:sp>
             <p:nvSpPr>
-              <p:cNvPr id="221" name="CustomShape 55"/>
+              <p:cNvPr id="232" name="CustomShape 55"/>
               <p:cNvSpPr/>
               <p:nvPr/>
             </p:nvSpPr>
             <p:spPr>
               <a:xfrm flipV="1">
-                <a:off x="22983840" y="8939880"/>
-                <a:ext cx="1608840" cy="360"/>
+                <a:off x="22983840" y="8939160"/>
+                <a:ext cx="1608480" cy="360"/>
               </a:xfrm>
               <a:custGeom>
                 <a:avLst/>
@@ -10935,14 +11556,14 @@
           </p:sp>
           <p:sp>
             <p:nvSpPr>
-              <p:cNvPr id="222" name="CustomShape 56"/>
+              <p:cNvPr id="233" name="CustomShape 56"/>
               <p:cNvSpPr/>
               <p:nvPr/>
             </p:nvSpPr>
             <p:spPr>
               <a:xfrm flipH="1">
-                <a:off x="22912200" y="9164160"/>
-                <a:ext cx="1663200" cy="360"/>
+                <a:off x="22911480" y="9164160"/>
+                <a:ext cx="1662840" cy="360"/>
               </a:xfrm>
               <a:custGeom>
                 <a:avLst/>
@@ -10979,14 +11600,14 @@
         </p:grpSp>
         <p:sp>
           <p:nvSpPr>
-            <p:cNvPr id="223" name="CustomShape 57"/>
+            <p:cNvPr id="234" name="CustomShape 57"/>
             <p:cNvSpPr/>
             <p:nvPr/>
           </p:nvSpPr>
           <p:spPr>
             <a:xfrm>
               <a:off x="613800" y="9119520"/>
-              <a:ext cx="1477080" cy="411480"/>
+              <a:ext cx="1476720" cy="411120"/>
             </a:xfrm>
             <a:prstGeom prst="rect">
               <a:avLst/>
@@ -11036,14 +11657,14 @@
         </p:sp>
         <p:sp>
           <p:nvSpPr>
-            <p:cNvPr id="224" name="CustomShape 58"/>
+            <p:cNvPr id="235" name="CustomShape 58"/>
             <p:cNvSpPr/>
             <p:nvPr/>
           </p:nvSpPr>
           <p:spPr>
             <a:xfrm>
               <a:off x="508680" y="8157960"/>
-              <a:ext cx="2402280" cy="363960"/>
+              <a:ext cx="2401920" cy="363960"/>
             </a:xfrm>
             <a:prstGeom prst="rect">
               <a:avLst/>
@@ -11107,14 +11728,14 @@
         </p:sp>
         <p:sp>
           <p:nvSpPr>
-            <p:cNvPr id="225" name="CustomShape 59"/>
+            <p:cNvPr id="236" name="CustomShape 59"/>
             <p:cNvSpPr/>
             <p:nvPr/>
           </p:nvSpPr>
           <p:spPr>
             <a:xfrm flipV="1">
               <a:off x="2152440" y="9149400"/>
-              <a:ext cx="350280" cy="228600"/>
+              <a:ext cx="349920" cy="228240"/>
             </a:xfrm>
             <a:custGeom>
               <a:avLst/>
@@ -11150,14 +11771,14 @@
         </p:sp>
         <p:sp>
           <p:nvSpPr>
-            <p:cNvPr id="226" name="CustomShape 60"/>
+            <p:cNvPr id="237" name="CustomShape 60"/>
             <p:cNvSpPr/>
             <p:nvPr/>
           </p:nvSpPr>
           <p:spPr>
             <a:xfrm>
               <a:off x="23114880" y="9230400"/>
-              <a:ext cx="1221120" cy="333000"/>
+              <a:ext cx="1220760" cy="333000"/>
             </a:xfrm>
             <a:prstGeom prst="rect">
               <a:avLst/>
@@ -11201,14 +11822,14 @@
         </p:sp>
         <p:sp>
           <p:nvSpPr>
-            <p:cNvPr id="227" name="CustomShape 61"/>
+            <p:cNvPr id="238" name="CustomShape 61"/>
             <p:cNvSpPr/>
             <p:nvPr/>
           </p:nvSpPr>
           <p:spPr>
             <a:xfrm>
               <a:off x="19379520" y="9266400"/>
-              <a:ext cx="1221120" cy="333000"/>
+              <a:ext cx="1220760" cy="333000"/>
             </a:xfrm>
             <a:prstGeom prst="rect">
               <a:avLst/>
@@ -11252,14 +11873,14 @@
         </p:sp>
         <p:sp>
           <p:nvSpPr>
-            <p:cNvPr id="228" name="CustomShape 62"/>
+            <p:cNvPr id="239" name="CustomShape 62"/>
             <p:cNvSpPr/>
             <p:nvPr/>
           </p:nvSpPr>
           <p:spPr>
             <a:xfrm>
               <a:off x="854280" y="10253880"/>
-              <a:ext cx="2934360" cy="363960"/>
+              <a:ext cx="2934000" cy="363960"/>
             </a:xfrm>
             <a:prstGeom prst="rect">
               <a:avLst/>
@@ -11313,14 +11934,14 @@
         </p:sp>
         <p:sp>
           <p:nvSpPr>
-            <p:cNvPr id="229" name="CustomShape 63"/>
+            <p:cNvPr id="240" name="CustomShape 63"/>
             <p:cNvSpPr/>
             <p:nvPr/>
           </p:nvSpPr>
           <p:spPr>
             <a:xfrm flipH="1">
-              <a:off x="4696200" y="9297000"/>
-              <a:ext cx="5963040" cy="1020960"/>
+              <a:off x="4695480" y="9297000"/>
+              <a:ext cx="5962680" cy="1020600"/>
             </a:xfrm>
             <a:custGeom>
               <a:avLst/>
@@ -11356,14 +11977,14 @@
         </p:sp>
         <p:sp>
           <p:nvSpPr>
-            <p:cNvPr id="230" name="CustomShape 64"/>
+            <p:cNvPr id="241" name="CustomShape 64"/>
             <p:cNvSpPr/>
             <p:nvPr/>
           </p:nvSpPr>
           <p:spPr>
             <a:xfrm>
               <a:off x="854280" y="11300040"/>
-              <a:ext cx="2934360" cy="363960"/>
+              <a:ext cx="2934000" cy="363600"/>
             </a:xfrm>
             <a:prstGeom prst="rect">
               <a:avLst/>
@@ -11382,14 +12003,14 @@
         </p:sp>
         <p:sp>
           <p:nvSpPr>
-            <p:cNvPr id="231" name="CustomShape 65"/>
+            <p:cNvPr id="242" name="CustomShape 65"/>
             <p:cNvSpPr/>
             <p:nvPr/>
           </p:nvSpPr>
           <p:spPr>
             <a:xfrm>
               <a:off x="4587480" y="8771760"/>
-              <a:ext cx="4291920" cy="302760"/>
+              <a:ext cx="4291560" cy="302400"/>
             </a:xfrm>
             <a:prstGeom prst="rect">
               <a:avLst/>
@@ -11408,28 +12029,28 @@
         </p:sp>
         <p:grpSp>
           <p:nvGrpSpPr>
-            <p:cNvPr id="232" name="Group 66"/>
+            <p:cNvPr id="243" name="Group 66"/>
             <p:cNvGrpSpPr/>
             <p:nvPr/>
           </p:nvGrpSpPr>
           <p:grpSpPr>
             <a:xfrm>
-              <a:off x="13900680" y="8972280"/>
-              <a:ext cx="2161440" cy="360000"/>
-              <a:chOff x="13900680" y="8972280"/>
-              <a:chExt cx="2161440" cy="360000"/>
+              <a:off x="13900680" y="8971920"/>
+              <a:ext cx="2160720" cy="360000"/>
+              <a:chOff x="13900680" y="8971920"/>
+              <a:chExt cx="2160720" cy="360000"/>
             </a:xfrm>
           </p:grpSpPr>
           <p:sp>
             <p:nvSpPr>
-              <p:cNvPr id="233" name="CustomShape 67"/>
+              <p:cNvPr id="244" name="CustomShape 67"/>
               <p:cNvSpPr/>
               <p:nvPr/>
             </p:nvSpPr>
             <p:spPr>
               <a:xfrm flipV="1">
-                <a:off x="13900680" y="8972280"/>
-                <a:ext cx="2036520" cy="12240"/>
+                <a:off x="13900680" y="8971560"/>
+                <a:ext cx="2036160" cy="11880"/>
               </a:xfrm>
               <a:custGeom>
                 <a:avLst/>
@@ -11465,14 +12086,14 @@
           </p:sp>
           <p:sp>
             <p:nvSpPr>
-              <p:cNvPr id="234" name="CustomShape 68"/>
+              <p:cNvPr id="245" name="CustomShape 68"/>
               <p:cNvSpPr/>
               <p:nvPr/>
             </p:nvSpPr>
             <p:spPr>
               <a:xfrm flipH="1">
-                <a:off x="14116680" y="9120600"/>
-                <a:ext cx="1945440" cy="211680"/>
+                <a:off x="14115960" y="9120600"/>
+                <a:ext cx="1945080" cy="211320"/>
               </a:xfrm>
               <a:custGeom>
                 <a:avLst/>
@@ -11509,14 +12130,14 @@
         </p:grpSp>
         <p:sp>
           <p:nvSpPr>
-            <p:cNvPr id="235" name="CustomShape 69"/>
+            <p:cNvPr id="246" name="CustomShape 69"/>
             <p:cNvSpPr/>
             <p:nvPr/>
           </p:nvSpPr>
           <p:spPr>
             <a:xfrm>
               <a:off x="15988680" y="8896320"/>
-              <a:ext cx="2630160" cy="363960"/>
+              <a:ext cx="2629800" cy="363960"/>
             </a:xfrm>
             <a:prstGeom prst="rect">
               <a:avLst/>
@@ -11600,14 +12221,14 @@
         </p:sp>
         <p:sp>
           <p:nvSpPr>
-            <p:cNvPr id="236" name="CustomShape 70"/>
+            <p:cNvPr id="247" name="CustomShape 70"/>
             <p:cNvSpPr/>
             <p:nvPr/>
           </p:nvSpPr>
           <p:spPr>
             <a:xfrm>
               <a:off x="14563080" y="9408960"/>
-              <a:ext cx="1221120" cy="333000"/>
+              <a:ext cx="1220760" cy="333000"/>
             </a:xfrm>
             <a:prstGeom prst="rect">
               <a:avLst/>
@@ -11652,14 +12273,14 @@
       </p:grpSp>
       <p:sp>
         <p:nvSpPr>
-          <p:cNvPr id="237" name="CustomShape 71"/>
+          <p:cNvPr id="248" name="CustomShape 71"/>
           <p:cNvSpPr/>
           <p:nvPr/>
         </p:nvSpPr>
         <p:spPr>
           <a:xfrm>
             <a:off x="8412480" y="4563000"/>
-            <a:ext cx="2526120" cy="333000"/>
+            <a:ext cx="2525760" cy="333000"/>
           </a:xfrm>
           <a:prstGeom prst="rect">
             <a:avLst/>
@@ -11703,14 +12324,14 @@
       </p:sp>
       <p:sp>
         <p:nvSpPr>
-          <p:cNvPr id="238" name="CustomShape 72"/>
+          <p:cNvPr id="249" name="CustomShape 72"/>
           <p:cNvSpPr/>
           <p:nvPr/>
         </p:nvSpPr>
         <p:spPr>
           <a:xfrm>
             <a:off x="2376000" y="4824000"/>
-            <a:ext cx="1296000" cy="288000"/>
+            <a:ext cx="1295640" cy="287640"/>
           </a:xfrm>
           <a:prstGeom prst="rect">
             <a:avLst/>
@@ -11759,14 +12380,14 @@
       </p:sp>
       <p:sp>
         <p:nvSpPr>
-          <p:cNvPr id="239" name="CustomShape 73"/>
+          <p:cNvPr id="250" name="CustomShape 73"/>
           <p:cNvSpPr/>
           <p:nvPr/>
         </p:nvSpPr>
         <p:spPr>
           <a:xfrm flipH="1">
-            <a:off x="6192000" y="4752000"/>
-            <a:ext cx="1944000" cy="630360"/>
+            <a:off x="6191280" y="4752000"/>
+            <a:ext cx="1943640" cy="630000"/>
           </a:xfrm>
           <a:custGeom>
             <a:avLst/>
@@ -11802,14 +12423,14 @@
       </p:sp>
       <p:sp>
         <p:nvSpPr>
-          <p:cNvPr id="240" name="CustomShape 74"/>
+          <p:cNvPr id="251" name="CustomShape 74"/>
           <p:cNvSpPr/>
           <p:nvPr/>
         </p:nvSpPr>
         <p:spPr>
           <a:xfrm flipH="1">
-            <a:off x="9843840" y="4248000"/>
-            <a:ext cx="1460160" cy="498240"/>
+            <a:off x="9843120" y="4248000"/>
+            <a:ext cx="1459800" cy="497880"/>
           </a:xfrm>
           <a:custGeom>
             <a:avLst/>
@@ -11845,7 +12466,7 @@
       </p:sp>
       <p:pic>
         <p:nvPicPr>
-          <p:cNvPr id="241" name="" descr=""/>
+          <p:cNvPr id="252" name="" descr=""/>
           <p:cNvPicPr/>
           <p:nvPr/>
         </p:nvPicPr>
@@ -11856,7 +12477,7 @@
         <p:spPr>
           <a:xfrm>
             <a:off x="936000" y="5112000"/>
-            <a:ext cx="5040000" cy="2448000"/>
+            <a:ext cx="5039640" cy="2447640"/>
           </a:xfrm>
           <a:prstGeom prst="rect">
             <a:avLst/>
@@ -11868,14 +12489,14 @@
       </p:pic>
       <p:sp>
         <p:nvSpPr>
-          <p:cNvPr id="242" name="CustomShape 75"/>
+          <p:cNvPr id="253" name="CustomShape 75"/>
           <p:cNvSpPr/>
           <p:nvPr/>
         </p:nvSpPr>
         <p:spPr>
           <a:xfrm>
             <a:off x="9929880" y="4824000"/>
-            <a:ext cx="2094120" cy="333000"/>
+            <a:ext cx="2093760" cy="333000"/>
           </a:xfrm>
           <a:prstGeom prst="rect">
             <a:avLst/>
@@ -11919,14 +12540,14 @@
       </p:sp>
       <p:sp>
         <p:nvSpPr>
-          <p:cNvPr id="243" name="CustomShape 76"/>
+          <p:cNvPr id="254" name="CustomShape 76"/>
           <p:cNvSpPr/>
           <p:nvPr/>
         </p:nvSpPr>
         <p:spPr>
           <a:xfrm>
             <a:off x="30343320" y="4176000"/>
-            <a:ext cx="3280680" cy="363960"/>
+            <a:ext cx="3280320" cy="363960"/>
           </a:xfrm>
           <a:prstGeom prst="rect">
             <a:avLst/>
@@ -11980,14 +12601,14 @@
       </p:sp>
       <p:sp>
         <p:nvSpPr>
-          <p:cNvPr id="244" name="TextShape 77"/>
-          <p:cNvSpPr txBox="1"/>
+          <p:cNvPr id="255" name="CustomShape 77"/>
+          <p:cNvSpPr/>
           <p:nvPr/>
         </p:nvSpPr>
         <p:spPr>
           <a:xfrm>
             <a:off x="27936000" y="8496000"/>
-            <a:ext cx="4104000" cy="360000"/>
+            <a:ext cx="4103640" cy="333720"/>
           </a:xfrm>
           <a:prstGeom prst="rect">
             <a:avLst/>
@@ -11997,11 +12618,22 @@
             <a:noFill/>
           </a:ln>
         </p:spPr>
+        <p:style>
+          <a:lnRef idx="0"/>
+          <a:fillRef idx="0"/>
+          <a:effectRef idx="0"/>
+          <a:fontRef idx="minor"/>
+        </p:style>
         <p:txBody>
           <a:bodyPr lIns="90000" rIns="90000" tIns="45000" bIns="45000">
             <a:spAutoFit/>
           </a:bodyPr>
           <a:p>
+            <a:pPr>
+              <a:lnSpc>
+                <a:spcPct val="100000"/>
+              </a:lnSpc>
+            </a:pPr>
             <a:r>
               <a:rPr b="0" lang="en-US" sz="1400" spc="-1" strike="noStrike">
                 <a:solidFill>
@@ -12053,22 +12685,21 @@
               <a:t>"</a:t>
             </a:r>
             <a:endParaRPr b="0" lang="en-US" sz="1400" spc="-1" strike="noStrike">
-              <a:latin typeface="Consolas"/>
-              <a:ea typeface="Consolas"/>
+              <a:latin typeface="굴림"/>
             </a:endParaRPr>
           </a:p>
         </p:txBody>
       </p:sp>
       <p:sp>
         <p:nvSpPr>
-          <p:cNvPr id="245" name="CustomShape 78"/>
+          <p:cNvPr id="256" name="CustomShape 78"/>
           <p:cNvSpPr/>
           <p:nvPr/>
         </p:nvSpPr>
         <p:spPr>
           <a:xfrm>
             <a:off x="1872000" y="9936000"/>
-            <a:ext cx="1296000" cy="288000"/>
+            <a:ext cx="1295640" cy="287640"/>
           </a:xfrm>
           <a:prstGeom prst="rect">
             <a:avLst/>
@@ -12117,7 +12748,7 @@
       </p:sp>
       <p:pic>
         <p:nvPicPr>
-          <p:cNvPr id="246" name="" descr=""/>
+          <p:cNvPr id="257" name="" descr=""/>
           <p:cNvPicPr/>
           <p:nvPr/>
         </p:nvPicPr>
@@ -12128,7 +12759,7 @@
         <p:spPr>
           <a:xfrm>
             <a:off x="360000" y="10296000"/>
-            <a:ext cx="4392000" cy="2304000"/>
+            <a:ext cx="4391640" cy="2303640"/>
           </a:xfrm>
           <a:prstGeom prst="rect">
             <a:avLst/>
@@ -12140,14 +12771,14 @@
       </p:pic>
       <p:sp>
         <p:nvSpPr>
-          <p:cNvPr id="247" name="CustomShape 79"/>
+          <p:cNvPr id="258" name="CustomShape 79"/>
           <p:cNvSpPr/>
           <p:nvPr/>
         </p:nvSpPr>
         <p:spPr>
           <a:xfrm>
             <a:off x="7056000" y="10152000"/>
-            <a:ext cx="2499840" cy="364680"/>
+            <a:ext cx="2499480" cy="364320"/>
           </a:xfrm>
           <a:prstGeom prst="rect">
             <a:avLst/>
@@ -12191,14 +12822,14 @@
       </p:sp>
       <p:sp>
         <p:nvSpPr>
-          <p:cNvPr id="248" name="CustomShape 80"/>
+          <p:cNvPr id="259" name="CustomShape 80"/>
           <p:cNvSpPr/>
           <p:nvPr/>
         </p:nvSpPr>
         <p:spPr>
           <a:xfrm>
             <a:off x="28080000" y="9458280"/>
-            <a:ext cx="4032000" cy="333720"/>
+            <a:ext cx="4031640" cy="333360"/>
           </a:xfrm>
           <a:prstGeom prst="rect">
             <a:avLst/>
@@ -12219,6 +12850,11 @@
             <a:spAutoFit/>
           </a:bodyPr>
           <a:p>
+            <a:pPr>
+              <a:lnSpc>
+                <a:spcPct val="100000"/>
+              </a:lnSpc>
+            </a:pPr>
             <a:r>
               <a:rPr b="1" lang="en-US" sz="1600" spc="-1" strike="noStrike">
                 <a:solidFill>
@@ -12249,104 +12885,22 @@
               </a:rPr>
               <a:t>"com.javaex.vo.BoardVo"</a:t>
             </a:r>
-            <a:endParaRPr b="1" lang="en-US" sz="1600" spc="-1" strike="noStrike">
-              <a:latin typeface="Consolas"/>
-              <a:ea typeface="Consolas"/>
+            <a:endParaRPr b="0" lang="en-US" sz="1600" spc="-1" strike="noStrike">
+              <a:latin typeface="굴림"/>
             </a:endParaRPr>
           </a:p>
         </p:txBody>
       </p:sp>
       <p:sp>
         <p:nvSpPr>
-          <p:cNvPr id="249" name="TextShape 81"/>
-          <p:cNvSpPr txBox="1"/>
-          <p:nvPr/>
-        </p:nvSpPr>
-        <p:spPr>
-          <a:xfrm>
-            <a:off x="28944000" y="3600000"/>
-            <a:ext cx="4104000" cy="360000"/>
-          </a:xfrm>
-          <a:prstGeom prst="rect">
-            <a:avLst/>
-          </a:prstGeom>
-          <a:noFill/>
-          <a:ln>
-            <a:noFill/>
-          </a:ln>
-        </p:spPr>
-        <p:txBody>
-          <a:bodyPr lIns="90000" rIns="90000" tIns="45000" bIns="45000">
-            <a:spAutoFit/>
-          </a:bodyPr>
-          <a:p>
-            <a:r>
-              <a:rPr b="0" lang="en-US" sz="1400" spc="-1" strike="noStrike">
-                <a:solidFill>
-                  <a:srgbClr val="a7ec21"/>
-                </a:solidFill>
-                <a:latin typeface="Consolas"/>
-                <a:ea typeface="Consolas"/>
-              </a:rPr>
-              <a:t>parameterType</a:t>
-            </a:r>
-            <a:r>
-              <a:rPr b="0" lang="en-US" sz="1400" spc="-1" strike="noStrike">
-                <a:solidFill>
-                  <a:srgbClr val="52ca11"/>
-                </a:solidFill>
-                <a:latin typeface="Consolas"/>
-                <a:ea typeface="Consolas"/>
-              </a:rPr>
-              <a:t>=</a:t>
-            </a:r>
-            <a:r>
-              <a:rPr b="0" i="1" lang="en-US" sz="1400" spc="-1" strike="noStrike">
-                <a:solidFill>
-                  <a:srgbClr val="17c694"/>
-                </a:solidFill>
-                <a:latin typeface="Consolas"/>
-                <a:ea typeface="Consolas"/>
-              </a:rPr>
-              <a:t>"</a:t>
-            </a:r>
-            <a:r>
-              <a:rPr b="1" lang="en-US" sz="1600" spc="-1" strike="noStrike">
-                <a:solidFill>
-                  <a:srgbClr val="17c694"/>
-                </a:solidFill>
-                <a:latin typeface="Consolas"/>
-                <a:ea typeface="Consolas"/>
-              </a:rPr>
-              <a:t>int</a:t>
-            </a:r>
-            <a:r>
-              <a:rPr b="0" i="1" lang="en-US" sz="1400" spc="-1" strike="noStrike">
-                <a:solidFill>
-                  <a:srgbClr val="17c694"/>
-                </a:solidFill>
-                <a:latin typeface="Consolas"/>
-                <a:ea typeface="Consolas"/>
-              </a:rPr>
-              <a:t>"</a:t>
-            </a:r>
-            <a:endParaRPr b="0" lang="en-US" sz="1400" spc="-1" strike="noStrike">
-              <a:latin typeface="Consolas"/>
-              <a:ea typeface="Consolas"/>
-            </a:endParaRPr>
-          </a:p>
-        </p:txBody>
-      </p:sp>
-      <p:sp>
-        <p:nvSpPr>
-          <p:cNvPr id="250" name="CustomShape 82"/>
+          <p:cNvPr id="260" name="CustomShape 81"/>
           <p:cNvSpPr/>
           <p:nvPr/>
         </p:nvSpPr>
         <p:spPr>
           <a:xfrm>
-            <a:off x="29016000" y="4778280"/>
-            <a:ext cx="4032000" cy="333720"/>
+            <a:off x="28944000" y="3600000"/>
+            <a:ext cx="4103640" cy="333720"/>
           </a:xfrm>
           <a:prstGeom prst="rect">
             <a:avLst/>
@@ -12367,18 +12921,23 @@
             <a:spAutoFit/>
           </a:bodyPr>
           <a:p>
-            <a:r>
-              <a:rPr b="1" lang="en-US" sz="1600" spc="-1" strike="noStrike">
+            <a:pPr>
+              <a:lnSpc>
+                <a:spcPct val="100000"/>
+              </a:lnSpc>
+            </a:pPr>
+            <a:r>
+              <a:rPr b="0" lang="en-US" sz="1400" spc="-1" strike="noStrike">
                 <a:solidFill>
                   <a:srgbClr val="a7ec21"/>
                 </a:solidFill>
                 <a:latin typeface="Consolas"/>
                 <a:ea typeface="Consolas"/>
               </a:rPr>
-              <a:t>resultType</a:t>
-            </a:r>
-            <a:r>
-              <a:rPr b="1" lang="en-US" sz="1600" spc="-1" strike="noStrike">
+              <a:t>parameterType</a:t>
+            </a:r>
+            <a:r>
+              <a:rPr b="0" lang="en-US" sz="1400" spc="-1" strike="noStrike">
                 <a:solidFill>
                   <a:srgbClr val="52ca11"/>
                 </a:solidFill>
@@ -12388,18 +12947,1849 @@
               <a:t>=</a:t>
             </a:r>
             <a:r>
-              <a:rPr b="1" lang="en-US" sz="1600" spc="-1" strike="noStrike">
+              <a:rPr b="0" i="1" lang="en-US" sz="1400" spc="-1" strike="noStrike">
                 <a:solidFill>
                   <a:srgbClr val="17c694"/>
                 </a:solidFill>
                 <a:latin typeface="Consolas"/>
                 <a:ea typeface="Consolas"/>
               </a:rPr>
+              <a:t>"</a:t>
+            </a:r>
+            <a:r>
+              <a:rPr b="1" lang="en-US" sz="1600" spc="-1" strike="noStrike">
+                <a:solidFill>
+                  <a:srgbClr val="17c694"/>
+                </a:solidFill>
+                <a:latin typeface="Consolas"/>
+                <a:ea typeface="Consolas"/>
+              </a:rPr>
+              <a:t>int</a:t>
+            </a:r>
+            <a:r>
+              <a:rPr b="0" i="1" lang="en-US" sz="1400" spc="-1" strike="noStrike">
+                <a:solidFill>
+                  <a:srgbClr val="17c694"/>
+                </a:solidFill>
+                <a:latin typeface="Consolas"/>
+                <a:ea typeface="Consolas"/>
+              </a:rPr>
+              <a:t>"</a:t>
+            </a:r>
+            <a:endParaRPr b="0" lang="en-US" sz="1400" spc="-1" strike="noStrike">
+              <a:latin typeface="굴림"/>
+            </a:endParaRPr>
+          </a:p>
+        </p:txBody>
+      </p:sp>
+      <p:sp>
+        <p:nvSpPr>
+          <p:cNvPr id="261" name="CustomShape 82"/>
+          <p:cNvSpPr/>
+          <p:nvPr/>
+        </p:nvSpPr>
+        <p:spPr>
+          <a:xfrm>
+            <a:off x="29016000" y="4778280"/>
+            <a:ext cx="4031640" cy="333360"/>
+          </a:xfrm>
+          <a:prstGeom prst="rect">
+            <a:avLst/>
+          </a:prstGeom>
+          <a:noFill/>
+          <a:ln>
+            <a:noFill/>
+          </a:ln>
+        </p:spPr>
+        <p:style>
+          <a:lnRef idx="0"/>
+          <a:fillRef idx="0"/>
+          <a:effectRef idx="0"/>
+          <a:fontRef idx="minor"/>
+        </p:style>
+        <p:txBody>
+          <a:bodyPr lIns="90000" rIns="90000" tIns="45000" bIns="45000">
+            <a:spAutoFit/>
+          </a:bodyPr>
+          <a:p>
+            <a:pPr>
+              <a:lnSpc>
+                <a:spcPct val="100000"/>
+              </a:lnSpc>
+            </a:pPr>
+            <a:r>
+              <a:rPr b="1" lang="en-US" sz="1600" spc="-1" strike="noStrike">
+                <a:solidFill>
+                  <a:srgbClr val="a7ec21"/>
+                </a:solidFill>
+                <a:latin typeface="Consolas"/>
+                <a:ea typeface="Consolas"/>
+              </a:rPr>
+              <a:t>resultType</a:t>
+            </a:r>
+            <a:r>
+              <a:rPr b="1" lang="en-US" sz="1600" spc="-1" strike="noStrike">
+                <a:solidFill>
+                  <a:srgbClr val="52ca11"/>
+                </a:solidFill>
+                <a:latin typeface="Consolas"/>
+                <a:ea typeface="Consolas"/>
+              </a:rPr>
+              <a:t>=</a:t>
+            </a:r>
+            <a:r>
+              <a:rPr b="1" lang="en-US" sz="1600" spc="-1" strike="noStrike">
+                <a:solidFill>
+                  <a:srgbClr val="17c694"/>
+                </a:solidFill>
+                <a:latin typeface="Consolas"/>
+                <a:ea typeface="Consolas"/>
+              </a:rPr>
               <a:t>"com.javaex.vo.BoardVo"</a:t>
             </a:r>
-            <a:endParaRPr b="1" lang="en-US" sz="1600" spc="-1" strike="noStrike">
-              <a:latin typeface="Consolas"/>
-              <a:ea typeface="Consolas"/>
+            <a:endParaRPr b="0" lang="en-US" sz="1600" spc="-1" strike="noStrike">
+              <a:latin typeface="굴림"/>
+            </a:endParaRPr>
+          </a:p>
+        </p:txBody>
+      </p:sp>
+      <p:sp>
+        <p:nvSpPr>
+          <p:cNvPr id="262" name="Line 83"/>
+          <p:cNvSpPr/>
+          <p:nvPr/>
+        </p:nvSpPr>
+        <p:spPr>
+          <a:xfrm>
+            <a:off x="27504000" y="1559520"/>
+            <a:ext cx="0" cy="27195840"/>
+          </a:xfrm>
+          <a:prstGeom prst="line">
+            <a:avLst/>
+          </a:prstGeom>
+          <a:ln w="6480">
+            <a:solidFill>
+              <a:srgbClr val="4472c4"/>
+            </a:solidFill>
+            <a:miter/>
+          </a:ln>
+        </p:spPr>
+        <p:style>
+          <a:lnRef idx="0"/>
+          <a:fillRef idx="0"/>
+          <a:effectRef idx="0"/>
+          <a:fontRef idx="minor"/>
+        </p:style>
+      </p:sp>
+      <p:sp>
+        <p:nvSpPr>
+          <p:cNvPr id="263" name="CustomShape 84"/>
+          <p:cNvSpPr/>
+          <p:nvPr/>
+        </p:nvSpPr>
+        <p:spPr>
+          <a:xfrm>
+            <a:off x="29623320" y="14806080"/>
+            <a:ext cx="3280320" cy="363960"/>
+          </a:xfrm>
+          <a:prstGeom prst="rect">
+            <a:avLst/>
+          </a:prstGeom>
+          <a:noFill/>
+          <a:ln>
+            <a:noFill/>
+          </a:ln>
+        </p:spPr>
+        <p:style>
+          <a:lnRef idx="0"/>
+          <a:fillRef idx="0"/>
+          <a:effectRef idx="0"/>
+          <a:fontRef idx="minor"/>
+        </p:style>
+        <p:txBody>
+          <a:bodyPr lIns="90000" rIns="90000" tIns="45000" bIns="45000">
+            <a:spAutoFit/>
+          </a:bodyPr>
+          <a:p>
+            <a:pPr>
+              <a:lnSpc>
+                <a:spcPct val="100000"/>
+              </a:lnSpc>
+            </a:pPr>
+            <a:r>
+              <a:rPr b="1" lang="en-US" sz="1800" spc="-1" strike="noStrike">
+                <a:solidFill>
+                  <a:srgbClr val="000000"/>
+                </a:solidFill>
+                <a:latin typeface="굴림"/>
+                <a:ea typeface="굴림"/>
+              </a:rPr>
+              <a:t>id=</a:t>
+            </a:r>
+            <a:r>
+              <a:rPr b="1" lang="en-US" sz="1800" spc="-1" strike="noStrike">
+                <a:solidFill>
+                  <a:srgbClr val="000000"/>
+                </a:solidFill>
+                <a:latin typeface="Consolas"/>
+                <a:ea typeface="Consolas"/>
+              </a:rPr>
+              <a:t>delete</a:t>
+            </a:r>
+            <a:endParaRPr b="0" lang="en-US" sz="1800" spc="-1" strike="noStrike">
+              <a:latin typeface="굴림"/>
+            </a:endParaRPr>
+          </a:p>
+        </p:txBody>
+      </p:sp>
+      <p:grpSp>
+        <p:nvGrpSpPr>
+          <p:cNvPr id="264" name="Group 85"/>
+          <p:cNvGrpSpPr/>
+          <p:nvPr/>
+        </p:nvGrpSpPr>
+        <p:grpSpPr>
+          <a:xfrm>
+            <a:off x="436680" y="13896000"/>
+            <a:ext cx="28866960" cy="3505680"/>
+            <a:chOff x="436680" y="13896000"/>
+            <a:chExt cx="28866960" cy="3505680"/>
+          </a:xfrm>
+        </p:grpSpPr>
+        <p:sp>
+          <p:nvSpPr>
+            <p:cNvPr id="265" name="CustomShape 86"/>
+            <p:cNvSpPr/>
+            <p:nvPr/>
+          </p:nvSpPr>
+          <p:spPr>
+            <a:xfrm flipV="1">
+              <a:off x="6052680" y="14636880"/>
+              <a:ext cx="4722120" cy="13680"/>
+            </a:xfrm>
+            <a:custGeom>
+              <a:avLst/>
+              <a:gdLst/>
+              <a:ahLst/>
+              <a:rect l="l" t="t" r="r" b="b"/>
+              <a:pathLst>
+                <a:path w="21600" h="21600">
+                  <a:moveTo>
+                    <a:pt x="0" y="0"/>
+                  </a:moveTo>
+                  <a:lnTo>
+                    <a:pt x="21600" y="21600"/>
+                  </a:lnTo>
+                </a:path>
+              </a:pathLst>
+            </a:custGeom>
+            <a:noFill/>
+            <a:ln w="38160">
+              <a:solidFill>
+                <a:srgbClr val="c00000"/>
+              </a:solidFill>
+              <a:miter/>
+              <a:tailEnd len="med" type="triangle" w="med"/>
+            </a:ln>
+          </p:spPr>
+          <p:style>
+            <a:lnRef idx="0"/>
+            <a:fillRef idx="0"/>
+            <a:effectRef idx="0"/>
+            <a:fontRef idx="minor"/>
+          </p:style>
+        </p:sp>
+        <p:sp>
+          <p:nvSpPr>
+            <p:cNvPr id="266" name="CustomShape 87"/>
+            <p:cNvSpPr/>
+            <p:nvPr/>
+          </p:nvSpPr>
+          <p:spPr>
+            <a:xfrm>
+              <a:off x="10762200" y="14473080"/>
+              <a:ext cx="3709800" cy="1400040"/>
+            </a:xfrm>
+            <a:prstGeom prst="rect">
+              <a:avLst/>
+            </a:prstGeom>
+            <a:noFill/>
+            <a:ln>
+              <a:noFill/>
+            </a:ln>
+          </p:spPr>
+          <p:style>
+            <a:lnRef idx="0"/>
+            <a:fillRef idx="0"/>
+            <a:effectRef idx="0"/>
+            <a:fontRef idx="minor"/>
+          </p:style>
+          <p:txBody>
+            <a:bodyPr lIns="90000" rIns="90000" tIns="45000" bIns="45000">
+              <a:spAutoFit/>
+            </a:bodyPr>
+            <a:p>
+              <a:pPr>
+                <a:lnSpc>
+                  <a:spcPct val="100000"/>
+                </a:lnSpc>
+              </a:pPr>
+              <a:r>
+                <a:rPr b="1" lang="en-US" sz="1800" spc="-1" strike="noStrike">
+                  <a:solidFill>
+                    <a:srgbClr val="000000"/>
+                  </a:solidFill>
+                  <a:latin typeface="굴림"/>
+                  <a:ea typeface="DejaVu Sans"/>
+                </a:rPr>
+                <a:t>/board</a:t>
+              </a:r>
+              <a:r>
+                <a:rPr b="1" lang="en-US" sz="1800" spc="-1" strike="noStrike">
+                  <a:solidFill>
+                    <a:srgbClr val="ff0000"/>
+                  </a:solidFill>
+                  <a:latin typeface="굴림"/>
+                  <a:ea typeface="DejaVu Sans"/>
+                </a:rPr>
+                <a:t>/remove</a:t>
+              </a:r>
+              <a:r>
+                <a:rPr b="1" lang="en-US" sz="1800" spc="-1" strike="noStrike">
+                  <a:solidFill>
+                    <a:srgbClr val="000000"/>
+                  </a:solidFill>
+                  <a:latin typeface="굴림"/>
+                  <a:ea typeface="DejaVu Sans"/>
+                </a:rPr>
+                <a:t>(</a:t>
+              </a:r>
+              <a:r>
+                <a:rPr b="1" i="1" lang="en-US" sz="1400" spc="-1" strike="noStrike">
+                  <a:solidFill>
+                    <a:srgbClr val="a0a0a0"/>
+                  </a:solidFill>
+                  <a:latin typeface="Consolas"/>
+                  <a:ea typeface="Consolas"/>
+                </a:rPr>
+                <a:t>@RequestParam</a:t>
+              </a:r>
+              <a:r>
+                <a:rPr b="1" lang="en-US" sz="1400" spc="-1" strike="noStrike">
+                  <a:solidFill>
+                    <a:srgbClr val="17c6a3"/>
+                  </a:solidFill>
+                  <a:latin typeface="Consolas"/>
+                  <a:ea typeface="Consolas"/>
+                </a:rPr>
+                <a:t>(“no”)</a:t>
+              </a:r>
+              <a:r>
+                <a:rPr b="1" lang="en-US" sz="1400" spc="-1" strike="noStrike">
+                  <a:solidFill>
+                    <a:srgbClr val="f9faf4"/>
+                  </a:solidFill>
+                  <a:latin typeface="Consolas"/>
+                  <a:ea typeface="Consolas"/>
+                </a:rPr>
+                <a:t> </a:t>
+              </a:r>
+              <a:r>
+                <a:rPr b="1" lang="en-US" sz="1400" spc="-1" strike="noStrike">
+                  <a:solidFill>
+                    <a:srgbClr val="1290c3"/>
+                  </a:solidFill>
+                  <a:latin typeface="Consolas"/>
+                  <a:ea typeface="Consolas"/>
+                </a:rPr>
+                <a:t>int</a:t>
+              </a:r>
+              <a:r>
+                <a:rPr b="1" lang="en-US" sz="1400" spc="-1" strike="noStrike">
+                  <a:solidFill>
+                    <a:srgbClr val="d9e8f7"/>
+                  </a:solidFill>
+                  <a:latin typeface="Consolas"/>
+                  <a:ea typeface="Consolas"/>
+                </a:rPr>
+                <a:t> </a:t>
+              </a:r>
+              <a:r>
+                <a:rPr b="1" lang="en-US" sz="1400" spc="-1" strike="noStrike">
+                  <a:solidFill>
+                    <a:srgbClr val="79abff"/>
+                  </a:solidFill>
+                  <a:latin typeface="Consolas"/>
+                  <a:ea typeface="Consolas"/>
+                </a:rPr>
+                <a:t>no</a:t>
+              </a:r>
+              <a:r>
+                <a:rPr b="1" lang="en-US" sz="1800" spc="-1" strike="noStrike">
+                  <a:solidFill>
+                    <a:srgbClr val="000000"/>
+                  </a:solidFill>
+                  <a:latin typeface="굴림"/>
+                  <a:ea typeface="DejaVu Sans"/>
+                </a:rPr>
+                <a:t>){</a:t>
+              </a:r>
+              <a:endParaRPr b="0" lang="en-US" sz="1800" spc="-1" strike="noStrike">
+                <a:latin typeface="굴림"/>
+              </a:endParaRPr>
+            </a:p>
+            <a:p>
+              <a:pPr>
+                <a:lnSpc>
+                  <a:spcPct val="100000"/>
+                </a:lnSpc>
+              </a:pPr>
+              <a:endParaRPr b="0" lang="en-US" sz="1800" spc="-1" strike="noStrike">
+                <a:latin typeface="굴림"/>
+              </a:endParaRPr>
+            </a:p>
+            <a:p>
+              <a:pPr>
+                <a:lnSpc>
+                  <a:spcPct val="100000"/>
+                </a:lnSpc>
+              </a:pPr>
+              <a:r>
+                <a:rPr b="1" lang="en-US" sz="1400" spc="-1" strike="noStrike">
+                  <a:solidFill>
+                    <a:srgbClr val="000000"/>
+                  </a:solidFill>
+                  <a:latin typeface="굴림"/>
+                  <a:ea typeface="DejaVu Sans"/>
+                </a:rPr>
+                <a:t>}</a:t>
+              </a:r>
+              <a:endParaRPr b="0" lang="en-US" sz="1400" spc="-1" strike="noStrike">
+                <a:latin typeface="굴림"/>
+              </a:endParaRPr>
+            </a:p>
+          </p:txBody>
+        </p:sp>
+        <p:sp>
+          <p:nvSpPr>
+            <p:cNvPr id="267" name="CustomShape 88"/>
+            <p:cNvSpPr/>
+            <p:nvPr/>
+          </p:nvSpPr>
+          <p:spPr>
+            <a:xfrm>
+              <a:off x="553320" y="14473080"/>
+              <a:ext cx="6950520" cy="381960"/>
+            </a:xfrm>
+            <a:prstGeom prst="rect">
+              <a:avLst/>
+            </a:prstGeom>
+            <a:solidFill>
+              <a:srgbClr val="d9d9d9"/>
+            </a:solidFill>
+            <a:ln>
+              <a:noFill/>
+            </a:ln>
+          </p:spPr>
+          <p:style>
+            <a:lnRef idx="0"/>
+            <a:fillRef idx="0"/>
+            <a:effectRef idx="0"/>
+            <a:fontRef idx="minor"/>
+          </p:style>
+          <p:txBody>
+            <a:bodyPr lIns="90000" rIns="90000" tIns="45000" bIns="45000">
+              <a:spAutoFit/>
+            </a:bodyPr>
+            <a:p>
+              <a:pPr>
+                <a:lnSpc>
+                  <a:spcPct val="120000"/>
+                </a:lnSpc>
+              </a:pPr>
+              <a:r>
+                <a:rPr b="0" lang="en-US" sz="1600" spc="-1" strike="noStrike" u="sng">
+                  <a:solidFill>
+                    <a:srgbClr val="0000ff"/>
+                  </a:solidFill>
+                  <a:uFillTx/>
+                  <a:latin typeface="Consolas"/>
+                  <a:ea typeface="Consolas"/>
+                  <a:hlinkClick r:id="rId5"/>
+                </a:rPr>
+                <a:t>http://localhost:8088/mysite5/</a:t>
+              </a:r>
+              <a:r>
+                <a:rPr b="0" lang="en-US" sz="1300" spc="-1" strike="noStrike">
+                  <a:solidFill>
+                    <a:srgbClr val="808080"/>
+                  </a:solidFill>
+                  <a:latin typeface="Consolas"/>
+                  <a:ea typeface="Consolas"/>
+                </a:rPr>
+                <a:t>board/delete?no=?</a:t>
+              </a:r>
+              <a:endParaRPr b="0" lang="en-US" sz="1300" spc="-1" strike="noStrike">
+                <a:latin typeface="굴림"/>
+              </a:endParaRPr>
+            </a:p>
+          </p:txBody>
+        </p:sp>
+        <p:grpSp>
+          <p:nvGrpSpPr>
+            <p:cNvPr id="268" name="Group 89"/>
+            <p:cNvGrpSpPr/>
+            <p:nvPr/>
+          </p:nvGrpSpPr>
+          <p:grpSpPr>
+            <a:xfrm>
+              <a:off x="18220320" y="14675040"/>
+              <a:ext cx="2041200" cy="389160"/>
+              <a:chOff x="18220320" y="14675040"/>
+              <a:chExt cx="2041200" cy="389160"/>
+            </a:xfrm>
+          </p:grpSpPr>
+          <p:sp>
+            <p:nvSpPr>
+              <p:cNvPr id="269" name="CustomShape 90"/>
+              <p:cNvSpPr/>
+              <p:nvPr/>
+            </p:nvSpPr>
+            <p:spPr>
+              <a:xfrm flipV="1">
+                <a:off x="18231840" y="14675040"/>
+                <a:ext cx="2029680" cy="16560"/>
+              </a:xfrm>
+              <a:custGeom>
+                <a:avLst/>
+                <a:gdLst/>
+                <a:ahLst/>
+                <a:rect l="l" t="t" r="r" b="b"/>
+                <a:pathLst>
+                  <a:path w="21600" h="21600">
+                    <a:moveTo>
+                      <a:pt x="0" y="0"/>
+                    </a:moveTo>
+                    <a:lnTo>
+                      <a:pt x="21600" y="21600"/>
+                    </a:lnTo>
+                  </a:path>
+                </a:pathLst>
+              </a:custGeom>
+              <a:noFill/>
+              <a:ln w="38160">
+                <a:solidFill>
+                  <a:srgbClr val="c00000"/>
+                </a:solidFill>
+                <a:miter/>
+                <a:tailEnd len="med" type="triangle" w="med"/>
+              </a:ln>
+            </p:spPr>
+            <p:style>
+              <a:lnRef idx="0"/>
+              <a:fillRef idx="0"/>
+              <a:effectRef idx="0"/>
+              <a:fontRef idx="minor"/>
+            </p:style>
+          </p:sp>
+          <p:sp>
+            <p:nvSpPr>
+              <p:cNvPr id="270" name="CustomShape 91"/>
+              <p:cNvSpPr/>
+              <p:nvPr/>
+            </p:nvSpPr>
+            <p:spPr>
+              <a:xfrm flipH="1">
+                <a:off x="18219960" y="15063840"/>
+                <a:ext cx="2023560" cy="360"/>
+              </a:xfrm>
+              <a:custGeom>
+                <a:avLst/>
+                <a:gdLst/>
+                <a:ahLst/>
+                <a:rect l="l" t="t" r="r" b="b"/>
+                <a:pathLst>
+                  <a:path w="21600" h="21600">
+                    <a:moveTo>
+                      <a:pt x="0" y="0"/>
+                    </a:moveTo>
+                    <a:lnTo>
+                      <a:pt x="21600" y="21600"/>
+                    </a:lnTo>
+                  </a:path>
+                </a:pathLst>
+              </a:custGeom>
+              <a:noFill/>
+              <a:ln w="38160">
+                <a:solidFill>
+                  <a:srgbClr val="0070c0"/>
+                </a:solidFill>
+                <a:miter/>
+                <a:tailEnd len="med" type="triangle" w="med"/>
+              </a:ln>
+            </p:spPr>
+            <p:style>
+              <a:lnRef idx="0"/>
+              <a:fillRef idx="0"/>
+              <a:effectRef idx="0"/>
+              <a:fontRef idx="minor"/>
+            </p:style>
+          </p:sp>
+        </p:grpSp>
+        <p:sp>
+          <p:nvSpPr>
+            <p:cNvPr id="271" name="CustomShape 92"/>
+            <p:cNvSpPr/>
+            <p:nvPr/>
+          </p:nvSpPr>
+          <p:spPr>
+            <a:xfrm>
+              <a:off x="20281680" y="14574960"/>
+              <a:ext cx="2973960" cy="364320"/>
+            </a:xfrm>
+            <a:prstGeom prst="rect">
+              <a:avLst/>
+            </a:prstGeom>
+            <a:noFill/>
+            <a:ln>
+              <a:noFill/>
+            </a:ln>
+          </p:spPr>
+          <p:style>
+            <a:lnRef idx="0"/>
+            <a:fillRef idx="0"/>
+            <a:effectRef idx="0"/>
+            <a:fontRef idx="minor"/>
+          </p:style>
+          <p:txBody>
+            <a:bodyPr lIns="90000" rIns="90000" tIns="45000" bIns="45000">
+              <a:spAutoFit/>
+            </a:bodyPr>
+            <a:p>
+              <a:pPr>
+                <a:lnSpc>
+                  <a:spcPct val="100000"/>
+                </a:lnSpc>
+              </a:pPr>
+              <a:r>
+                <a:rPr b="1" lang="en-US" sz="1800" spc="-1" strike="noStrike">
+                  <a:solidFill>
+                    <a:srgbClr val="000000"/>
+                  </a:solidFill>
+                  <a:latin typeface="굴림"/>
+                  <a:ea typeface="DejaVu Sans"/>
+                </a:rPr>
+                <a:t>delete(</a:t>
+              </a:r>
+              <a:r>
+                <a:rPr b="1" lang="en-US" sz="1800" spc="-1" strike="noStrike">
+                  <a:solidFill>
+                    <a:srgbClr val="1290c3"/>
+                  </a:solidFill>
+                  <a:latin typeface="굴림"/>
+                  <a:ea typeface="DejaVu Sans"/>
+                </a:rPr>
+                <a:t>int</a:t>
+              </a:r>
+              <a:r>
+                <a:rPr b="1" lang="en-US" sz="1400" spc="-1" strike="noStrike">
+                  <a:solidFill>
+                    <a:srgbClr val="d9e8f7"/>
+                  </a:solidFill>
+                  <a:latin typeface="Consolas"/>
+                  <a:ea typeface="Consolas"/>
+                </a:rPr>
+                <a:t> </a:t>
+              </a:r>
+              <a:r>
+                <a:rPr b="1" lang="en-US" sz="1400" spc="-1" strike="noStrike">
+                  <a:solidFill>
+                    <a:srgbClr val="79abff"/>
+                  </a:solidFill>
+                  <a:latin typeface="Consolas"/>
+                  <a:ea typeface="Consolas"/>
+                </a:rPr>
+                <a:t>no</a:t>
+              </a:r>
+              <a:r>
+                <a:rPr b="1" lang="en-US" sz="1800" spc="-1" strike="noStrike">
+                  <a:solidFill>
+                    <a:srgbClr val="000000"/>
+                  </a:solidFill>
+                  <a:latin typeface="굴림"/>
+                  <a:ea typeface="DejaVu Sans"/>
+                </a:rPr>
+                <a:t>)</a:t>
+              </a:r>
+              <a:endParaRPr b="0" lang="en-US" sz="1800" spc="-1" strike="noStrike">
+                <a:latin typeface="굴림"/>
+              </a:endParaRPr>
+            </a:p>
+          </p:txBody>
+        </p:sp>
+        <p:sp>
+          <p:nvSpPr>
+            <p:cNvPr id="272" name="CustomShape 93"/>
+            <p:cNvSpPr/>
+            <p:nvPr/>
+          </p:nvSpPr>
+          <p:spPr>
+            <a:xfrm>
+              <a:off x="24601680" y="14589000"/>
+              <a:ext cx="4634280" cy="363960"/>
+            </a:xfrm>
+            <a:prstGeom prst="rect">
+              <a:avLst/>
+            </a:prstGeom>
+            <a:noFill/>
+            <a:ln>
+              <a:noFill/>
+            </a:ln>
+          </p:spPr>
+          <p:style>
+            <a:lnRef idx="0"/>
+            <a:fillRef idx="0"/>
+            <a:effectRef idx="0"/>
+            <a:fontRef idx="minor"/>
+          </p:style>
+          <p:txBody>
+            <a:bodyPr lIns="90000" rIns="90000" tIns="45000" bIns="45000">
+              <a:spAutoFit/>
+            </a:bodyPr>
+            <a:p>
+              <a:pPr>
+                <a:lnSpc>
+                  <a:spcPct val="100000"/>
+                </a:lnSpc>
+              </a:pPr>
+              <a:r>
+                <a:rPr b="1" lang="en-US" sz="1800" spc="-1" strike="noStrike">
+                  <a:solidFill>
+                    <a:srgbClr val="000000"/>
+                  </a:solidFill>
+                  <a:latin typeface="굴림"/>
+                  <a:ea typeface="DejaVu Sans"/>
+                </a:rPr>
+                <a:t>delete(</a:t>
+              </a:r>
+              <a:r>
+                <a:rPr b="1" lang="en-US" sz="1800" spc="-1" strike="noStrike">
+                  <a:solidFill>
+                    <a:srgbClr val="000000"/>
+                  </a:solidFill>
+                  <a:latin typeface="Consolas"/>
+                  <a:ea typeface="Consolas"/>
+                </a:rPr>
+                <a:t>"board.delete"</a:t>
+              </a:r>
+              <a:r>
+                <a:rPr b="1" lang="en-US" sz="1800" spc="-1" strike="noStrike">
+                  <a:solidFill>
+                    <a:srgbClr val="000000"/>
+                  </a:solidFill>
+                  <a:latin typeface="굴림"/>
+                  <a:ea typeface="DejaVu Sans"/>
+                </a:rPr>
+                <a:t>)</a:t>
+              </a:r>
+              <a:endParaRPr b="0" lang="en-US" sz="1800" spc="-1" strike="noStrike">
+                <a:latin typeface="굴림"/>
+              </a:endParaRPr>
+            </a:p>
+          </p:txBody>
+        </p:sp>
+        <p:grpSp>
+          <p:nvGrpSpPr>
+            <p:cNvPr id="273" name="Group 94"/>
+            <p:cNvGrpSpPr/>
+            <p:nvPr/>
+          </p:nvGrpSpPr>
+          <p:grpSpPr>
+            <a:xfrm>
+              <a:off x="27447840" y="14589000"/>
+              <a:ext cx="1855800" cy="294480"/>
+              <a:chOff x="27447840" y="14589000"/>
+              <a:chExt cx="1855800" cy="294480"/>
+            </a:xfrm>
+          </p:grpSpPr>
+          <p:sp>
+            <p:nvSpPr>
+              <p:cNvPr id="274" name="CustomShape 95"/>
+              <p:cNvSpPr/>
+              <p:nvPr/>
+            </p:nvSpPr>
+            <p:spPr>
+              <a:xfrm>
+                <a:off x="27451440" y="14589000"/>
+                <a:ext cx="1852200" cy="360"/>
+              </a:xfrm>
+              <a:custGeom>
+                <a:avLst/>
+                <a:gdLst/>
+                <a:ahLst/>
+                <a:rect l="l" t="t" r="r" b="b"/>
+                <a:pathLst>
+                  <a:path w="21600" h="21600">
+                    <a:moveTo>
+                      <a:pt x="0" y="0"/>
+                    </a:moveTo>
+                    <a:lnTo>
+                      <a:pt x="21600" y="21600"/>
+                    </a:lnTo>
+                  </a:path>
+                </a:pathLst>
+              </a:custGeom>
+              <a:noFill/>
+              <a:ln w="38160">
+                <a:solidFill>
+                  <a:srgbClr val="c00000"/>
+                </a:solidFill>
+                <a:miter/>
+                <a:tailEnd len="med" type="triangle" w="med"/>
+              </a:ln>
+            </p:spPr>
+            <p:style>
+              <a:lnRef idx="0"/>
+              <a:fillRef idx="0"/>
+              <a:effectRef idx="0"/>
+              <a:fontRef idx="minor"/>
+            </p:style>
+          </p:sp>
+          <p:sp>
+            <p:nvSpPr>
+              <p:cNvPr id="275" name="CustomShape 96"/>
+              <p:cNvSpPr/>
+              <p:nvPr/>
+            </p:nvSpPr>
+            <p:spPr>
+              <a:xfrm flipH="1">
+                <a:off x="27447840" y="14883120"/>
+                <a:ext cx="1853280" cy="360"/>
+              </a:xfrm>
+              <a:custGeom>
+                <a:avLst/>
+                <a:gdLst/>
+                <a:ahLst/>
+                <a:rect l="l" t="t" r="r" b="b"/>
+                <a:pathLst>
+                  <a:path w="21600" h="21600">
+                    <a:moveTo>
+                      <a:pt x="0" y="0"/>
+                    </a:moveTo>
+                    <a:lnTo>
+                      <a:pt x="21600" y="21600"/>
+                    </a:lnTo>
+                  </a:path>
+                </a:pathLst>
+              </a:custGeom>
+              <a:noFill/>
+              <a:ln w="38160">
+                <a:solidFill>
+                  <a:srgbClr val="0070c0"/>
+                </a:solidFill>
+                <a:miter/>
+                <a:tailEnd len="med" type="triangle" w="med"/>
+              </a:ln>
+            </p:spPr>
+            <p:style>
+              <a:lnRef idx="0"/>
+              <a:fillRef idx="0"/>
+              <a:effectRef idx="0"/>
+              <a:fontRef idx="minor"/>
+            </p:style>
+          </p:sp>
+        </p:grpSp>
+        <p:grpSp>
+          <p:nvGrpSpPr>
+            <p:cNvPr id="276" name="Group 97"/>
+            <p:cNvGrpSpPr/>
+            <p:nvPr/>
+          </p:nvGrpSpPr>
+          <p:grpSpPr>
+            <a:xfrm>
+              <a:off x="22839840" y="14677560"/>
+              <a:ext cx="1680480" cy="225000"/>
+              <a:chOff x="22839840" y="14677560"/>
+              <a:chExt cx="1680480" cy="225000"/>
+            </a:xfrm>
+          </p:grpSpPr>
+          <p:sp>
+            <p:nvSpPr>
+              <p:cNvPr id="277" name="CustomShape 98"/>
+              <p:cNvSpPr/>
+              <p:nvPr/>
+            </p:nvSpPr>
+            <p:spPr>
+              <a:xfrm flipV="1">
+                <a:off x="22911840" y="14677200"/>
+                <a:ext cx="1608480" cy="360"/>
+              </a:xfrm>
+              <a:custGeom>
+                <a:avLst/>
+                <a:gdLst/>
+                <a:ahLst/>
+                <a:rect l="l" t="t" r="r" b="b"/>
+                <a:pathLst>
+                  <a:path w="21600" h="21600">
+                    <a:moveTo>
+                      <a:pt x="0" y="0"/>
+                    </a:moveTo>
+                    <a:lnTo>
+                      <a:pt x="21600" y="21600"/>
+                    </a:lnTo>
+                  </a:path>
+                </a:pathLst>
+              </a:custGeom>
+              <a:noFill/>
+              <a:ln w="38160">
+                <a:solidFill>
+                  <a:srgbClr val="c00000"/>
+                </a:solidFill>
+                <a:miter/>
+                <a:tailEnd len="med" type="triangle" w="med"/>
+              </a:ln>
+            </p:spPr>
+            <p:style>
+              <a:lnRef idx="0"/>
+              <a:fillRef idx="0"/>
+              <a:effectRef idx="0"/>
+              <a:fontRef idx="minor"/>
+            </p:style>
+          </p:sp>
+          <p:sp>
+            <p:nvSpPr>
+              <p:cNvPr id="278" name="CustomShape 99"/>
+              <p:cNvSpPr/>
+              <p:nvPr/>
+            </p:nvSpPr>
+            <p:spPr>
+              <a:xfrm flipH="1">
+                <a:off x="22839480" y="14902200"/>
+                <a:ext cx="1662840" cy="360"/>
+              </a:xfrm>
+              <a:custGeom>
+                <a:avLst/>
+                <a:gdLst/>
+                <a:ahLst/>
+                <a:rect l="l" t="t" r="r" b="b"/>
+                <a:pathLst>
+                  <a:path w="21600" h="21600">
+                    <a:moveTo>
+                      <a:pt x="0" y="0"/>
+                    </a:moveTo>
+                    <a:lnTo>
+                      <a:pt x="21600" y="21600"/>
+                    </a:lnTo>
+                  </a:path>
+                </a:pathLst>
+              </a:custGeom>
+              <a:noFill/>
+              <a:ln w="38160">
+                <a:solidFill>
+                  <a:srgbClr val="0070c0"/>
+                </a:solidFill>
+                <a:miter/>
+                <a:tailEnd len="med" type="triangle" w="med"/>
+              </a:ln>
+            </p:spPr>
+            <p:style>
+              <a:lnRef idx="0"/>
+              <a:fillRef idx="0"/>
+              <a:effectRef idx="0"/>
+              <a:fontRef idx="minor"/>
+            </p:style>
+          </p:sp>
+        </p:grpSp>
+        <p:sp>
+          <p:nvSpPr>
+            <p:cNvPr id="279" name="CustomShape 100"/>
+            <p:cNvSpPr/>
+            <p:nvPr/>
+          </p:nvSpPr>
+          <p:spPr>
+            <a:xfrm>
+              <a:off x="541800" y="14857560"/>
+              <a:ext cx="1476720" cy="411120"/>
+            </a:xfrm>
+            <a:prstGeom prst="rect">
+              <a:avLst/>
+            </a:prstGeom>
+            <a:solidFill>
+              <a:srgbClr val="ffffff"/>
+            </a:solidFill>
+            <a:ln cap="rnd" w="12600">
+              <a:solidFill>
+                <a:srgbClr val="325490"/>
+              </a:solidFill>
+              <a:prstDash val="lgDash"/>
+              <a:miter/>
+            </a:ln>
+          </p:spPr>
+          <p:style>
+            <a:lnRef idx="0"/>
+            <a:fillRef idx="0"/>
+            <a:effectRef idx="0"/>
+            <a:fontRef idx="minor"/>
+          </p:style>
+          <p:txBody>
+            <a:bodyPr lIns="90000" rIns="90000" tIns="45000" bIns="45000" anchor="ctr">
+              <a:noAutofit/>
+            </a:bodyPr>
+            <a:p>
+              <a:pPr algn="ctr">
+                <a:lnSpc>
+                  <a:spcPct val="100000"/>
+                </a:lnSpc>
+              </a:pPr>
+              <a:r>
+                <a:rPr b="0" lang="en-US" sz="1800" spc="-1" strike="noStrike">
+                  <a:solidFill>
+                    <a:srgbClr val="000000"/>
+                  </a:solidFill>
+                  <a:latin typeface="Calibri"/>
+                  <a:ea typeface="DejaVu Sans"/>
+                </a:rPr>
+                <a:t>요청화면</a:t>
+              </a:r>
+              <a:endParaRPr b="0" lang="en-US" sz="1800" spc="-1" strike="noStrike">
+                <a:latin typeface="굴림"/>
+              </a:endParaRPr>
+            </a:p>
+          </p:txBody>
+        </p:sp>
+        <p:sp>
+          <p:nvSpPr>
+            <p:cNvPr id="280" name="CustomShape 101"/>
+            <p:cNvSpPr/>
+            <p:nvPr/>
+          </p:nvSpPr>
+          <p:spPr>
+            <a:xfrm>
+              <a:off x="436680" y="13896000"/>
+              <a:ext cx="2401920" cy="363960"/>
+            </a:xfrm>
+            <a:prstGeom prst="rect">
+              <a:avLst/>
+            </a:prstGeom>
+            <a:noFill/>
+            <a:ln>
+              <a:noFill/>
+            </a:ln>
+          </p:spPr>
+          <p:style>
+            <a:lnRef idx="0"/>
+            <a:fillRef idx="0"/>
+            <a:effectRef idx="0"/>
+            <a:fontRef idx="minor"/>
+          </p:style>
+          <p:txBody>
+            <a:bodyPr lIns="90000" rIns="90000" tIns="45000" bIns="45000">
+              <a:spAutoFit/>
+            </a:bodyPr>
+            <a:p>
+              <a:pPr>
+                <a:lnSpc>
+                  <a:spcPct val="100000"/>
+                </a:lnSpc>
+              </a:pPr>
+              <a:r>
+                <a:rPr b="1" lang="en-US" sz="1800" spc="-1" strike="noStrike">
+                  <a:solidFill>
+                    <a:srgbClr val="000000"/>
+                  </a:solidFill>
+                  <a:latin typeface="굴림"/>
+                  <a:ea typeface="DejaVu Sans"/>
+                </a:rPr>
+                <a:t>■ </a:t>
+              </a:r>
+              <a:r>
+                <a:rPr b="1" lang="en-US" sz="1800" spc="-1" strike="noStrike">
+                  <a:solidFill>
+                    <a:srgbClr val="000000"/>
+                  </a:solidFill>
+                  <a:latin typeface="굴림"/>
+                  <a:ea typeface="DejaVu Sans"/>
+                </a:rPr>
+                <a:t>board </a:t>
+              </a:r>
+              <a:r>
+                <a:rPr b="1" lang="en-US" sz="1800" spc="-1" strike="noStrike">
+                  <a:solidFill>
+                    <a:srgbClr val="000000"/>
+                  </a:solidFill>
+                  <a:latin typeface="굴림"/>
+                  <a:ea typeface="DejaVu Sans"/>
+                </a:rPr>
+                <a:t>삭제</a:t>
+              </a:r>
+              <a:endParaRPr b="0" lang="en-US" sz="1800" spc="-1" strike="noStrike">
+                <a:latin typeface="굴림"/>
+              </a:endParaRPr>
+            </a:p>
+          </p:txBody>
+        </p:sp>
+        <p:sp>
+          <p:nvSpPr>
+            <p:cNvPr id="281" name="CustomShape 102"/>
+            <p:cNvSpPr/>
+            <p:nvPr/>
+          </p:nvSpPr>
+          <p:spPr>
+            <a:xfrm flipV="1">
+              <a:off x="2080440" y="14887440"/>
+              <a:ext cx="349920" cy="228240"/>
+            </a:xfrm>
+            <a:custGeom>
+              <a:avLst/>
+              <a:gdLst/>
+              <a:ahLst/>
+              <a:rect l="l" t="t" r="r" b="b"/>
+              <a:pathLst>
+                <a:path w="21600" h="21600">
+                  <a:moveTo>
+                    <a:pt x="0" y="0"/>
+                  </a:moveTo>
+                  <a:lnTo>
+                    <a:pt x="21600" y="21600"/>
+                  </a:lnTo>
+                </a:path>
+              </a:pathLst>
+            </a:custGeom>
+            <a:noFill/>
+            <a:ln w="6480">
+              <a:solidFill>
+                <a:srgbClr val="4472c4"/>
+              </a:solidFill>
+              <a:miter/>
+              <a:tailEnd len="med" type="triangle" w="med"/>
+            </a:ln>
+          </p:spPr>
+          <p:style>
+            <a:lnRef idx="0"/>
+            <a:fillRef idx="0"/>
+            <a:effectRef idx="0"/>
+            <a:fontRef idx="minor"/>
+          </p:style>
+        </p:sp>
+        <p:sp>
+          <p:nvSpPr>
+            <p:cNvPr id="282" name="CustomShape 103"/>
+            <p:cNvSpPr/>
+            <p:nvPr/>
+          </p:nvSpPr>
+          <p:spPr>
+            <a:xfrm>
+              <a:off x="23042880" y="14968440"/>
+              <a:ext cx="1220760" cy="333000"/>
+            </a:xfrm>
+            <a:prstGeom prst="rect">
+              <a:avLst/>
+            </a:prstGeom>
+            <a:noFill/>
+            <a:ln>
+              <a:noFill/>
+            </a:ln>
+          </p:spPr>
+          <p:style>
+            <a:lnRef idx="0"/>
+            <a:fillRef idx="0"/>
+            <a:effectRef idx="0"/>
+            <a:fontRef idx="minor"/>
+          </p:style>
+          <p:txBody>
+            <a:bodyPr lIns="90000" rIns="90000" tIns="45000" bIns="45000">
+              <a:spAutoFit/>
+            </a:bodyPr>
+            <a:p>
+              <a:pPr>
+                <a:lnSpc>
+                  <a:spcPct val="100000"/>
+                </a:lnSpc>
+              </a:pPr>
+              <a:r>
+                <a:rPr b="1" lang="en-US" sz="1600" spc="-1" strike="noStrike">
+                  <a:solidFill>
+                    <a:srgbClr val="000000"/>
+                  </a:solidFill>
+                  <a:latin typeface="굴림"/>
+                  <a:ea typeface="DejaVu Sans"/>
+                </a:rPr>
+                <a:t>count</a:t>
+              </a:r>
+              <a:endParaRPr b="0" lang="en-US" sz="1600" spc="-1" strike="noStrike">
+                <a:latin typeface="굴림"/>
+              </a:endParaRPr>
+            </a:p>
+          </p:txBody>
+        </p:sp>
+        <p:sp>
+          <p:nvSpPr>
+            <p:cNvPr id="283" name="CustomShape 104"/>
+            <p:cNvSpPr/>
+            <p:nvPr/>
+          </p:nvSpPr>
+          <p:spPr>
+            <a:xfrm>
+              <a:off x="19307520" y="15004440"/>
+              <a:ext cx="1220760" cy="333000"/>
+            </a:xfrm>
+            <a:prstGeom prst="rect">
+              <a:avLst/>
+            </a:prstGeom>
+            <a:noFill/>
+            <a:ln>
+              <a:noFill/>
+            </a:ln>
+          </p:spPr>
+          <p:style>
+            <a:lnRef idx="0"/>
+            <a:fillRef idx="0"/>
+            <a:effectRef idx="0"/>
+            <a:fontRef idx="minor"/>
+          </p:style>
+          <p:txBody>
+            <a:bodyPr lIns="90000" rIns="90000" tIns="45000" bIns="45000">
+              <a:spAutoFit/>
+            </a:bodyPr>
+            <a:p>
+              <a:pPr>
+                <a:lnSpc>
+                  <a:spcPct val="100000"/>
+                </a:lnSpc>
+              </a:pPr>
+              <a:r>
+                <a:rPr b="1" lang="en-US" sz="1600" spc="-1" strike="noStrike">
+                  <a:solidFill>
+                    <a:srgbClr val="000000"/>
+                  </a:solidFill>
+                  <a:latin typeface="굴림"/>
+                  <a:ea typeface="DejaVu Sans"/>
+                </a:rPr>
+                <a:t>count</a:t>
+              </a:r>
+              <a:endParaRPr b="0" lang="en-US" sz="1600" spc="-1" strike="noStrike">
+                <a:latin typeface="굴림"/>
+              </a:endParaRPr>
+            </a:p>
+          </p:txBody>
+        </p:sp>
+        <p:sp>
+          <p:nvSpPr>
+            <p:cNvPr id="284" name="CustomShape 105"/>
+            <p:cNvSpPr/>
+            <p:nvPr/>
+          </p:nvSpPr>
+          <p:spPr>
+            <a:xfrm>
+              <a:off x="782280" y="15991920"/>
+              <a:ext cx="2934000" cy="363960"/>
+            </a:xfrm>
+            <a:prstGeom prst="rect">
+              <a:avLst/>
+            </a:prstGeom>
+            <a:noFill/>
+            <a:ln>
+              <a:noFill/>
+            </a:ln>
+          </p:spPr>
+          <p:style>
+            <a:lnRef idx="0"/>
+            <a:fillRef idx="0"/>
+            <a:effectRef idx="0"/>
+            <a:fontRef idx="minor"/>
+          </p:style>
+          <p:txBody>
+            <a:bodyPr lIns="90000" rIns="90000" tIns="45000" bIns="45000">
+              <a:spAutoFit/>
+            </a:bodyPr>
+            <a:p>
+              <a:pPr>
+                <a:lnSpc>
+                  <a:spcPct val="100000"/>
+                </a:lnSpc>
+              </a:pPr>
+              <a:r>
+                <a:rPr b="1" lang="en-US" sz="1800" spc="-1" strike="noStrike">
+                  <a:solidFill>
+                    <a:srgbClr val="ffffff"/>
+                  </a:solidFill>
+                  <a:latin typeface="굴림"/>
+                  <a:ea typeface="DejaVu Sans"/>
+                </a:rPr>
+                <a:t>redirect: /   </a:t>
+              </a:r>
+              <a:r>
+                <a:rPr b="1" lang="en-US" sz="1800" spc="-1" strike="noStrike">
+                  <a:solidFill>
+                    <a:srgbClr val="ffffff"/>
+                  </a:solidFill>
+                  <a:latin typeface="Wingdings"/>
+                  <a:ea typeface="DejaVu Sans"/>
+                </a:rPr>
+                <a:t> main</a:t>
+              </a:r>
+              <a:endParaRPr b="0" lang="en-US" sz="1800" spc="-1" strike="noStrike">
+                <a:latin typeface="굴림"/>
+              </a:endParaRPr>
+            </a:p>
+          </p:txBody>
+        </p:sp>
+        <p:sp>
+          <p:nvSpPr>
+            <p:cNvPr id="285" name="CustomShape 106"/>
+            <p:cNvSpPr/>
+            <p:nvPr/>
+          </p:nvSpPr>
+          <p:spPr>
+            <a:xfrm flipH="1">
+              <a:off x="4623480" y="15035040"/>
+              <a:ext cx="5962680" cy="1020600"/>
+            </a:xfrm>
+            <a:custGeom>
+              <a:avLst/>
+              <a:gdLst/>
+              <a:ahLst/>
+              <a:rect l="l" t="t" r="r" b="b"/>
+              <a:pathLst>
+                <a:path w="21600" h="21600">
+                  <a:moveTo>
+                    <a:pt x="0" y="0"/>
+                  </a:moveTo>
+                  <a:lnTo>
+                    <a:pt x="21600" y="21600"/>
+                  </a:lnTo>
+                </a:path>
+              </a:pathLst>
+            </a:custGeom>
+            <a:noFill/>
+            <a:ln w="38160">
+              <a:solidFill>
+                <a:srgbClr val="0070c0"/>
+              </a:solidFill>
+              <a:miter/>
+              <a:tailEnd len="med" type="triangle" w="med"/>
+            </a:ln>
+          </p:spPr>
+          <p:style>
+            <a:lnRef idx="0"/>
+            <a:fillRef idx="0"/>
+            <a:effectRef idx="0"/>
+            <a:fontRef idx="minor"/>
+          </p:style>
+        </p:sp>
+        <p:sp>
+          <p:nvSpPr>
+            <p:cNvPr id="286" name="CustomShape 107"/>
+            <p:cNvSpPr/>
+            <p:nvPr/>
+          </p:nvSpPr>
+          <p:spPr>
+            <a:xfrm>
+              <a:off x="782280" y="17038080"/>
+              <a:ext cx="2934000" cy="363600"/>
+            </a:xfrm>
+            <a:prstGeom prst="rect">
+              <a:avLst/>
+            </a:prstGeom>
+            <a:noFill/>
+            <a:ln>
+              <a:noFill/>
+            </a:ln>
+          </p:spPr>
+          <p:style>
+            <a:lnRef idx="0"/>
+            <a:fillRef idx="0"/>
+            <a:effectRef idx="0"/>
+            <a:fontRef idx="minor"/>
+          </p:style>
+        </p:sp>
+        <p:sp>
+          <p:nvSpPr>
+            <p:cNvPr id="287" name="CustomShape 108"/>
+            <p:cNvSpPr/>
+            <p:nvPr/>
+          </p:nvSpPr>
+          <p:spPr>
+            <a:xfrm>
+              <a:off x="4515480" y="14509800"/>
+              <a:ext cx="4291560" cy="302400"/>
+            </a:xfrm>
+            <a:prstGeom prst="rect">
+              <a:avLst/>
+            </a:prstGeom>
+            <a:noFill/>
+            <a:ln>
+              <a:noFill/>
+            </a:ln>
+          </p:spPr>
+          <p:style>
+            <a:lnRef idx="0"/>
+            <a:fillRef idx="0"/>
+            <a:effectRef idx="0"/>
+            <a:fontRef idx="minor"/>
+          </p:style>
+        </p:sp>
+        <p:grpSp>
+          <p:nvGrpSpPr>
+            <p:cNvPr id="288" name="Group 109"/>
+            <p:cNvGrpSpPr/>
+            <p:nvPr/>
+          </p:nvGrpSpPr>
+          <p:grpSpPr>
+            <a:xfrm>
+              <a:off x="14256000" y="14709960"/>
+              <a:ext cx="1733400" cy="360000"/>
+              <a:chOff x="14256000" y="14709960"/>
+              <a:chExt cx="1733400" cy="360000"/>
+            </a:xfrm>
+          </p:grpSpPr>
+          <p:sp>
+            <p:nvSpPr>
+              <p:cNvPr id="289" name="CustomShape 110"/>
+              <p:cNvSpPr/>
+              <p:nvPr/>
+            </p:nvSpPr>
+            <p:spPr>
+              <a:xfrm flipV="1">
+                <a:off x="14256000" y="14709600"/>
+                <a:ext cx="1633320" cy="11880"/>
+              </a:xfrm>
+              <a:custGeom>
+                <a:avLst/>
+                <a:gdLst/>
+                <a:ahLst/>
+                <a:rect l="l" t="t" r="r" b="b"/>
+                <a:pathLst>
+                  <a:path w="21600" h="21600">
+                    <a:moveTo>
+                      <a:pt x="0" y="0"/>
+                    </a:moveTo>
+                    <a:lnTo>
+                      <a:pt x="21600" y="21600"/>
+                    </a:lnTo>
+                  </a:path>
+                </a:pathLst>
+              </a:custGeom>
+              <a:noFill/>
+              <a:ln w="38160">
+                <a:solidFill>
+                  <a:srgbClr val="c00000"/>
+                </a:solidFill>
+                <a:miter/>
+                <a:tailEnd len="med" type="triangle" w="med"/>
+              </a:ln>
+            </p:spPr>
+            <p:style>
+              <a:lnRef idx="0"/>
+              <a:fillRef idx="0"/>
+              <a:effectRef idx="0"/>
+              <a:fontRef idx="minor"/>
+            </p:style>
+          </p:sp>
+          <p:sp>
+            <p:nvSpPr>
+              <p:cNvPr id="290" name="CustomShape 111"/>
+              <p:cNvSpPr/>
+              <p:nvPr/>
+            </p:nvSpPr>
+            <p:spPr>
+              <a:xfrm flipH="1">
+                <a:off x="14429160" y="14858640"/>
+                <a:ext cx="1560240" cy="211320"/>
+              </a:xfrm>
+              <a:custGeom>
+                <a:avLst/>
+                <a:gdLst/>
+                <a:ahLst/>
+                <a:rect l="l" t="t" r="r" b="b"/>
+                <a:pathLst>
+                  <a:path w="21600" h="21600">
+                    <a:moveTo>
+                      <a:pt x="0" y="0"/>
+                    </a:moveTo>
+                    <a:lnTo>
+                      <a:pt x="21600" y="21600"/>
+                    </a:lnTo>
+                  </a:path>
+                </a:pathLst>
+              </a:custGeom>
+              <a:noFill/>
+              <a:ln w="38160">
+                <a:solidFill>
+                  <a:srgbClr val="0070c0"/>
+                </a:solidFill>
+                <a:miter/>
+                <a:tailEnd len="med" type="triangle" w="med"/>
+              </a:ln>
+            </p:spPr>
+            <p:style>
+              <a:lnRef idx="0"/>
+              <a:fillRef idx="0"/>
+              <a:effectRef idx="0"/>
+              <a:fontRef idx="minor"/>
+            </p:style>
+          </p:sp>
+        </p:grpSp>
+        <p:sp>
+          <p:nvSpPr>
+            <p:cNvPr id="291" name="CustomShape 112"/>
+            <p:cNvSpPr/>
+            <p:nvPr/>
+          </p:nvSpPr>
+          <p:spPr>
+            <a:xfrm>
+              <a:off x="15916680" y="14634360"/>
+              <a:ext cx="2629800" cy="363960"/>
+            </a:xfrm>
+            <a:prstGeom prst="rect">
+              <a:avLst/>
+            </a:prstGeom>
+            <a:noFill/>
+            <a:ln>
+              <a:noFill/>
+            </a:ln>
+          </p:spPr>
+          <p:style>
+            <a:lnRef idx="0"/>
+            <a:fillRef idx="0"/>
+            <a:effectRef idx="0"/>
+            <a:fontRef idx="minor"/>
+          </p:style>
+          <p:txBody>
+            <a:bodyPr lIns="90000" rIns="90000" tIns="45000" bIns="45000">
+              <a:spAutoFit/>
+            </a:bodyPr>
+            <a:p>
+              <a:pPr>
+                <a:lnSpc>
+                  <a:spcPct val="100000"/>
+                </a:lnSpc>
+              </a:pPr>
+              <a:r>
+                <a:rPr b="1" lang="en-US" sz="1800" spc="-1" strike="noStrike">
+                  <a:solidFill>
+                    <a:srgbClr val="000000"/>
+                  </a:solidFill>
+                  <a:latin typeface="굴림"/>
+                  <a:ea typeface="DejaVu Sans"/>
+                </a:rPr>
+                <a:t>remove(</a:t>
+              </a:r>
+              <a:r>
+                <a:rPr b="1" lang="en-US" sz="1400" spc="-1" strike="noStrike">
+                  <a:solidFill>
+                    <a:srgbClr val="1290c3"/>
+                  </a:solidFill>
+                  <a:latin typeface="Consolas"/>
+                  <a:ea typeface="Consolas"/>
+                </a:rPr>
+                <a:t>int</a:t>
+              </a:r>
+              <a:r>
+                <a:rPr b="1" lang="en-US" sz="1400" spc="-1" strike="noStrike">
+                  <a:solidFill>
+                    <a:srgbClr val="d9e8f7"/>
+                  </a:solidFill>
+                  <a:latin typeface="Consolas"/>
+                  <a:ea typeface="Consolas"/>
+                </a:rPr>
+                <a:t> </a:t>
+              </a:r>
+              <a:r>
+                <a:rPr b="1" lang="en-US" sz="1400" spc="-1" strike="noStrike">
+                  <a:solidFill>
+                    <a:srgbClr val="79abff"/>
+                  </a:solidFill>
+                  <a:latin typeface="Consolas"/>
+                  <a:ea typeface="Consolas"/>
+                </a:rPr>
+                <a:t>no</a:t>
+              </a:r>
+              <a:r>
+                <a:rPr b="1" lang="en-US" sz="1800" spc="-1" strike="noStrike">
+                  <a:solidFill>
+                    <a:srgbClr val="000000"/>
+                  </a:solidFill>
+                  <a:latin typeface="굴림"/>
+                  <a:ea typeface="DejaVu Sans"/>
+                </a:rPr>
+                <a:t>)</a:t>
+              </a:r>
+              <a:endParaRPr b="0" lang="en-US" sz="1800" spc="-1" strike="noStrike">
+                <a:latin typeface="굴림"/>
+              </a:endParaRPr>
+            </a:p>
+          </p:txBody>
+        </p:sp>
+        <p:sp>
+          <p:nvSpPr>
+            <p:cNvPr id="292" name="CustomShape 113"/>
+            <p:cNvSpPr/>
+            <p:nvPr/>
+          </p:nvSpPr>
+          <p:spPr>
+            <a:xfrm>
+              <a:off x="14491080" y="15147000"/>
+              <a:ext cx="1220760" cy="333000"/>
+            </a:xfrm>
+            <a:prstGeom prst="rect">
+              <a:avLst/>
+            </a:prstGeom>
+            <a:noFill/>
+            <a:ln>
+              <a:noFill/>
+            </a:ln>
+          </p:spPr>
+          <p:style>
+            <a:lnRef idx="0"/>
+            <a:fillRef idx="0"/>
+            <a:effectRef idx="0"/>
+            <a:fontRef idx="minor"/>
+          </p:style>
+          <p:txBody>
+            <a:bodyPr lIns="90000" rIns="90000" tIns="45000" bIns="45000">
+              <a:spAutoFit/>
+            </a:bodyPr>
+            <a:p>
+              <a:pPr>
+                <a:lnSpc>
+                  <a:spcPct val="100000"/>
+                </a:lnSpc>
+              </a:pPr>
+              <a:r>
+                <a:rPr b="1" lang="en-US" sz="1600" spc="-1" strike="noStrike">
+                  <a:solidFill>
+                    <a:srgbClr val="000000"/>
+                  </a:solidFill>
+                  <a:latin typeface="굴림"/>
+                  <a:ea typeface="DejaVu Sans"/>
+                </a:rPr>
+                <a:t>count</a:t>
+              </a:r>
+              <a:endParaRPr b="0" lang="en-US" sz="1600" spc="-1" strike="noStrike">
+                <a:latin typeface="굴림"/>
+              </a:endParaRPr>
+            </a:p>
+          </p:txBody>
+        </p:sp>
+      </p:grpSp>
+      <p:sp>
+        <p:nvSpPr>
+          <p:cNvPr id="293" name="CustomShape 114"/>
+          <p:cNvSpPr/>
+          <p:nvPr/>
+        </p:nvSpPr>
+        <p:spPr>
+          <a:xfrm>
+            <a:off x="27864000" y="14234040"/>
+            <a:ext cx="4103640" cy="333720"/>
+          </a:xfrm>
+          <a:prstGeom prst="rect">
+            <a:avLst/>
+          </a:prstGeom>
+          <a:noFill/>
+          <a:ln>
+            <a:noFill/>
+          </a:ln>
+        </p:spPr>
+        <p:style>
+          <a:lnRef idx="0"/>
+          <a:fillRef idx="0"/>
+          <a:effectRef idx="0"/>
+          <a:fontRef idx="minor"/>
+        </p:style>
+        <p:txBody>
+          <a:bodyPr lIns="90000" rIns="90000" tIns="45000" bIns="45000">
+            <a:spAutoFit/>
+          </a:bodyPr>
+          <a:p>
+            <a:pPr>
+              <a:lnSpc>
+                <a:spcPct val="100000"/>
+              </a:lnSpc>
+            </a:pPr>
+            <a:r>
+              <a:rPr b="0" lang="en-US" sz="1400" spc="-1" strike="noStrike">
+                <a:solidFill>
+                  <a:srgbClr val="a7ec21"/>
+                </a:solidFill>
+                <a:latin typeface="Consolas"/>
+                <a:ea typeface="Consolas"/>
+              </a:rPr>
+              <a:t>parameterType</a:t>
+            </a:r>
+            <a:r>
+              <a:rPr b="0" lang="en-US" sz="1400" spc="-1" strike="noStrike">
+                <a:solidFill>
+                  <a:srgbClr val="52ca11"/>
+                </a:solidFill>
+                <a:latin typeface="Consolas"/>
+                <a:ea typeface="Consolas"/>
+              </a:rPr>
+              <a:t>=</a:t>
+            </a:r>
+            <a:r>
+              <a:rPr b="0" i="1" lang="en-US" sz="1400" spc="-1" strike="noStrike">
+                <a:solidFill>
+                  <a:srgbClr val="17c694"/>
+                </a:solidFill>
+                <a:latin typeface="Consolas"/>
+                <a:ea typeface="Consolas"/>
+              </a:rPr>
+              <a:t>"</a:t>
+            </a:r>
+            <a:r>
+              <a:rPr b="1" lang="en-US" sz="1600" spc="-1" strike="noStrike">
+                <a:solidFill>
+                  <a:srgbClr val="17c694"/>
+                </a:solidFill>
+                <a:latin typeface="Consolas"/>
+                <a:ea typeface="Consolas"/>
+              </a:rPr>
+              <a:t>int</a:t>
+            </a:r>
+            <a:r>
+              <a:rPr b="0" i="1" lang="en-US" sz="1400" spc="-1" strike="noStrike">
+                <a:solidFill>
+                  <a:srgbClr val="17c694"/>
+                </a:solidFill>
+                <a:latin typeface="Consolas"/>
+                <a:ea typeface="Consolas"/>
+              </a:rPr>
+              <a:t>"</a:t>
+            </a:r>
+            <a:endParaRPr b="0" lang="en-US" sz="1400" spc="-1" strike="noStrike">
+              <a:latin typeface="굴림"/>
+            </a:endParaRPr>
+          </a:p>
+        </p:txBody>
+      </p:sp>
+      <p:sp>
+        <p:nvSpPr>
+          <p:cNvPr id="294" name="CustomShape 115"/>
+          <p:cNvSpPr/>
+          <p:nvPr/>
+        </p:nvSpPr>
+        <p:spPr>
+          <a:xfrm>
+            <a:off x="1800000" y="15674040"/>
+            <a:ext cx="1295640" cy="287640"/>
+          </a:xfrm>
+          <a:prstGeom prst="rect">
+            <a:avLst/>
+          </a:prstGeom>
+          <a:solidFill>
+            <a:srgbClr val="4472c4"/>
+          </a:solidFill>
+          <a:ln w="12600">
+            <a:solidFill>
+              <a:srgbClr val="325490"/>
+            </a:solidFill>
+            <a:miter/>
+          </a:ln>
+        </p:spPr>
+        <p:style>
+          <a:lnRef idx="0"/>
+          <a:fillRef idx="0"/>
+          <a:effectRef idx="0"/>
+          <a:fontRef idx="minor"/>
+        </p:style>
+        <p:txBody>
+          <a:bodyPr lIns="90000" rIns="90000" tIns="45000" bIns="45000" anchor="ctr">
+            <a:noAutofit/>
+          </a:bodyPr>
+          <a:p>
+            <a:pPr algn="ctr">
+              <a:lnSpc>
+                <a:spcPct val="100000"/>
+              </a:lnSpc>
+            </a:pPr>
+            <a:r>
+              <a:rPr b="0" lang="en-US" sz="1800" spc="-1" strike="noStrike">
+                <a:solidFill>
+                  <a:srgbClr val="ffffff"/>
+                </a:solidFill>
+                <a:latin typeface="Calibri"/>
+                <a:ea typeface="DejaVu Sans"/>
+              </a:rPr>
+              <a:t>응답화면</a:t>
+            </a:r>
+            <a:endParaRPr b="0" lang="en-US" sz="1800" spc="-1" strike="noStrike">
+              <a:latin typeface="굴림"/>
+            </a:endParaRPr>
+          </a:p>
+        </p:txBody>
+      </p:sp>
+      <p:pic>
+        <p:nvPicPr>
+          <p:cNvPr id="295" name="" descr=""/>
+          <p:cNvPicPr/>
+          <p:nvPr/>
+        </p:nvPicPr>
+        <p:blipFill>
+          <a:blip r:embed="rId6"/>
+          <a:stretch/>
+        </p:blipFill>
+        <p:spPr>
+          <a:xfrm>
+            <a:off x="288000" y="16034040"/>
+            <a:ext cx="4391640" cy="2303640"/>
+          </a:xfrm>
+          <a:prstGeom prst="rect">
+            <a:avLst/>
+          </a:prstGeom>
+          <a:ln>
+            <a:noFill/>
+          </a:ln>
+        </p:spPr>
+      </p:pic>
+      <p:sp>
+        <p:nvSpPr>
+          <p:cNvPr id="296" name="CustomShape 116"/>
+          <p:cNvSpPr/>
+          <p:nvPr/>
+        </p:nvSpPr>
+        <p:spPr>
+          <a:xfrm>
+            <a:off x="6984000" y="15890040"/>
+            <a:ext cx="2499480" cy="364320"/>
+          </a:xfrm>
+          <a:prstGeom prst="rect">
+            <a:avLst/>
+          </a:prstGeom>
+          <a:noFill/>
+          <a:ln>
+            <a:noFill/>
+          </a:ln>
+        </p:spPr>
+        <p:style>
+          <a:lnRef idx="0"/>
+          <a:fillRef idx="0"/>
+          <a:effectRef idx="0"/>
+          <a:fontRef idx="minor"/>
+        </p:style>
+        <p:txBody>
+          <a:bodyPr lIns="90000" rIns="90000" tIns="45000" bIns="45000">
+            <a:spAutoFit/>
+          </a:bodyPr>
+          <a:p>
+            <a:pPr>
+              <a:lnSpc>
+                <a:spcPct val="100000"/>
+              </a:lnSpc>
+            </a:pPr>
+            <a:r>
+              <a:rPr b="1" lang="en-US" sz="1800" spc="-1" strike="noStrike">
+                <a:solidFill>
+                  <a:srgbClr val="000000"/>
+                </a:solidFill>
+                <a:latin typeface="굴림"/>
+                <a:ea typeface="DejaVu Sans"/>
+              </a:rPr>
+              <a:t>redirect:/board/list</a:t>
+            </a:r>
+            <a:endParaRPr b="0" lang="en-US" sz="1800" spc="-1" strike="noStrike">
+              <a:latin typeface="굴림"/>
             </a:endParaRPr>
           </a:p>
         </p:txBody>
